--- a/documents/Varmenteet yrityskäytössä pp.pptx
+++ b/documents/Varmenteet yrityskäytössä pp.pptx
@@ -1,28 +1,123 @@
 
 <file path=ppt/presentation.xml><?xml version="1.0" encoding="utf-8"?>
-<p:presentation xmlns:a="http://schemas.openxmlformats.org/drawingml/2006/main" xmlns:p="http://schemas.openxmlformats.org/presentationml/2006/main" xmlns:r="http://schemas.openxmlformats.org/officeDocument/2006/relationships" xmlns:p14="http://schemas.microsoft.com/office/powerpoint/2010/main" xmlns:p15="http://schemas.microsoft.com/office/powerpoint/2012/main" xmlns:mc="http://schemas.openxmlformats.org/markup-compatibility/2006">
+<p:presentation xmlns:a="http://schemas.openxmlformats.org/drawingml/2006/main" xmlns:r="http://schemas.openxmlformats.org/officeDocument/2006/relationships" xmlns:p="http://schemas.openxmlformats.org/presentationml/2006/main">
   <p:sldMasterIdLst>
-    <p:sldMasterId id="2147483648" r:id="rId2"/>
-    <p:sldMasterId id="2147483661" r:id="rId3"/>
+    <p:sldMasterId id="2147483648" r:id="rId1"/>
+    <p:sldMasterId id="2147483661" r:id="rId2"/>
   </p:sldMasterIdLst>
   <p:sldIdLst>
-    <p:sldId id="256" r:id="rId4"/>
-    <p:sldId id="257" r:id="rId5"/>
-    <p:sldId id="258" r:id="rId6"/>
-    <p:sldId id="259" r:id="rId7"/>
-    <p:sldId id="260" r:id="rId8"/>
-    <p:sldId id="261" r:id="rId9"/>
-    <p:sldId id="262" r:id="rId10"/>
-    <p:sldId id="263" r:id="rId11"/>
-    <p:sldId id="264" r:id="rId12"/>
+    <p:sldId id="256" r:id="rId3"/>
+    <p:sldId id="257" r:id="rId4"/>
+    <p:sldId id="258" r:id="rId5"/>
+    <p:sldId id="259" r:id="rId6"/>
+    <p:sldId id="260" r:id="rId7"/>
+    <p:sldId id="261" r:id="rId8"/>
+    <p:sldId id="262" r:id="rId9"/>
+    <p:sldId id="263" r:id="rId10"/>
+    <p:sldId id="264" r:id="rId11"/>
   </p:sldIdLst>
   <p:sldSz cx="10080625" cy="7559675"/>
-  <p:notesSz cx="7559675" cy="10691812"/>
+  <p:notesSz cx="7559675" cy="10691813"/>
+  <p:defaultTextStyle>
+    <a:defPPr>
+      <a:defRPr lang="en-US"/>
+    </a:defPPr>
+    <a:lvl1pPr marL="0" algn="l" defTabSz="914400" rtl="0" eaLnBrk="1" latinLnBrk="0" hangingPunct="1">
+      <a:defRPr sz="1800" kern="1200">
+        <a:solidFill>
+          <a:schemeClr val="tx1"/>
+        </a:solidFill>
+        <a:latin typeface="+mn-lt"/>
+        <a:ea typeface="+mn-ea"/>
+        <a:cs typeface="+mn-cs"/>
+      </a:defRPr>
+    </a:lvl1pPr>
+    <a:lvl2pPr marL="457200" algn="l" defTabSz="914400" rtl="0" eaLnBrk="1" latinLnBrk="0" hangingPunct="1">
+      <a:defRPr sz="1800" kern="1200">
+        <a:solidFill>
+          <a:schemeClr val="tx1"/>
+        </a:solidFill>
+        <a:latin typeface="+mn-lt"/>
+        <a:ea typeface="+mn-ea"/>
+        <a:cs typeface="+mn-cs"/>
+      </a:defRPr>
+    </a:lvl2pPr>
+    <a:lvl3pPr marL="914400" algn="l" defTabSz="914400" rtl="0" eaLnBrk="1" latinLnBrk="0" hangingPunct="1">
+      <a:defRPr sz="1800" kern="1200">
+        <a:solidFill>
+          <a:schemeClr val="tx1"/>
+        </a:solidFill>
+        <a:latin typeface="+mn-lt"/>
+        <a:ea typeface="+mn-ea"/>
+        <a:cs typeface="+mn-cs"/>
+      </a:defRPr>
+    </a:lvl3pPr>
+    <a:lvl4pPr marL="1371600" algn="l" defTabSz="914400" rtl="0" eaLnBrk="1" latinLnBrk="0" hangingPunct="1">
+      <a:defRPr sz="1800" kern="1200">
+        <a:solidFill>
+          <a:schemeClr val="tx1"/>
+        </a:solidFill>
+        <a:latin typeface="+mn-lt"/>
+        <a:ea typeface="+mn-ea"/>
+        <a:cs typeface="+mn-cs"/>
+      </a:defRPr>
+    </a:lvl4pPr>
+    <a:lvl5pPr marL="1828800" algn="l" defTabSz="914400" rtl="0" eaLnBrk="1" latinLnBrk="0" hangingPunct="1">
+      <a:defRPr sz="1800" kern="1200">
+        <a:solidFill>
+          <a:schemeClr val="tx1"/>
+        </a:solidFill>
+        <a:latin typeface="+mn-lt"/>
+        <a:ea typeface="+mn-ea"/>
+        <a:cs typeface="+mn-cs"/>
+      </a:defRPr>
+    </a:lvl5pPr>
+    <a:lvl6pPr marL="2286000" algn="l" defTabSz="914400" rtl="0" eaLnBrk="1" latinLnBrk="0" hangingPunct="1">
+      <a:defRPr sz="1800" kern="1200">
+        <a:solidFill>
+          <a:schemeClr val="tx1"/>
+        </a:solidFill>
+        <a:latin typeface="+mn-lt"/>
+        <a:ea typeface="+mn-ea"/>
+        <a:cs typeface="+mn-cs"/>
+      </a:defRPr>
+    </a:lvl6pPr>
+    <a:lvl7pPr marL="2743200" algn="l" defTabSz="914400" rtl="0" eaLnBrk="1" latinLnBrk="0" hangingPunct="1">
+      <a:defRPr sz="1800" kern="1200">
+        <a:solidFill>
+          <a:schemeClr val="tx1"/>
+        </a:solidFill>
+        <a:latin typeface="+mn-lt"/>
+        <a:ea typeface="+mn-ea"/>
+        <a:cs typeface="+mn-cs"/>
+      </a:defRPr>
+    </a:lvl7pPr>
+    <a:lvl8pPr marL="3200400" algn="l" defTabSz="914400" rtl="0" eaLnBrk="1" latinLnBrk="0" hangingPunct="1">
+      <a:defRPr sz="1800" kern="1200">
+        <a:solidFill>
+          <a:schemeClr val="tx1"/>
+        </a:solidFill>
+        <a:latin typeface="+mn-lt"/>
+        <a:ea typeface="+mn-ea"/>
+        <a:cs typeface="+mn-cs"/>
+      </a:defRPr>
+    </a:lvl8pPr>
+    <a:lvl9pPr marL="3657600" algn="l" defTabSz="914400" rtl="0" eaLnBrk="1" latinLnBrk="0" hangingPunct="1">
+      <a:defRPr sz="1800" kern="1200">
+        <a:solidFill>
+          <a:schemeClr val="tx1"/>
+        </a:solidFill>
+        <a:latin typeface="+mn-lt"/>
+        <a:ea typeface="+mn-ea"/>
+        <a:cs typeface="+mn-cs"/>
+      </a:defRPr>
+    </a:lvl9pPr>
+  </p:defaultTextStyle>
 </p:presentation>
 </file>
 
 <file path=ppt/slideLayouts/slideLayout1.xml><?xml version="1.0" encoding="utf-8"?>
-<p:sldLayout xmlns:a="http://schemas.openxmlformats.org/drawingml/2006/main" xmlns:p="http://schemas.openxmlformats.org/presentationml/2006/main" xmlns:r="http://schemas.openxmlformats.org/officeDocument/2006/relationships" xmlns:p14="http://schemas.microsoft.com/office/powerpoint/2010/main" xmlns:p15="http://schemas.microsoft.com/office/powerpoint/2012/main" xmlns:mc="http://schemas.openxmlformats.org/markup-compatibility/2006" type="blank" preserve="1">
+<p:sldLayout xmlns:a="http://schemas.openxmlformats.org/drawingml/2006/main" xmlns:r="http://schemas.openxmlformats.org/officeDocument/2006/relationships" xmlns:p="http://schemas.openxmlformats.org/presentationml/2006/main" type="blank" preserve="1">
   <p:cSld name="Blank Slide">
     <p:spTree>
       <p:nvGrpSpPr>
@@ -40,11 +135,14 @@
       </p:grpSpPr>
     </p:spTree>
   </p:cSld>
+  <p:clrMapOvr>
+    <a:masterClrMapping/>
+  </p:clrMapOvr>
 </p:sldLayout>
 </file>
 
 <file path=ppt/slideLayouts/slideLayout10.xml><?xml version="1.0" encoding="utf-8"?>
-<p:sldLayout xmlns:a="http://schemas.openxmlformats.org/drawingml/2006/main" xmlns:p="http://schemas.openxmlformats.org/presentationml/2006/main" xmlns:r="http://schemas.openxmlformats.org/officeDocument/2006/relationships" xmlns:p14="http://schemas.microsoft.com/office/powerpoint/2010/main" xmlns:p15="http://schemas.microsoft.com/office/powerpoint/2012/main" xmlns:mc="http://schemas.openxmlformats.org/markup-compatibility/2006" type="objOverTx" preserve="1">
+<p:sldLayout xmlns:a="http://schemas.openxmlformats.org/drawingml/2006/main" xmlns:r="http://schemas.openxmlformats.org/officeDocument/2006/relationships" xmlns:p="http://schemas.openxmlformats.org/presentationml/2006/main" type="objOverTx" preserve="1">
   <p:cSld name="Title, Content over Content">
     <p:spTree>
       <p:nvGrpSpPr>
@@ -80,12 +178,13 @@
           </a:prstGeom>
         </p:spPr>
         <p:txBody>
-          <a:bodyPr lIns="0" rIns="0" tIns="0" bIns="0" anchor="ctr"/>
+          <a:bodyPr lIns="0" tIns="0" rIns="0" bIns="0" anchor="ctr"/>
+          <a:lstStyle/>
           <a:p>
             <a:pPr algn="ctr"/>
-            <a:endParaRPr b="0" lang="en-US" sz="5860" spc="-1" strike="noStrike">
-              <a:solidFill>
-                <a:srgbClr val="ffffff"/>
+            <a:endParaRPr lang="en-US" sz="5860" b="0" strike="noStrike" spc="-1">
+              <a:solidFill>
+                <a:srgbClr val="FFFFFF"/>
               </a:solidFill>
               <a:latin typeface="Arial"/>
             </a:endParaRPr>
@@ -112,13 +211,14 @@
           </a:prstGeom>
         </p:spPr>
         <p:txBody>
-          <a:bodyPr lIns="0" rIns="0" tIns="0" bIns="0">
+          <a:bodyPr lIns="0" tIns="0" rIns="0" bIns="0">
             <a:normAutofit/>
           </a:bodyPr>
-          <a:p>
-            <a:endParaRPr b="0" lang="en-US" sz="4260" spc="-1" strike="noStrike">
-              <a:solidFill>
-                <a:srgbClr val="ffffff"/>
+          <a:lstStyle/>
+          <a:p>
+            <a:endParaRPr lang="en-US" sz="4260" b="0" strike="noStrike" spc="-1">
+              <a:solidFill>
+                <a:srgbClr val="FFFFFF"/>
               </a:solidFill>
               <a:latin typeface="Arial"/>
             </a:endParaRPr>
@@ -145,13 +245,14 @@
           </a:prstGeom>
         </p:spPr>
         <p:txBody>
-          <a:bodyPr lIns="0" rIns="0" tIns="0" bIns="0">
+          <a:bodyPr lIns="0" tIns="0" rIns="0" bIns="0">
             <a:normAutofit/>
           </a:bodyPr>
-          <a:p>
-            <a:endParaRPr b="0" lang="en-US" sz="4260" spc="-1" strike="noStrike">
-              <a:solidFill>
-                <a:srgbClr val="ffffff"/>
+          <a:lstStyle/>
+          <a:p>
+            <a:endParaRPr lang="en-US" sz="4260" b="0" strike="noStrike" spc="-1">
+              <a:solidFill>
+                <a:srgbClr val="FFFFFF"/>
               </a:solidFill>
               <a:latin typeface="Arial"/>
             </a:endParaRPr>
@@ -160,11 +261,14 @@
       </p:sp>
     </p:spTree>
   </p:cSld>
+  <p:clrMapOvr>
+    <a:masterClrMapping/>
+  </p:clrMapOvr>
 </p:sldLayout>
 </file>
 
 <file path=ppt/slideLayouts/slideLayout11.xml><?xml version="1.0" encoding="utf-8"?>
-<p:sldLayout xmlns:a="http://schemas.openxmlformats.org/drawingml/2006/main" xmlns:p="http://schemas.openxmlformats.org/presentationml/2006/main" xmlns:r="http://schemas.openxmlformats.org/officeDocument/2006/relationships" xmlns:p14="http://schemas.microsoft.com/office/powerpoint/2010/main" xmlns:p15="http://schemas.microsoft.com/office/powerpoint/2012/main" xmlns:mc="http://schemas.openxmlformats.org/markup-compatibility/2006" type="fourObj" preserve="1">
+<p:sldLayout xmlns:a="http://schemas.openxmlformats.org/drawingml/2006/main" xmlns:r="http://schemas.openxmlformats.org/officeDocument/2006/relationships" xmlns:p="http://schemas.openxmlformats.org/presentationml/2006/main" type="fourObj" preserve="1">
   <p:cSld name="Title, 4 Content">
     <p:spTree>
       <p:nvGrpSpPr>
@@ -200,12 +304,13 @@
           </a:prstGeom>
         </p:spPr>
         <p:txBody>
-          <a:bodyPr lIns="0" rIns="0" tIns="0" bIns="0" anchor="ctr"/>
+          <a:bodyPr lIns="0" tIns="0" rIns="0" bIns="0" anchor="ctr"/>
+          <a:lstStyle/>
           <a:p>
             <a:pPr algn="ctr"/>
-            <a:endParaRPr b="0" lang="en-US" sz="5860" spc="-1" strike="noStrike">
-              <a:solidFill>
-                <a:srgbClr val="ffffff"/>
+            <a:endParaRPr lang="en-US" sz="5860" b="0" strike="noStrike" spc="-1">
+              <a:solidFill>
+                <a:srgbClr val="FFFFFF"/>
               </a:solidFill>
               <a:latin typeface="Arial"/>
             </a:endParaRPr>
@@ -232,13 +337,14 @@
           </a:prstGeom>
         </p:spPr>
         <p:txBody>
-          <a:bodyPr lIns="0" rIns="0" tIns="0" bIns="0">
+          <a:bodyPr lIns="0" tIns="0" rIns="0" bIns="0">
             <a:normAutofit/>
           </a:bodyPr>
-          <a:p>
-            <a:endParaRPr b="0" lang="en-US" sz="4260" spc="-1" strike="noStrike">
-              <a:solidFill>
-                <a:srgbClr val="ffffff"/>
+          <a:lstStyle/>
+          <a:p>
+            <a:endParaRPr lang="en-US" sz="4260" b="0" strike="noStrike" spc="-1">
+              <a:solidFill>
+                <a:srgbClr val="FFFFFF"/>
               </a:solidFill>
               <a:latin typeface="Arial"/>
             </a:endParaRPr>
@@ -265,13 +371,14 @@
           </a:prstGeom>
         </p:spPr>
         <p:txBody>
-          <a:bodyPr lIns="0" rIns="0" tIns="0" bIns="0">
+          <a:bodyPr lIns="0" tIns="0" rIns="0" bIns="0">
             <a:normAutofit/>
           </a:bodyPr>
-          <a:p>
-            <a:endParaRPr b="0" lang="en-US" sz="4260" spc="-1" strike="noStrike">
-              <a:solidFill>
-                <a:srgbClr val="ffffff"/>
+          <a:lstStyle/>
+          <a:p>
+            <a:endParaRPr lang="en-US" sz="4260" b="0" strike="noStrike" spc="-1">
+              <a:solidFill>
+                <a:srgbClr val="FFFFFF"/>
               </a:solidFill>
               <a:latin typeface="Arial"/>
             </a:endParaRPr>
@@ -298,13 +405,14 @@
           </a:prstGeom>
         </p:spPr>
         <p:txBody>
-          <a:bodyPr lIns="0" rIns="0" tIns="0" bIns="0">
+          <a:bodyPr lIns="0" tIns="0" rIns="0" bIns="0">
             <a:normAutofit/>
           </a:bodyPr>
-          <a:p>
-            <a:endParaRPr b="0" lang="en-US" sz="4260" spc="-1" strike="noStrike">
-              <a:solidFill>
-                <a:srgbClr val="ffffff"/>
+          <a:lstStyle/>
+          <a:p>
+            <a:endParaRPr lang="en-US" sz="4260" b="0" strike="noStrike" spc="-1">
+              <a:solidFill>
+                <a:srgbClr val="FFFFFF"/>
               </a:solidFill>
               <a:latin typeface="Arial"/>
             </a:endParaRPr>
@@ -331,13 +439,14 @@
           </a:prstGeom>
         </p:spPr>
         <p:txBody>
-          <a:bodyPr lIns="0" rIns="0" tIns="0" bIns="0">
+          <a:bodyPr lIns="0" tIns="0" rIns="0" bIns="0">
             <a:normAutofit/>
           </a:bodyPr>
-          <a:p>
-            <a:endParaRPr b="0" lang="en-US" sz="4260" spc="-1" strike="noStrike">
-              <a:solidFill>
-                <a:srgbClr val="ffffff"/>
+          <a:lstStyle/>
+          <a:p>
+            <a:endParaRPr lang="en-US" sz="4260" b="0" strike="noStrike" spc="-1">
+              <a:solidFill>
+                <a:srgbClr val="FFFFFF"/>
               </a:solidFill>
               <a:latin typeface="Arial"/>
             </a:endParaRPr>
@@ -346,11 +455,14 @@
       </p:sp>
     </p:spTree>
   </p:cSld>
+  <p:clrMapOvr>
+    <a:masterClrMapping/>
+  </p:clrMapOvr>
 </p:sldLayout>
 </file>
 
 <file path=ppt/slideLayouts/slideLayout12.xml><?xml version="1.0" encoding="utf-8"?>
-<p:sldLayout xmlns:a="http://schemas.openxmlformats.org/drawingml/2006/main" xmlns:p="http://schemas.openxmlformats.org/presentationml/2006/main" xmlns:r="http://schemas.openxmlformats.org/officeDocument/2006/relationships" xmlns:p14="http://schemas.microsoft.com/office/powerpoint/2010/main" xmlns:p15="http://schemas.microsoft.com/office/powerpoint/2012/main" xmlns:mc="http://schemas.openxmlformats.org/markup-compatibility/2006" type="blank" preserve="1">
+<p:sldLayout xmlns:a="http://schemas.openxmlformats.org/drawingml/2006/main" xmlns:r="http://schemas.openxmlformats.org/officeDocument/2006/relationships" xmlns:p="http://schemas.openxmlformats.org/presentationml/2006/main" type="blank" preserve="1">
   <p:cSld name="Title, 6 Content">
     <p:spTree>
       <p:nvGrpSpPr>
@@ -386,12 +498,13 @@
           </a:prstGeom>
         </p:spPr>
         <p:txBody>
-          <a:bodyPr lIns="0" rIns="0" tIns="0" bIns="0" anchor="ctr"/>
+          <a:bodyPr lIns="0" tIns="0" rIns="0" bIns="0" anchor="ctr"/>
+          <a:lstStyle/>
           <a:p>
             <a:pPr algn="ctr"/>
-            <a:endParaRPr b="0" lang="en-US" sz="5860" spc="-1" strike="noStrike">
-              <a:solidFill>
-                <a:srgbClr val="ffffff"/>
+            <a:endParaRPr lang="en-US" sz="5860" b="0" strike="noStrike" spc="-1">
+              <a:solidFill>
+                <a:srgbClr val="FFFFFF"/>
               </a:solidFill>
               <a:latin typeface="Arial"/>
             </a:endParaRPr>
@@ -418,13 +531,14 @@
           </a:prstGeom>
         </p:spPr>
         <p:txBody>
-          <a:bodyPr lIns="0" rIns="0" tIns="0" bIns="0">
+          <a:bodyPr lIns="0" tIns="0" rIns="0" bIns="0">
             <a:normAutofit/>
           </a:bodyPr>
-          <a:p>
-            <a:endParaRPr b="0" lang="en-US" sz="4260" spc="-1" strike="noStrike">
-              <a:solidFill>
-                <a:srgbClr val="ffffff"/>
+          <a:lstStyle/>
+          <a:p>
+            <a:endParaRPr lang="en-US" sz="4260" b="0" strike="noStrike" spc="-1">
+              <a:solidFill>
+                <a:srgbClr val="FFFFFF"/>
               </a:solidFill>
               <a:latin typeface="Arial"/>
             </a:endParaRPr>
@@ -451,13 +565,14 @@
           </a:prstGeom>
         </p:spPr>
         <p:txBody>
-          <a:bodyPr lIns="0" rIns="0" tIns="0" bIns="0">
+          <a:bodyPr lIns="0" tIns="0" rIns="0" bIns="0">
             <a:normAutofit/>
           </a:bodyPr>
-          <a:p>
-            <a:endParaRPr b="0" lang="en-US" sz="4260" spc="-1" strike="noStrike">
-              <a:solidFill>
-                <a:srgbClr val="ffffff"/>
+          <a:lstStyle/>
+          <a:p>
+            <a:endParaRPr lang="en-US" sz="4260" b="0" strike="noStrike" spc="-1">
+              <a:solidFill>
+                <a:srgbClr val="FFFFFF"/>
               </a:solidFill>
               <a:latin typeface="Arial"/>
             </a:endParaRPr>
@@ -484,13 +599,14 @@
           </a:prstGeom>
         </p:spPr>
         <p:txBody>
-          <a:bodyPr lIns="0" rIns="0" tIns="0" bIns="0">
+          <a:bodyPr lIns="0" tIns="0" rIns="0" bIns="0">
             <a:normAutofit/>
           </a:bodyPr>
-          <a:p>
-            <a:endParaRPr b="0" lang="en-US" sz="4260" spc="-1" strike="noStrike">
-              <a:solidFill>
-                <a:srgbClr val="ffffff"/>
+          <a:lstStyle/>
+          <a:p>
+            <a:endParaRPr lang="en-US" sz="4260" b="0" strike="noStrike" spc="-1">
+              <a:solidFill>
+                <a:srgbClr val="FFFFFF"/>
               </a:solidFill>
               <a:latin typeface="Arial"/>
             </a:endParaRPr>
@@ -517,13 +633,14 @@
           </a:prstGeom>
         </p:spPr>
         <p:txBody>
-          <a:bodyPr lIns="0" rIns="0" tIns="0" bIns="0">
+          <a:bodyPr lIns="0" tIns="0" rIns="0" bIns="0">
             <a:normAutofit/>
           </a:bodyPr>
-          <a:p>
-            <a:endParaRPr b="0" lang="en-US" sz="4260" spc="-1" strike="noStrike">
-              <a:solidFill>
-                <a:srgbClr val="ffffff"/>
+          <a:lstStyle/>
+          <a:p>
+            <a:endParaRPr lang="en-US" sz="4260" b="0" strike="noStrike" spc="-1">
+              <a:solidFill>
+                <a:srgbClr val="FFFFFF"/>
               </a:solidFill>
               <a:latin typeface="Arial"/>
             </a:endParaRPr>
@@ -550,13 +667,14 @@
           </a:prstGeom>
         </p:spPr>
         <p:txBody>
-          <a:bodyPr lIns="0" rIns="0" tIns="0" bIns="0">
+          <a:bodyPr lIns="0" tIns="0" rIns="0" bIns="0">
             <a:normAutofit/>
           </a:bodyPr>
-          <a:p>
-            <a:endParaRPr b="0" lang="en-US" sz="4260" spc="-1" strike="noStrike">
-              <a:solidFill>
-                <a:srgbClr val="ffffff"/>
+          <a:lstStyle/>
+          <a:p>
+            <a:endParaRPr lang="en-US" sz="4260" b="0" strike="noStrike" spc="-1">
+              <a:solidFill>
+                <a:srgbClr val="FFFFFF"/>
               </a:solidFill>
               <a:latin typeface="Arial"/>
             </a:endParaRPr>
@@ -583,13 +701,14 @@
           </a:prstGeom>
         </p:spPr>
         <p:txBody>
-          <a:bodyPr lIns="0" rIns="0" tIns="0" bIns="0">
+          <a:bodyPr lIns="0" tIns="0" rIns="0" bIns="0">
             <a:normAutofit/>
           </a:bodyPr>
-          <a:p>
-            <a:endParaRPr b="0" lang="en-US" sz="4260" spc="-1" strike="noStrike">
-              <a:solidFill>
-                <a:srgbClr val="ffffff"/>
+          <a:lstStyle/>
+          <a:p>
+            <a:endParaRPr lang="en-US" sz="4260" b="0" strike="noStrike" spc="-1">
+              <a:solidFill>
+                <a:srgbClr val="FFFFFF"/>
               </a:solidFill>
               <a:latin typeface="Arial"/>
             </a:endParaRPr>
@@ -598,11 +717,14 @@
       </p:sp>
     </p:spTree>
   </p:cSld>
+  <p:clrMapOvr>
+    <a:masterClrMapping/>
+  </p:clrMapOvr>
 </p:sldLayout>
 </file>
 
 <file path=ppt/slideLayouts/slideLayout13.xml><?xml version="1.0" encoding="utf-8"?>
-<p:sldLayout xmlns:a="http://schemas.openxmlformats.org/drawingml/2006/main" xmlns:p="http://schemas.openxmlformats.org/presentationml/2006/main" xmlns:r="http://schemas.openxmlformats.org/officeDocument/2006/relationships" xmlns:p14="http://schemas.microsoft.com/office/powerpoint/2010/main" xmlns:p15="http://schemas.microsoft.com/office/powerpoint/2012/main" xmlns:mc="http://schemas.openxmlformats.org/markup-compatibility/2006" type="blank" preserve="1">
+<p:sldLayout xmlns:a="http://schemas.openxmlformats.org/drawingml/2006/main" xmlns:r="http://schemas.openxmlformats.org/officeDocument/2006/relationships" xmlns:p="http://schemas.openxmlformats.org/presentationml/2006/main" type="blank" preserve="1">
   <p:cSld name="Blank Slide">
     <p:spTree>
       <p:nvGrpSpPr>
@@ -620,11 +742,14 @@
       </p:grpSpPr>
     </p:spTree>
   </p:cSld>
+  <p:clrMapOvr>
+    <a:masterClrMapping/>
+  </p:clrMapOvr>
 </p:sldLayout>
 </file>
 
 <file path=ppt/slideLayouts/slideLayout14.xml><?xml version="1.0" encoding="utf-8"?>
-<p:sldLayout xmlns:a="http://schemas.openxmlformats.org/drawingml/2006/main" xmlns:p="http://schemas.openxmlformats.org/presentationml/2006/main" xmlns:r="http://schemas.openxmlformats.org/officeDocument/2006/relationships" xmlns:p14="http://schemas.microsoft.com/office/powerpoint/2010/main" xmlns:p15="http://schemas.microsoft.com/office/powerpoint/2012/main" xmlns:mc="http://schemas.openxmlformats.org/markup-compatibility/2006" type="tx" preserve="1">
+<p:sldLayout xmlns:a="http://schemas.openxmlformats.org/drawingml/2006/main" xmlns:r="http://schemas.openxmlformats.org/officeDocument/2006/relationships" xmlns:p="http://schemas.openxmlformats.org/presentationml/2006/main" type="tx" preserve="1">
   <p:cSld name="Title Slide">
     <p:spTree>
       <p:nvGrpSpPr>
@@ -660,12 +785,13 @@
           </a:prstGeom>
         </p:spPr>
         <p:txBody>
-          <a:bodyPr lIns="0" rIns="0" tIns="0" bIns="0" anchor="ctr"/>
+          <a:bodyPr lIns="0" tIns="0" rIns="0" bIns="0" anchor="ctr"/>
+          <a:lstStyle/>
           <a:p>
             <a:pPr algn="ctr"/>
-            <a:endParaRPr b="0" lang="en-US" sz="5860" spc="-1" strike="noStrike">
-              <a:solidFill>
-                <a:srgbClr val="ffffff"/>
+            <a:endParaRPr lang="en-US" sz="5860" b="0" strike="noStrike" spc="-1">
+              <a:solidFill>
+                <a:srgbClr val="FFFFFF"/>
               </a:solidFill>
               <a:latin typeface="Arial"/>
             </a:endParaRPr>
@@ -692,12 +818,13 @@
           </a:prstGeom>
         </p:spPr>
         <p:txBody>
-          <a:bodyPr lIns="0" rIns="0" tIns="0" bIns="0" anchor="ctr"/>
+          <a:bodyPr lIns="0" tIns="0" rIns="0" bIns="0" anchor="ctr"/>
+          <a:lstStyle/>
           <a:p>
             <a:pPr algn="ctr"/>
-            <a:endParaRPr b="0" lang="en-US" sz="3200" spc="-1" strike="noStrike">
-              <a:solidFill>
-                <a:srgbClr val="ffffff"/>
+            <a:endParaRPr lang="en-US" sz="3200" b="0" strike="noStrike" spc="-1">
+              <a:solidFill>
+                <a:srgbClr val="FFFFFF"/>
               </a:solidFill>
               <a:latin typeface="Arial"/>
             </a:endParaRPr>
@@ -706,11 +833,14 @@
       </p:sp>
     </p:spTree>
   </p:cSld>
+  <p:clrMapOvr>
+    <a:masterClrMapping/>
+  </p:clrMapOvr>
 </p:sldLayout>
 </file>
 
 <file path=ppt/slideLayouts/slideLayout15.xml><?xml version="1.0" encoding="utf-8"?>
-<p:sldLayout xmlns:a="http://schemas.openxmlformats.org/drawingml/2006/main" xmlns:p="http://schemas.openxmlformats.org/presentationml/2006/main" xmlns:r="http://schemas.openxmlformats.org/officeDocument/2006/relationships" xmlns:p14="http://schemas.microsoft.com/office/powerpoint/2010/main" xmlns:p15="http://schemas.microsoft.com/office/powerpoint/2012/main" xmlns:mc="http://schemas.openxmlformats.org/markup-compatibility/2006" type="obj" preserve="1">
+<p:sldLayout xmlns:a="http://schemas.openxmlformats.org/drawingml/2006/main" xmlns:r="http://schemas.openxmlformats.org/officeDocument/2006/relationships" xmlns:p="http://schemas.openxmlformats.org/presentationml/2006/main" type="obj" preserve="1">
   <p:cSld name="Title, Content">
     <p:spTree>
       <p:nvGrpSpPr>
@@ -746,12 +876,13 @@
           </a:prstGeom>
         </p:spPr>
         <p:txBody>
-          <a:bodyPr lIns="0" rIns="0" tIns="0" bIns="0" anchor="ctr"/>
+          <a:bodyPr lIns="0" tIns="0" rIns="0" bIns="0" anchor="ctr"/>
+          <a:lstStyle/>
           <a:p>
             <a:pPr algn="ctr"/>
-            <a:endParaRPr b="0" lang="en-US" sz="5860" spc="-1" strike="noStrike">
-              <a:solidFill>
-                <a:srgbClr val="ffffff"/>
+            <a:endParaRPr lang="en-US" sz="5860" b="0" strike="noStrike" spc="-1">
+              <a:solidFill>
+                <a:srgbClr val="FFFFFF"/>
               </a:solidFill>
               <a:latin typeface="Arial"/>
             </a:endParaRPr>
@@ -778,13 +909,14 @@
           </a:prstGeom>
         </p:spPr>
         <p:txBody>
-          <a:bodyPr lIns="0" rIns="0" tIns="0" bIns="0">
+          <a:bodyPr lIns="0" tIns="0" rIns="0" bIns="0">
             <a:normAutofit/>
           </a:bodyPr>
-          <a:p>
-            <a:endParaRPr b="0" lang="en-US" sz="4260" spc="-1" strike="noStrike">
-              <a:solidFill>
-                <a:srgbClr val="ffffff"/>
+          <a:lstStyle/>
+          <a:p>
+            <a:endParaRPr lang="en-US" sz="4260" b="0" strike="noStrike" spc="-1">
+              <a:solidFill>
+                <a:srgbClr val="FFFFFF"/>
               </a:solidFill>
               <a:latin typeface="Arial"/>
             </a:endParaRPr>
@@ -793,11 +925,14 @@
       </p:sp>
     </p:spTree>
   </p:cSld>
+  <p:clrMapOvr>
+    <a:masterClrMapping/>
+  </p:clrMapOvr>
 </p:sldLayout>
 </file>
 
 <file path=ppt/slideLayouts/slideLayout16.xml><?xml version="1.0" encoding="utf-8"?>
-<p:sldLayout xmlns:a="http://schemas.openxmlformats.org/drawingml/2006/main" xmlns:p="http://schemas.openxmlformats.org/presentationml/2006/main" xmlns:r="http://schemas.openxmlformats.org/officeDocument/2006/relationships" xmlns:p14="http://schemas.microsoft.com/office/powerpoint/2010/main" xmlns:p15="http://schemas.microsoft.com/office/powerpoint/2012/main" xmlns:mc="http://schemas.openxmlformats.org/markup-compatibility/2006" type="twoObj" preserve="1">
+<p:sldLayout xmlns:a="http://schemas.openxmlformats.org/drawingml/2006/main" xmlns:r="http://schemas.openxmlformats.org/officeDocument/2006/relationships" xmlns:p="http://schemas.openxmlformats.org/presentationml/2006/main" type="twoObj" preserve="1">
   <p:cSld name="Title, 2 Content">
     <p:spTree>
       <p:nvGrpSpPr>
@@ -833,12 +968,13 @@
           </a:prstGeom>
         </p:spPr>
         <p:txBody>
-          <a:bodyPr lIns="0" rIns="0" tIns="0" bIns="0" anchor="ctr"/>
+          <a:bodyPr lIns="0" tIns="0" rIns="0" bIns="0" anchor="ctr"/>
+          <a:lstStyle/>
           <a:p>
             <a:pPr algn="ctr"/>
-            <a:endParaRPr b="0" lang="en-US" sz="5860" spc="-1" strike="noStrike">
-              <a:solidFill>
-                <a:srgbClr val="ffffff"/>
+            <a:endParaRPr lang="en-US" sz="5860" b="0" strike="noStrike" spc="-1">
+              <a:solidFill>
+                <a:srgbClr val="FFFFFF"/>
               </a:solidFill>
               <a:latin typeface="Arial"/>
             </a:endParaRPr>
@@ -865,13 +1001,14 @@
           </a:prstGeom>
         </p:spPr>
         <p:txBody>
-          <a:bodyPr lIns="0" rIns="0" tIns="0" bIns="0">
+          <a:bodyPr lIns="0" tIns="0" rIns="0" bIns="0">
             <a:normAutofit/>
           </a:bodyPr>
-          <a:p>
-            <a:endParaRPr b="0" lang="en-US" sz="4260" spc="-1" strike="noStrike">
-              <a:solidFill>
-                <a:srgbClr val="ffffff"/>
+          <a:lstStyle/>
+          <a:p>
+            <a:endParaRPr lang="en-US" sz="4260" b="0" strike="noStrike" spc="-1">
+              <a:solidFill>
+                <a:srgbClr val="FFFFFF"/>
               </a:solidFill>
               <a:latin typeface="Arial"/>
             </a:endParaRPr>
@@ -898,13 +1035,14 @@
           </a:prstGeom>
         </p:spPr>
         <p:txBody>
-          <a:bodyPr lIns="0" rIns="0" tIns="0" bIns="0">
+          <a:bodyPr lIns="0" tIns="0" rIns="0" bIns="0">
             <a:normAutofit/>
           </a:bodyPr>
-          <a:p>
-            <a:endParaRPr b="0" lang="en-US" sz="4260" spc="-1" strike="noStrike">
-              <a:solidFill>
-                <a:srgbClr val="ffffff"/>
+          <a:lstStyle/>
+          <a:p>
+            <a:endParaRPr lang="en-US" sz="4260" b="0" strike="noStrike" spc="-1">
+              <a:solidFill>
+                <a:srgbClr val="FFFFFF"/>
               </a:solidFill>
               <a:latin typeface="Arial"/>
             </a:endParaRPr>
@@ -913,11 +1051,14 @@
       </p:sp>
     </p:spTree>
   </p:cSld>
+  <p:clrMapOvr>
+    <a:masterClrMapping/>
+  </p:clrMapOvr>
 </p:sldLayout>
 </file>
 
 <file path=ppt/slideLayouts/slideLayout17.xml><?xml version="1.0" encoding="utf-8"?>
-<p:sldLayout xmlns:a="http://schemas.openxmlformats.org/drawingml/2006/main" xmlns:p="http://schemas.openxmlformats.org/presentationml/2006/main" xmlns:r="http://schemas.openxmlformats.org/officeDocument/2006/relationships" xmlns:p14="http://schemas.microsoft.com/office/powerpoint/2010/main" xmlns:p15="http://schemas.microsoft.com/office/powerpoint/2012/main" xmlns:mc="http://schemas.openxmlformats.org/markup-compatibility/2006" type="titleOnly" preserve="1">
+<p:sldLayout xmlns:a="http://schemas.openxmlformats.org/drawingml/2006/main" xmlns:r="http://schemas.openxmlformats.org/officeDocument/2006/relationships" xmlns:p="http://schemas.openxmlformats.org/presentationml/2006/main" type="titleOnly" preserve="1">
   <p:cSld name="Title Only">
     <p:spTree>
       <p:nvGrpSpPr>
@@ -953,12 +1094,13 @@
           </a:prstGeom>
         </p:spPr>
         <p:txBody>
-          <a:bodyPr lIns="0" rIns="0" tIns="0" bIns="0" anchor="ctr"/>
+          <a:bodyPr lIns="0" tIns="0" rIns="0" bIns="0" anchor="ctr"/>
+          <a:lstStyle/>
           <a:p>
             <a:pPr algn="ctr"/>
-            <a:endParaRPr b="0" lang="en-US" sz="5860" spc="-1" strike="noStrike">
-              <a:solidFill>
-                <a:srgbClr val="ffffff"/>
+            <a:endParaRPr lang="en-US" sz="5860" b="0" strike="noStrike" spc="-1">
+              <a:solidFill>
+                <a:srgbClr val="FFFFFF"/>
               </a:solidFill>
               <a:latin typeface="Arial"/>
             </a:endParaRPr>
@@ -967,11 +1109,14 @@
       </p:sp>
     </p:spTree>
   </p:cSld>
+  <p:clrMapOvr>
+    <a:masterClrMapping/>
+  </p:clrMapOvr>
 </p:sldLayout>
 </file>
 
 <file path=ppt/slideLayouts/slideLayout18.xml><?xml version="1.0" encoding="utf-8"?>
-<p:sldLayout xmlns:a="http://schemas.openxmlformats.org/drawingml/2006/main" xmlns:p="http://schemas.openxmlformats.org/presentationml/2006/main" xmlns:r="http://schemas.openxmlformats.org/officeDocument/2006/relationships" xmlns:p14="http://schemas.microsoft.com/office/powerpoint/2010/main" xmlns:p15="http://schemas.microsoft.com/office/powerpoint/2012/main" xmlns:mc="http://schemas.openxmlformats.org/markup-compatibility/2006" type="objOnly" preserve="1">
+<p:sldLayout xmlns:a="http://schemas.openxmlformats.org/drawingml/2006/main" xmlns:r="http://schemas.openxmlformats.org/officeDocument/2006/relationships" xmlns:p="http://schemas.openxmlformats.org/presentationml/2006/main" type="objOnly" preserve="1">
   <p:cSld name="Centered Text">
     <p:spTree>
       <p:nvGrpSpPr>
@@ -1007,12 +1152,13 @@
           </a:prstGeom>
         </p:spPr>
         <p:txBody>
-          <a:bodyPr lIns="0" rIns="0" tIns="0" bIns="0" anchor="ctr"/>
+          <a:bodyPr lIns="0" tIns="0" rIns="0" bIns="0" anchor="ctr"/>
+          <a:lstStyle/>
           <a:p>
             <a:pPr algn="ctr"/>
-            <a:endParaRPr b="0" lang="en-US" sz="3200" spc="-1" strike="noStrike">
-              <a:solidFill>
-                <a:srgbClr val="ffffff"/>
+            <a:endParaRPr lang="en-US" sz="3200" b="0" strike="noStrike" spc="-1">
+              <a:solidFill>
+                <a:srgbClr val="FFFFFF"/>
               </a:solidFill>
               <a:latin typeface="Arial"/>
             </a:endParaRPr>
@@ -1021,11 +1167,14 @@
       </p:sp>
     </p:spTree>
   </p:cSld>
+  <p:clrMapOvr>
+    <a:masterClrMapping/>
+  </p:clrMapOvr>
 </p:sldLayout>
 </file>
 
 <file path=ppt/slideLayouts/slideLayout19.xml><?xml version="1.0" encoding="utf-8"?>
-<p:sldLayout xmlns:a="http://schemas.openxmlformats.org/drawingml/2006/main" xmlns:p="http://schemas.openxmlformats.org/presentationml/2006/main" xmlns:r="http://schemas.openxmlformats.org/officeDocument/2006/relationships" xmlns:p14="http://schemas.microsoft.com/office/powerpoint/2010/main" xmlns:p15="http://schemas.microsoft.com/office/powerpoint/2012/main" xmlns:mc="http://schemas.openxmlformats.org/markup-compatibility/2006" type="twoObjAndObj" preserve="1">
+<p:sldLayout xmlns:a="http://schemas.openxmlformats.org/drawingml/2006/main" xmlns:r="http://schemas.openxmlformats.org/officeDocument/2006/relationships" xmlns:p="http://schemas.openxmlformats.org/presentationml/2006/main" type="twoObjAndObj" preserve="1">
   <p:cSld name="Title, 2 Content and Content">
     <p:spTree>
       <p:nvGrpSpPr>
@@ -1061,12 +1210,13 @@
           </a:prstGeom>
         </p:spPr>
         <p:txBody>
-          <a:bodyPr lIns="0" rIns="0" tIns="0" bIns="0" anchor="ctr"/>
+          <a:bodyPr lIns="0" tIns="0" rIns="0" bIns="0" anchor="ctr"/>
+          <a:lstStyle/>
           <a:p>
             <a:pPr algn="ctr"/>
-            <a:endParaRPr b="0" lang="en-US" sz="5860" spc="-1" strike="noStrike">
-              <a:solidFill>
-                <a:srgbClr val="ffffff"/>
+            <a:endParaRPr lang="en-US" sz="5860" b="0" strike="noStrike" spc="-1">
+              <a:solidFill>
+                <a:srgbClr val="FFFFFF"/>
               </a:solidFill>
               <a:latin typeface="Arial"/>
             </a:endParaRPr>
@@ -1093,13 +1243,14 @@
           </a:prstGeom>
         </p:spPr>
         <p:txBody>
-          <a:bodyPr lIns="0" rIns="0" tIns="0" bIns="0">
+          <a:bodyPr lIns="0" tIns="0" rIns="0" bIns="0">
             <a:normAutofit/>
           </a:bodyPr>
-          <a:p>
-            <a:endParaRPr b="0" lang="en-US" sz="4260" spc="-1" strike="noStrike">
-              <a:solidFill>
-                <a:srgbClr val="ffffff"/>
+          <a:lstStyle/>
+          <a:p>
+            <a:endParaRPr lang="en-US" sz="4260" b="0" strike="noStrike" spc="-1">
+              <a:solidFill>
+                <a:srgbClr val="FFFFFF"/>
               </a:solidFill>
               <a:latin typeface="Arial"/>
             </a:endParaRPr>
@@ -1126,13 +1277,14 @@
           </a:prstGeom>
         </p:spPr>
         <p:txBody>
-          <a:bodyPr lIns="0" rIns="0" tIns="0" bIns="0">
+          <a:bodyPr lIns="0" tIns="0" rIns="0" bIns="0">
             <a:normAutofit/>
           </a:bodyPr>
-          <a:p>
-            <a:endParaRPr b="0" lang="en-US" sz="4260" spc="-1" strike="noStrike">
-              <a:solidFill>
-                <a:srgbClr val="ffffff"/>
+          <a:lstStyle/>
+          <a:p>
+            <a:endParaRPr lang="en-US" sz="4260" b="0" strike="noStrike" spc="-1">
+              <a:solidFill>
+                <a:srgbClr val="FFFFFF"/>
               </a:solidFill>
               <a:latin typeface="Arial"/>
             </a:endParaRPr>
@@ -1159,13 +1311,14 @@
           </a:prstGeom>
         </p:spPr>
         <p:txBody>
-          <a:bodyPr lIns="0" rIns="0" tIns="0" bIns="0">
+          <a:bodyPr lIns="0" tIns="0" rIns="0" bIns="0">
             <a:normAutofit/>
           </a:bodyPr>
-          <a:p>
-            <a:endParaRPr b="0" lang="en-US" sz="4260" spc="-1" strike="noStrike">
-              <a:solidFill>
-                <a:srgbClr val="ffffff"/>
+          <a:lstStyle/>
+          <a:p>
+            <a:endParaRPr lang="en-US" sz="4260" b="0" strike="noStrike" spc="-1">
+              <a:solidFill>
+                <a:srgbClr val="FFFFFF"/>
               </a:solidFill>
               <a:latin typeface="Arial"/>
             </a:endParaRPr>
@@ -1174,11 +1327,14 @@
       </p:sp>
     </p:spTree>
   </p:cSld>
+  <p:clrMapOvr>
+    <a:masterClrMapping/>
+  </p:clrMapOvr>
 </p:sldLayout>
 </file>
 
 <file path=ppt/slideLayouts/slideLayout2.xml><?xml version="1.0" encoding="utf-8"?>
-<p:sldLayout xmlns:a="http://schemas.openxmlformats.org/drawingml/2006/main" xmlns:p="http://schemas.openxmlformats.org/presentationml/2006/main" xmlns:r="http://schemas.openxmlformats.org/officeDocument/2006/relationships" xmlns:p14="http://schemas.microsoft.com/office/powerpoint/2010/main" xmlns:p15="http://schemas.microsoft.com/office/powerpoint/2012/main" xmlns:mc="http://schemas.openxmlformats.org/markup-compatibility/2006" type="tx" preserve="1">
+<p:sldLayout xmlns:a="http://schemas.openxmlformats.org/drawingml/2006/main" xmlns:r="http://schemas.openxmlformats.org/officeDocument/2006/relationships" xmlns:p="http://schemas.openxmlformats.org/presentationml/2006/main" type="tx" preserve="1">
   <p:cSld name="Title Slide">
     <p:spTree>
       <p:nvGrpSpPr>
@@ -1214,12 +1370,13 @@
           </a:prstGeom>
         </p:spPr>
         <p:txBody>
-          <a:bodyPr lIns="0" rIns="0" tIns="0" bIns="0" anchor="ctr"/>
+          <a:bodyPr lIns="0" tIns="0" rIns="0" bIns="0" anchor="ctr"/>
+          <a:lstStyle/>
           <a:p>
             <a:pPr algn="ctr"/>
-            <a:endParaRPr b="0" lang="en-US" sz="5860" spc="-1" strike="noStrike">
-              <a:solidFill>
-                <a:srgbClr val="ffffff"/>
+            <a:endParaRPr lang="en-US" sz="5860" b="0" strike="noStrike" spc="-1">
+              <a:solidFill>
+                <a:srgbClr val="FFFFFF"/>
               </a:solidFill>
               <a:latin typeface="Arial"/>
             </a:endParaRPr>
@@ -1246,12 +1403,13 @@
           </a:prstGeom>
         </p:spPr>
         <p:txBody>
-          <a:bodyPr lIns="0" rIns="0" tIns="0" bIns="0" anchor="ctr"/>
+          <a:bodyPr lIns="0" tIns="0" rIns="0" bIns="0" anchor="ctr"/>
+          <a:lstStyle/>
           <a:p>
             <a:pPr algn="ctr"/>
-            <a:endParaRPr b="0" lang="en-US" sz="3200" spc="-1" strike="noStrike">
-              <a:solidFill>
-                <a:srgbClr val="ffffff"/>
+            <a:endParaRPr lang="en-US" sz="3200" b="0" strike="noStrike" spc="-1">
+              <a:solidFill>
+                <a:srgbClr val="FFFFFF"/>
               </a:solidFill>
               <a:latin typeface="Arial"/>
             </a:endParaRPr>
@@ -1260,11 +1418,14 @@
       </p:sp>
     </p:spTree>
   </p:cSld>
+  <p:clrMapOvr>
+    <a:masterClrMapping/>
+  </p:clrMapOvr>
 </p:sldLayout>
 </file>
 
 <file path=ppt/slideLayouts/slideLayout20.xml><?xml version="1.0" encoding="utf-8"?>
-<p:sldLayout xmlns:a="http://schemas.openxmlformats.org/drawingml/2006/main" xmlns:p="http://schemas.openxmlformats.org/presentationml/2006/main" xmlns:r="http://schemas.openxmlformats.org/officeDocument/2006/relationships" xmlns:p14="http://schemas.microsoft.com/office/powerpoint/2010/main" xmlns:p15="http://schemas.microsoft.com/office/powerpoint/2012/main" xmlns:mc="http://schemas.openxmlformats.org/markup-compatibility/2006" type="objAndTwoObj" preserve="1">
+<p:sldLayout xmlns:a="http://schemas.openxmlformats.org/drawingml/2006/main" xmlns:r="http://schemas.openxmlformats.org/officeDocument/2006/relationships" xmlns:p="http://schemas.openxmlformats.org/presentationml/2006/main" type="objAndTwoObj" preserve="1">
   <p:cSld name="Title Content and 2 Content">
     <p:spTree>
       <p:nvGrpSpPr>
@@ -1300,12 +1461,13 @@
           </a:prstGeom>
         </p:spPr>
         <p:txBody>
-          <a:bodyPr lIns="0" rIns="0" tIns="0" bIns="0" anchor="ctr"/>
+          <a:bodyPr lIns="0" tIns="0" rIns="0" bIns="0" anchor="ctr"/>
+          <a:lstStyle/>
           <a:p>
             <a:pPr algn="ctr"/>
-            <a:endParaRPr b="0" lang="en-US" sz="5860" spc="-1" strike="noStrike">
-              <a:solidFill>
-                <a:srgbClr val="ffffff"/>
+            <a:endParaRPr lang="en-US" sz="5860" b="0" strike="noStrike" spc="-1">
+              <a:solidFill>
+                <a:srgbClr val="FFFFFF"/>
               </a:solidFill>
               <a:latin typeface="Arial"/>
             </a:endParaRPr>
@@ -1332,13 +1494,14 @@
           </a:prstGeom>
         </p:spPr>
         <p:txBody>
-          <a:bodyPr lIns="0" rIns="0" tIns="0" bIns="0">
+          <a:bodyPr lIns="0" tIns="0" rIns="0" bIns="0">
             <a:normAutofit/>
           </a:bodyPr>
-          <a:p>
-            <a:endParaRPr b="0" lang="en-US" sz="4260" spc="-1" strike="noStrike">
-              <a:solidFill>
-                <a:srgbClr val="ffffff"/>
+          <a:lstStyle/>
+          <a:p>
+            <a:endParaRPr lang="en-US" sz="4260" b="0" strike="noStrike" spc="-1">
+              <a:solidFill>
+                <a:srgbClr val="FFFFFF"/>
               </a:solidFill>
               <a:latin typeface="Arial"/>
             </a:endParaRPr>
@@ -1365,13 +1528,14 @@
           </a:prstGeom>
         </p:spPr>
         <p:txBody>
-          <a:bodyPr lIns="0" rIns="0" tIns="0" bIns="0">
+          <a:bodyPr lIns="0" tIns="0" rIns="0" bIns="0">
             <a:normAutofit/>
           </a:bodyPr>
-          <a:p>
-            <a:endParaRPr b="0" lang="en-US" sz="4260" spc="-1" strike="noStrike">
-              <a:solidFill>
-                <a:srgbClr val="ffffff"/>
+          <a:lstStyle/>
+          <a:p>
+            <a:endParaRPr lang="en-US" sz="4260" b="0" strike="noStrike" spc="-1">
+              <a:solidFill>
+                <a:srgbClr val="FFFFFF"/>
               </a:solidFill>
               <a:latin typeface="Arial"/>
             </a:endParaRPr>
@@ -1398,13 +1562,14 @@
           </a:prstGeom>
         </p:spPr>
         <p:txBody>
-          <a:bodyPr lIns="0" rIns="0" tIns="0" bIns="0">
+          <a:bodyPr lIns="0" tIns="0" rIns="0" bIns="0">
             <a:normAutofit/>
           </a:bodyPr>
-          <a:p>
-            <a:endParaRPr b="0" lang="en-US" sz="4260" spc="-1" strike="noStrike">
-              <a:solidFill>
-                <a:srgbClr val="ffffff"/>
+          <a:lstStyle/>
+          <a:p>
+            <a:endParaRPr lang="en-US" sz="4260" b="0" strike="noStrike" spc="-1">
+              <a:solidFill>
+                <a:srgbClr val="FFFFFF"/>
               </a:solidFill>
               <a:latin typeface="Arial"/>
             </a:endParaRPr>
@@ -1413,11 +1578,14 @@
       </p:sp>
     </p:spTree>
   </p:cSld>
+  <p:clrMapOvr>
+    <a:masterClrMapping/>
+  </p:clrMapOvr>
 </p:sldLayout>
 </file>
 
 <file path=ppt/slideLayouts/slideLayout21.xml><?xml version="1.0" encoding="utf-8"?>
-<p:sldLayout xmlns:a="http://schemas.openxmlformats.org/drawingml/2006/main" xmlns:p="http://schemas.openxmlformats.org/presentationml/2006/main" xmlns:r="http://schemas.openxmlformats.org/officeDocument/2006/relationships" xmlns:p14="http://schemas.microsoft.com/office/powerpoint/2010/main" xmlns:p15="http://schemas.microsoft.com/office/powerpoint/2012/main" xmlns:mc="http://schemas.openxmlformats.org/markup-compatibility/2006" type="twoObjOverTx" preserve="1">
+<p:sldLayout xmlns:a="http://schemas.openxmlformats.org/drawingml/2006/main" xmlns:r="http://schemas.openxmlformats.org/officeDocument/2006/relationships" xmlns:p="http://schemas.openxmlformats.org/presentationml/2006/main" type="twoObjOverTx" preserve="1">
   <p:cSld name="Title, 2 Content over Content">
     <p:spTree>
       <p:nvGrpSpPr>
@@ -1453,12 +1621,13 @@
           </a:prstGeom>
         </p:spPr>
         <p:txBody>
-          <a:bodyPr lIns="0" rIns="0" tIns="0" bIns="0" anchor="ctr"/>
+          <a:bodyPr lIns="0" tIns="0" rIns="0" bIns="0" anchor="ctr"/>
+          <a:lstStyle/>
           <a:p>
             <a:pPr algn="ctr"/>
-            <a:endParaRPr b="0" lang="en-US" sz="5860" spc="-1" strike="noStrike">
-              <a:solidFill>
-                <a:srgbClr val="ffffff"/>
+            <a:endParaRPr lang="en-US" sz="5860" b="0" strike="noStrike" spc="-1">
+              <a:solidFill>
+                <a:srgbClr val="FFFFFF"/>
               </a:solidFill>
               <a:latin typeface="Arial"/>
             </a:endParaRPr>
@@ -1485,13 +1654,14 @@
           </a:prstGeom>
         </p:spPr>
         <p:txBody>
-          <a:bodyPr lIns="0" rIns="0" tIns="0" bIns="0">
+          <a:bodyPr lIns="0" tIns="0" rIns="0" bIns="0">
             <a:normAutofit/>
           </a:bodyPr>
-          <a:p>
-            <a:endParaRPr b="0" lang="en-US" sz="4260" spc="-1" strike="noStrike">
-              <a:solidFill>
-                <a:srgbClr val="ffffff"/>
+          <a:lstStyle/>
+          <a:p>
+            <a:endParaRPr lang="en-US" sz="4260" b="0" strike="noStrike" spc="-1">
+              <a:solidFill>
+                <a:srgbClr val="FFFFFF"/>
               </a:solidFill>
               <a:latin typeface="Arial"/>
             </a:endParaRPr>
@@ -1518,13 +1688,14 @@
           </a:prstGeom>
         </p:spPr>
         <p:txBody>
-          <a:bodyPr lIns="0" rIns="0" tIns="0" bIns="0">
+          <a:bodyPr lIns="0" tIns="0" rIns="0" bIns="0">
             <a:normAutofit/>
           </a:bodyPr>
-          <a:p>
-            <a:endParaRPr b="0" lang="en-US" sz="4260" spc="-1" strike="noStrike">
-              <a:solidFill>
-                <a:srgbClr val="ffffff"/>
+          <a:lstStyle/>
+          <a:p>
+            <a:endParaRPr lang="en-US" sz="4260" b="0" strike="noStrike" spc="-1">
+              <a:solidFill>
+                <a:srgbClr val="FFFFFF"/>
               </a:solidFill>
               <a:latin typeface="Arial"/>
             </a:endParaRPr>
@@ -1551,13 +1722,14 @@
           </a:prstGeom>
         </p:spPr>
         <p:txBody>
-          <a:bodyPr lIns="0" rIns="0" tIns="0" bIns="0">
+          <a:bodyPr lIns="0" tIns="0" rIns="0" bIns="0">
             <a:normAutofit/>
           </a:bodyPr>
-          <a:p>
-            <a:endParaRPr b="0" lang="en-US" sz="4260" spc="-1" strike="noStrike">
-              <a:solidFill>
-                <a:srgbClr val="ffffff"/>
+          <a:lstStyle/>
+          <a:p>
+            <a:endParaRPr lang="en-US" sz="4260" b="0" strike="noStrike" spc="-1">
+              <a:solidFill>
+                <a:srgbClr val="FFFFFF"/>
               </a:solidFill>
               <a:latin typeface="Arial"/>
             </a:endParaRPr>
@@ -1566,11 +1738,14 @@
       </p:sp>
     </p:spTree>
   </p:cSld>
+  <p:clrMapOvr>
+    <a:masterClrMapping/>
+  </p:clrMapOvr>
 </p:sldLayout>
 </file>
 
 <file path=ppt/slideLayouts/slideLayout22.xml><?xml version="1.0" encoding="utf-8"?>
-<p:sldLayout xmlns:a="http://schemas.openxmlformats.org/drawingml/2006/main" xmlns:p="http://schemas.openxmlformats.org/presentationml/2006/main" xmlns:r="http://schemas.openxmlformats.org/officeDocument/2006/relationships" xmlns:p14="http://schemas.microsoft.com/office/powerpoint/2010/main" xmlns:p15="http://schemas.microsoft.com/office/powerpoint/2012/main" xmlns:mc="http://schemas.openxmlformats.org/markup-compatibility/2006" type="objOverTx" preserve="1">
+<p:sldLayout xmlns:a="http://schemas.openxmlformats.org/drawingml/2006/main" xmlns:r="http://schemas.openxmlformats.org/officeDocument/2006/relationships" xmlns:p="http://schemas.openxmlformats.org/presentationml/2006/main" type="objOverTx" preserve="1">
   <p:cSld name="Title, Content over Content">
     <p:spTree>
       <p:nvGrpSpPr>
@@ -1606,12 +1781,13 @@
           </a:prstGeom>
         </p:spPr>
         <p:txBody>
-          <a:bodyPr lIns="0" rIns="0" tIns="0" bIns="0" anchor="ctr"/>
+          <a:bodyPr lIns="0" tIns="0" rIns="0" bIns="0" anchor="ctr"/>
+          <a:lstStyle/>
           <a:p>
             <a:pPr algn="ctr"/>
-            <a:endParaRPr b="0" lang="en-US" sz="5860" spc="-1" strike="noStrike">
-              <a:solidFill>
-                <a:srgbClr val="ffffff"/>
+            <a:endParaRPr lang="en-US" sz="5860" b="0" strike="noStrike" spc="-1">
+              <a:solidFill>
+                <a:srgbClr val="FFFFFF"/>
               </a:solidFill>
               <a:latin typeface="Arial"/>
             </a:endParaRPr>
@@ -1638,13 +1814,14 @@
           </a:prstGeom>
         </p:spPr>
         <p:txBody>
-          <a:bodyPr lIns="0" rIns="0" tIns="0" bIns="0">
+          <a:bodyPr lIns="0" tIns="0" rIns="0" bIns="0">
             <a:normAutofit/>
           </a:bodyPr>
-          <a:p>
-            <a:endParaRPr b="0" lang="en-US" sz="4260" spc="-1" strike="noStrike">
-              <a:solidFill>
-                <a:srgbClr val="ffffff"/>
+          <a:lstStyle/>
+          <a:p>
+            <a:endParaRPr lang="en-US" sz="4260" b="0" strike="noStrike" spc="-1">
+              <a:solidFill>
+                <a:srgbClr val="FFFFFF"/>
               </a:solidFill>
               <a:latin typeface="Arial"/>
             </a:endParaRPr>
@@ -1671,13 +1848,14 @@
           </a:prstGeom>
         </p:spPr>
         <p:txBody>
-          <a:bodyPr lIns="0" rIns="0" tIns="0" bIns="0">
+          <a:bodyPr lIns="0" tIns="0" rIns="0" bIns="0">
             <a:normAutofit/>
           </a:bodyPr>
-          <a:p>
-            <a:endParaRPr b="0" lang="en-US" sz="4260" spc="-1" strike="noStrike">
-              <a:solidFill>
-                <a:srgbClr val="ffffff"/>
+          <a:lstStyle/>
+          <a:p>
+            <a:endParaRPr lang="en-US" sz="4260" b="0" strike="noStrike" spc="-1">
+              <a:solidFill>
+                <a:srgbClr val="FFFFFF"/>
               </a:solidFill>
               <a:latin typeface="Arial"/>
             </a:endParaRPr>
@@ -1686,11 +1864,14 @@
       </p:sp>
     </p:spTree>
   </p:cSld>
+  <p:clrMapOvr>
+    <a:masterClrMapping/>
+  </p:clrMapOvr>
 </p:sldLayout>
 </file>
 
 <file path=ppt/slideLayouts/slideLayout23.xml><?xml version="1.0" encoding="utf-8"?>
-<p:sldLayout xmlns:a="http://schemas.openxmlformats.org/drawingml/2006/main" xmlns:p="http://schemas.openxmlformats.org/presentationml/2006/main" xmlns:r="http://schemas.openxmlformats.org/officeDocument/2006/relationships" xmlns:p14="http://schemas.microsoft.com/office/powerpoint/2010/main" xmlns:p15="http://schemas.microsoft.com/office/powerpoint/2012/main" xmlns:mc="http://schemas.openxmlformats.org/markup-compatibility/2006" type="fourObj" preserve="1">
+<p:sldLayout xmlns:a="http://schemas.openxmlformats.org/drawingml/2006/main" xmlns:r="http://schemas.openxmlformats.org/officeDocument/2006/relationships" xmlns:p="http://schemas.openxmlformats.org/presentationml/2006/main" type="fourObj" preserve="1">
   <p:cSld name="Title, 4 Content">
     <p:spTree>
       <p:nvGrpSpPr>
@@ -1726,12 +1907,13 @@
           </a:prstGeom>
         </p:spPr>
         <p:txBody>
-          <a:bodyPr lIns="0" rIns="0" tIns="0" bIns="0" anchor="ctr"/>
+          <a:bodyPr lIns="0" tIns="0" rIns="0" bIns="0" anchor="ctr"/>
+          <a:lstStyle/>
           <a:p>
             <a:pPr algn="ctr"/>
-            <a:endParaRPr b="0" lang="en-US" sz="5860" spc="-1" strike="noStrike">
-              <a:solidFill>
-                <a:srgbClr val="ffffff"/>
+            <a:endParaRPr lang="en-US" sz="5860" b="0" strike="noStrike" spc="-1">
+              <a:solidFill>
+                <a:srgbClr val="FFFFFF"/>
               </a:solidFill>
               <a:latin typeface="Arial"/>
             </a:endParaRPr>
@@ -1758,13 +1940,14 @@
           </a:prstGeom>
         </p:spPr>
         <p:txBody>
-          <a:bodyPr lIns="0" rIns="0" tIns="0" bIns="0">
+          <a:bodyPr lIns="0" tIns="0" rIns="0" bIns="0">
             <a:normAutofit/>
           </a:bodyPr>
-          <a:p>
-            <a:endParaRPr b="0" lang="en-US" sz="4260" spc="-1" strike="noStrike">
-              <a:solidFill>
-                <a:srgbClr val="ffffff"/>
+          <a:lstStyle/>
+          <a:p>
+            <a:endParaRPr lang="en-US" sz="4260" b="0" strike="noStrike" spc="-1">
+              <a:solidFill>
+                <a:srgbClr val="FFFFFF"/>
               </a:solidFill>
               <a:latin typeface="Arial"/>
             </a:endParaRPr>
@@ -1791,13 +1974,14 @@
           </a:prstGeom>
         </p:spPr>
         <p:txBody>
-          <a:bodyPr lIns="0" rIns="0" tIns="0" bIns="0">
+          <a:bodyPr lIns="0" tIns="0" rIns="0" bIns="0">
             <a:normAutofit/>
           </a:bodyPr>
-          <a:p>
-            <a:endParaRPr b="0" lang="en-US" sz="4260" spc="-1" strike="noStrike">
-              <a:solidFill>
-                <a:srgbClr val="ffffff"/>
+          <a:lstStyle/>
+          <a:p>
+            <a:endParaRPr lang="en-US" sz="4260" b="0" strike="noStrike" spc="-1">
+              <a:solidFill>
+                <a:srgbClr val="FFFFFF"/>
               </a:solidFill>
               <a:latin typeface="Arial"/>
             </a:endParaRPr>
@@ -1824,13 +2008,14 @@
           </a:prstGeom>
         </p:spPr>
         <p:txBody>
-          <a:bodyPr lIns="0" rIns="0" tIns="0" bIns="0">
+          <a:bodyPr lIns="0" tIns="0" rIns="0" bIns="0">
             <a:normAutofit/>
           </a:bodyPr>
-          <a:p>
-            <a:endParaRPr b="0" lang="en-US" sz="4260" spc="-1" strike="noStrike">
-              <a:solidFill>
-                <a:srgbClr val="ffffff"/>
+          <a:lstStyle/>
+          <a:p>
+            <a:endParaRPr lang="en-US" sz="4260" b="0" strike="noStrike" spc="-1">
+              <a:solidFill>
+                <a:srgbClr val="FFFFFF"/>
               </a:solidFill>
               <a:latin typeface="Arial"/>
             </a:endParaRPr>
@@ -1857,13 +2042,14 @@
           </a:prstGeom>
         </p:spPr>
         <p:txBody>
-          <a:bodyPr lIns="0" rIns="0" tIns="0" bIns="0">
+          <a:bodyPr lIns="0" tIns="0" rIns="0" bIns="0">
             <a:normAutofit/>
           </a:bodyPr>
-          <a:p>
-            <a:endParaRPr b="0" lang="en-US" sz="4260" spc="-1" strike="noStrike">
-              <a:solidFill>
-                <a:srgbClr val="ffffff"/>
+          <a:lstStyle/>
+          <a:p>
+            <a:endParaRPr lang="en-US" sz="4260" b="0" strike="noStrike" spc="-1">
+              <a:solidFill>
+                <a:srgbClr val="FFFFFF"/>
               </a:solidFill>
               <a:latin typeface="Arial"/>
             </a:endParaRPr>
@@ -1872,11 +2058,14 @@
       </p:sp>
     </p:spTree>
   </p:cSld>
+  <p:clrMapOvr>
+    <a:masterClrMapping/>
+  </p:clrMapOvr>
 </p:sldLayout>
 </file>
 
 <file path=ppt/slideLayouts/slideLayout24.xml><?xml version="1.0" encoding="utf-8"?>
-<p:sldLayout xmlns:a="http://schemas.openxmlformats.org/drawingml/2006/main" xmlns:p="http://schemas.openxmlformats.org/presentationml/2006/main" xmlns:r="http://schemas.openxmlformats.org/officeDocument/2006/relationships" xmlns:p14="http://schemas.microsoft.com/office/powerpoint/2010/main" xmlns:p15="http://schemas.microsoft.com/office/powerpoint/2012/main" xmlns:mc="http://schemas.openxmlformats.org/markup-compatibility/2006" type="blank" preserve="1">
+<p:sldLayout xmlns:a="http://schemas.openxmlformats.org/drawingml/2006/main" xmlns:r="http://schemas.openxmlformats.org/officeDocument/2006/relationships" xmlns:p="http://schemas.openxmlformats.org/presentationml/2006/main" type="blank" preserve="1">
   <p:cSld name="Title, 6 Content">
     <p:spTree>
       <p:nvGrpSpPr>
@@ -1912,12 +2101,13 @@
           </a:prstGeom>
         </p:spPr>
         <p:txBody>
-          <a:bodyPr lIns="0" rIns="0" tIns="0" bIns="0" anchor="ctr"/>
+          <a:bodyPr lIns="0" tIns="0" rIns="0" bIns="0" anchor="ctr"/>
+          <a:lstStyle/>
           <a:p>
             <a:pPr algn="ctr"/>
-            <a:endParaRPr b="0" lang="en-US" sz="5860" spc="-1" strike="noStrike">
-              <a:solidFill>
-                <a:srgbClr val="ffffff"/>
+            <a:endParaRPr lang="en-US" sz="5860" b="0" strike="noStrike" spc="-1">
+              <a:solidFill>
+                <a:srgbClr val="FFFFFF"/>
               </a:solidFill>
               <a:latin typeface="Arial"/>
             </a:endParaRPr>
@@ -1944,13 +2134,14 @@
           </a:prstGeom>
         </p:spPr>
         <p:txBody>
-          <a:bodyPr lIns="0" rIns="0" tIns="0" bIns="0">
+          <a:bodyPr lIns="0" tIns="0" rIns="0" bIns="0">
             <a:normAutofit/>
           </a:bodyPr>
-          <a:p>
-            <a:endParaRPr b="0" lang="en-US" sz="4260" spc="-1" strike="noStrike">
-              <a:solidFill>
-                <a:srgbClr val="ffffff"/>
+          <a:lstStyle/>
+          <a:p>
+            <a:endParaRPr lang="en-US" sz="4260" b="0" strike="noStrike" spc="-1">
+              <a:solidFill>
+                <a:srgbClr val="FFFFFF"/>
               </a:solidFill>
               <a:latin typeface="Arial"/>
             </a:endParaRPr>
@@ -1977,13 +2168,14 @@
           </a:prstGeom>
         </p:spPr>
         <p:txBody>
-          <a:bodyPr lIns="0" rIns="0" tIns="0" bIns="0">
+          <a:bodyPr lIns="0" tIns="0" rIns="0" bIns="0">
             <a:normAutofit/>
           </a:bodyPr>
-          <a:p>
-            <a:endParaRPr b="0" lang="en-US" sz="4260" spc="-1" strike="noStrike">
-              <a:solidFill>
-                <a:srgbClr val="ffffff"/>
+          <a:lstStyle/>
+          <a:p>
+            <a:endParaRPr lang="en-US" sz="4260" b="0" strike="noStrike" spc="-1">
+              <a:solidFill>
+                <a:srgbClr val="FFFFFF"/>
               </a:solidFill>
               <a:latin typeface="Arial"/>
             </a:endParaRPr>
@@ -2010,13 +2202,14 @@
           </a:prstGeom>
         </p:spPr>
         <p:txBody>
-          <a:bodyPr lIns="0" rIns="0" tIns="0" bIns="0">
+          <a:bodyPr lIns="0" tIns="0" rIns="0" bIns="0">
             <a:normAutofit/>
           </a:bodyPr>
-          <a:p>
-            <a:endParaRPr b="0" lang="en-US" sz="4260" spc="-1" strike="noStrike">
-              <a:solidFill>
-                <a:srgbClr val="ffffff"/>
+          <a:lstStyle/>
+          <a:p>
+            <a:endParaRPr lang="en-US" sz="4260" b="0" strike="noStrike" spc="-1">
+              <a:solidFill>
+                <a:srgbClr val="FFFFFF"/>
               </a:solidFill>
               <a:latin typeface="Arial"/>
             </a:endParaRPr>
@@ -2043,13 +2236,14 @@
           </a:prstGeom>
         </p:spPr>
         <p:txBody>
-          <a:bodyPr lIns="0" rIns="0" tIns="0" bIns="0">
+          <a:bodyPr lIns="0" tIns="0" rIns="0" bIns="0">
             <a:normAutofit/>
           </a:bodyPr>
-          <a:p>
-            <a:endParaRPr b="0" lang="en-US" sz="4260" spc="-1" strike="noStrike">
-              <a:solidFill>
-                <a:srgbClr val="ffffff"/>
+          <a:lstStyle/>
+          <a:p>
+            <a:endParaRPr lang="en-US" sz="4260" b="0" strike="noStrike" spc="-1">
+              <a:solidFill>
+                <a:srgbClr val="FFFFFF"/>
               </a:solidFill>
               <a:latin typeface="Arial"/>
             </a:endParaRPr>
@@ -2076,13 +2270,14 @@
           </a:prstGeom>
         </p:spPr>
         <p:txBody>
-          <a:bodyPr lIns="0" rIns="0" tIns="0" bIns="0">
+          <a:bodyPr lIns="0" tIns="0" rIns="0" bIns="0">
             <a:normAutofit/>
           </a:bodyPr>
-          <a:p>
-            <a:endParaRPr b="0" lang="en-US" sz="4260" spc="-1" strike="noStrike">
-              <a:solidFill>
-                <a:srgbClr val="ffffff"/>
+          <a:lstStyle/>
+          <a:p>
+            <a:endParaRPr lang="en-US" sz="4260" b="0" strike="noStrike" spc="-1">
+              <a:solidFill>
+                <a:srgbClr val="FFFFFF"/>
               </a:solidFill>
               <a:latin typeface="Arial"/>
             </a:endParaRPr>
@@ -2109,13 +2304,14 @@
           </a:prstGeom>
         </p:spPr>
         <p:txBody>
-          <a:bodyPr lIns="0" rIns="0" tIns="0" bIns="0">
+          <a:bodyPr lIns="0" tIns="0" rIns="0" bIns="0">
             <a:normAutofit/>
           </a:bodyPr>
-          <a:p>
-            <a:endParaRPr b="0" lang="en-US" sz="4260" spc="-1" strike="noStrike">
-              <a:solidFill>
-                <a:srgbClr val="ffffff"/>
+          <a:lstStyle/>
+          <a:p>
+            <a:endParaRPr lang="en-US" sz="4260" b="0" strike="noStrike" spc="-1">
+              <a:solidFill>
+                <a:srgbClr val="FFFFFF"/>
               </a:solidFill>
               <a:latin typeface="Arial"/>
             </a:endParaRPr>
@@ -2124,11 +2320,14 @@
       </p:sp>
     </p:spTree>
   </p:cSld>
+  <p:clrMapOvr>
+    <a:masterClrMapping/>
+  </p:clrMapOvr>
 </p:sldLayout>
 </file>
 
 <file path=ppt/slideLayouts/slideLayout3.xml><?xml version="1.0" encoding="utf-8"?>
-<p:sldLayout xmlns:a="http://schemas.openxmlformats.org/drawingml/2006/main" xmlns:p="http://schemas.openxmlformats.org/presentationml/2006/main" xmlns:r="http://schemas.openxmlformats.org/officeDocument/2006/relationships" xmlns:p14="http://schemas.microsoft.com/office/powerpoint/2010/main" xmlns:p15="http://schemas.microsoft.com/office/powerpoint/2012/main" xmlns:mc="http://schemas.openxmlformats.org/markup-compatibility/2006" type="obj" preserve="1">
+<p:sldLayout xmlns:a="http://schemas.openxmlformats.org/drawingml/2006/main" xmlns:r="http://schemas.openxmlformats.org/officeDocument/2006/relationships" xmlns:p="http://schemas.openxmlformats.org/presentationml/2006/main" type="obj" preserve="1">
   <p:cSld name="Title, Content">
     <p:spTree>
       <p:nvGrpSpPr>
@@ -2164,12 +2363,13 @@
           </a:prstGeom>
         </p:spPr>
         <p:txBody>
-          <a:bodyPr lIns="0" rIns="0" tIns="0" bIns="0" anchor="ctr"/>
+          <a:bodyPr lIns="0" tIns="0" rIns="0" bIns="0" anchor="ctr"/>
+          <a:lstStyle/>
           <a:p>
             <a:pPr algn="ctr"/>
-            <a:endParaRPr b="0" lang="en-US" sz="5860" spc="-1" strike="noStrike">
-              <a:solidFill>
-                <a:srgbClr val="ffffff"/>
+            <a:endParaRPr lang="en-US" sz="5860" b="0" strike="noStrike" spc="-1">
+              <a:solidFill>
+                <a:srgbClr val="FFFFFF"/>
               </a:solidFill>
               <a:latin typeface="Arial"/>
             </a:endParaRPr>
@@ -2196,13 +2396,14 @@
           </a:prstGeom>
         </p:spPr>
         <p:txBody>
-          <a:bodyPr lIns="0" rIns="0" tIns="0" bIns="0">
+          <a:bodyPr lIns="0" tIns="0" rIns="0" bIns="0">
             <a:normAutofit/>
           </a:bodyPr>
-          <a:p>
-            <a:endParaRPr b="0" lang="en-US" sz="4260" spc="-1" strike="noStrike">
-              <a:solidFill>
-                <a:srgbClr val="ffffff"/>
+          <a:lstStyle/>
+          <a:p>
+            <a:endParaRPr lang="en-US" sz="4260" b="0" strike="noStrike" spc="-1">
+              <a:solidFill>
+                <a:srgbClr val="FFFFFF"/>
               </a:solidFill>
               <a:latin typeface="Arial"/>
             </a:endParaRPr>
@@ -2211,11 +2412,14 @@
       </p:sp>
     </p:spTree>
   </p:cSld>
+  <p:clrMapOvr>
+    <a:masterClrMapping/>
+  </p:clrMapOvr>
 </p:sldLayout>
 </file>
 
 <file path=ppt/slideLayouts/slideLayout4.xml><?xml version="1.0" encoding="utf-8"?>
-<p:sldLayout xmlns:a="http://schemas.openxmlformats.org/drawingml/2006/main" xmlns:p="http://schemas.openxmlformats.org/presentationml/2006/main" xmlns:r="http://schemas.openxmlformats.org/officeDocument/2006/relationships" xmlns:p14="http://schemas.microsoft.com/office/powerpoint/2010/main" xmlns:p15="http://schemas.microsoft.com/office/powerpoint/2012/main" xmlns:mc="http://schemas.openxmlformats.org/markup-compatibility/2006" type="twoObj" preserve="1">
+<p:sldLayout xmlns:a="http://schemas.openxmlformats.org/drawingml/2006/main" xmlns:r="http://schemas.openxmlformats.org/officeDocument/2006/relationships" xmlns:p="http://schemas.openxmlformats.org/presentationml/2006/main" type="twoObj" preserve="1">
   <p:cSld name="Title, 2 Content">
     <p:spTree>
       <p:nvGrpSpPr>
@@ -2251,12 +2455,13 @@
           </a:prstGeom>
         </p:spPr>
         <p:txBody>
-          <a:bodyPr lIns="0" rIns="0" tIns="0" bIns="0" anchor="ctr"/>
+          <a:bodyPr lIns="0" tIns="0" rIns="0" bIns="0" anchor="ctr"/>
+          <a:lstStyle/>
           <a:p>
             <a:pPr algn="ctr"/>
-            <a:endParaRPr b="0" lang="en-US" sz="5860" spc="-1" strike="noStrike">
-              <a:solidFill>
-                <a:srgbClr val="ffffff"/>
+            <a:endParaRPr lang="en-US" sz="5860" b="0" strike="noStrike" spc="-1">
+              <a:solidFill>
+                <a:srgbClr val="FFFFFF"/>
               </a:solidFill>
               <a:latin typeface="Arial"/>
             </a:endParaRPr>
@@ -2283,13 +2488,14 @@
           </a:prstGeom>
         </p:spPr>
         <p:txBody>
-          <a:bodyPr lIns="0" rIns="0" tIns="0" bIns="0">
+          <a:bodyPr lIns="0" tIns="0" rIns="0" bIns="0">
             <a:normAutofit/>
           </a:bodyPr>
-          <a:p>
-            <a:endParaRPr b="0" lang="en-US" sz="4260" spc="-1" strike="noStrike">
-              <a:solidFill>
-                <a:srgbClr val="ffffff"/>
+          <a:lstStyle/>
+          <a:p>
+            <a:endParaRPr lang="en-US" sz="4260" b="0" strike="noStrike" spc="-1">
+              <a:solidFill>
+                <a:srgbClr val="FFFFFF"/>
               </a:solidFill>
               <a:latin typeface="Arial"/>
             </a:endParaRPr>
@@ -2316,13 +2522,14 @@
           </a:prstGeom>
         </p:spPr>
         <p:txBody>
-          <a:bodyPr lIns="0" rIns="0" tIns="0" bIns="0">
+          <a:bodyPr lIns="0" tIns="0" rIns="0" bIns="0">
             <a:normAutofit/>
           </a:bodyPr>
-          <a:p>
-            <a:endParaRPr b="0" lang="en-US" sz="4260" spc="-1" strike="noStrike">
-              <a:solidFill>
-                <a:srgbClr val="ffffff"/>
+          <a:lstStyle/>
+          <a:p>
+            <a:endParaRPr lang="en-US" sz="4260" b="0" strike="noStrike" spc="-1">
+              <a:solidFill>
+                <a:srgbClr val="FFFFFF"/>
               </a:solidFill>
               <a:latin typeface="Arial"/>
             </a:endParaRPr>
@@ -2331,11 +2538,14 @@
       </p:sp>
     </p:spTree>
   </p:cSld>
+  <p:clrMapOvr>
+    <a:masterClrMapping/>
+  </p:clrMapOvr>
 </p:sldLayout>
 </file>
 
 <file path=ppt/slideLayouts/slideLayout5.xml><?xml version="1.0" encoding="utf-8"?>
-<p:sldLayout xmlns:a="http://schemas.openxmlformats.org/drawingml/2006/main" xmlns:p="http://schemas.openxmlformats.org/presentationml/2006/main" xmlns:r="http://schemas.openxmlformats.org/officeDocument/2006/relationships" xmlns:p14="http://schemas.microsoft.com/office/powerpoint/2010/main" xmlns:p15="http://schemas.microsoft.com/office/powerpoint/2012/main" xmlns:mc="http://schemas.openxmlformats.org/markup-compatibility/2006" type="titleOnly" preserve="1">
+<p:sldLayout xmlns:a="http://schemas.openxmlformats.org/drawingml/2006/main" xmlns:r="http://schemas.openxmlformats.org/officeDocument/2006/relationships" xmlns:p="http://schemas.openxmlformats.org/presentationml/2006/main" type="titleOnly" preserve="1">
   <p:cSld name="Title Only">
     <p:spTree>
       <p:nvGrpSpPr>
@@ -2371,12 +2581,13 @@
           </a:prstGeom>
         </p:spPr>
         <p:txBody>
-          <a:bodyPr lIns="0" rIns="0" tIns="0" bIns="0" anchor="ctr"/>
+          <a:bodyPr lIns="0" tIns="0" rIns="0" bIns="0" anchor="ctr"/>
+          <a:lstStyle/>
           <a:p>
             <a:pPr algn="ctr"/>
-            <a:endParaRPr b="0" lang="en-US" sz="5860" spc="-1" strike="noStrike">
-              <a:solidFill>
-                <a:srgbClr val="ffffff"/>
+            <a:endParaRPr lang="en-US" sz="5860" b="0" strike="noStrike" spc="-1">
+              <a:solidFill>
+                <a:srgbClr val="FFFFFF"/>
               </a:solidFill>
               <a:latin typeface="Arial"/>
             </a:endParaRPr>
@@ -2385,11 +2596,14 @@
       </p:sp>
     </p:spTree>
   </p:cSld>
+  <p:clrMapOvr>
+    <a:masterClrMapping/>
+  </p:clrMapOvr>
 </p:sldLayout>
 </file>
 
 <file path=ppt/slideLayouts/slideLayout6.xml><?xml version="1.0" encoding="utf-8"?>
-<p:sldLayout xmlns:a="http://schemas.openxmlformats.org/drawingml/2006/main" xmlns:p="http://schemas.openxmlformats.org/presentationml/2006/main" xmlns:r="http://schemas.openxmlformats.org/officeDocument/2006/relationships" xmlns:p14="http://schemas.microsoft.com/office/powerpoint/2010/main" xmlns:p15="http://schemas.microsoft.com/office/powerpoint/2012/main" xmlns:mc="http://schemas.openxmlformats.org/markup-compatibility/2006" type="objOnly" preserve="1">
+<p:sldLayout xmlns:a="http://schemas.openxmlformats.org/drawingml/2006/main" xmlns:r="http://schemas.openxmlformats.org/officeDocument/2006/relationships" xmlns:p="http://schemas.openxmlformats.org/presentationml/2006/main" type="objOnly" preserve="1">
   <p:cSld name="Centered Text">
     <p:spTree>
       <p:nvGrpSpPr>
@@ -2425,12 +2639,13 @@
           </a:prstGeom>
         </p:spPr>
         <p:txBody>
-          <a:bodyPr lIns="0" rIns="0" tIns="0" bIns="0" anchor="ctr"/>
+          <a:bodyPr lIns="0" tIns="0" rIns="0" bIns="0" anchor="ctr"/>
+          <a:lstStyle/>
           <a:p>
             <a:pPr algn="ctr"/>
-            <a:endParaRPr b="0" lang="en-US" sz="3200" spc="-1" strike="noStrike">
-              <a:solidFill>
-                <a:srgbClr val="ffffff"/>
+            <a:endParaRPr lang="en-US" sz="3200" b="0" strike="noStrike" spc="-1">
+              <a:solidFill>
+                <a:srgbClr val="FFFFFF"/>
               </a:solidFill>
               <a:latin typeface="Arial"/>
             </a:endParaRPr>
@@ -2439,11 +2654,14 @@
       </p:sp>
     </p:spTree>
   </p:cSld>
+  <p:clrMapOvr>
+    <a:masterClrMapping/>
+  </p:clrMapOvr>
 </p:sldLayout>
 </file>
 
 <file path=ppt/slideLayouts/slideLayout7.xml><?xml version="1.0" encoding="utf-8"?>
-<p:sldLayout xmlns:a="http://schemas.openxmlformats.org/drawingml/2006/main" xmlns:p="http://schemas.openxmlformats.org/presentationml/2006/main" xmlns:r="http://schemas.openxmlformats.org/officeDocument/2006/relationships" xmlns:p14="http://schemas.microsoft.com/office/powerpoint/2010/main" xmlns:p15="http://schemas.microsoft.com/office/powerpoint/2012/main" xmlns:mc="http://schemas.openxmlformats.org/markup-compatibility/2006" type="twoObjAndObj" preserve="1">
+<p:sldLayout xmlns:a="http://schemas.openxmlformats.org/drawingml/2006/main" xmlns:r="http://schemas.openxmlformats.org/officeDocument/2006/relationships" xmlns:p="http://schemas.openxmlformats.org/presentationml/2006/main" type="twoObjAndObj" preserve="1">
   <p:cSld name="Title, 2 Content and Content">
     <p:spTree>
       <p:nvGrpSpPr>
@@ -2479,12 +2697,13 @@
           </a:prstGeom>
         </p:spPr>
         <p:txBody>
-          <a:bodyPr lIns="0" rIns="0" tIns="0" bIns="0" anchor="ctr"/>
+          <a:bodyPr lIns="0" tIns="0" rIns="0" bIns="0" anchor="ctr"/>
+          <a:lstStyle/>
           <a:p>
             <a:pPr algn="ctr"/>
-            <a:endParaRPr b="0" lang="en-US" sz="5860" spc="-1" strike="noStrike">
-              <a:solidFill>
-                <a:srgbClr val="ffffff"/>
+            <a:endParaRPr lang="en-US" sz="5860" b="0" strike="noStrike" spc="-1">
+              <a:solidFill>
+                <a:srgbClr val="FFFFFF"/>
               </a:solidFill>
               <a:latin typeface="Arial"/>
             </a:endParaRPr>
@@ -2511,13 +2730,14 @@
           </a:prstGeom>
         </p:spPr>
         <p:txBody>
-          <a:bodyPr lIns="0" rIns="0" tIns="0" bIns="0">
+          <a:bodyPr lIns="0" tIns="0" rIns="0" bIns="0">
             <a:normAutofit/>
           </a:bodyPr>
-          <a:p>
-            <a:endParaRPr b="0" lang="en-US" sz="4260" spc="-1" strike="noStrike">
-              <a:solidFill>
-                <a:srgbClr val="ffffff"/>
+          <a:lstStyle/>
+          <a:p>
+            <a:endParaRPr lang="en-US" sz="4260" b="0" strike="noStrike" spc="-1">
+              <a:solidFill>
+                <a:srgbClr val="FFFFFF"/>
               </a:solidFill>
               <a:latin typeface="Arial"/>
             </a:endParaRPr>
@@ -2544,13 +2764,14 @@
           </a:prstGeom>
         </p:spPr>
         <p:txBody>
-          <a:bodyPr lIns="0" rIns="0" tIns="0" bIns="0">
+          <a:bodyPr lIns="0" tIns="0" rIns="0" bIns="0">
             <a:normAutofit/>
           </a:bodyPr>
-          <a:p>
-            <a:endParaRPr b="0" lang="en-US" sz="4260" spc="-1" strike="noStrike">
-              <a:solidFill>
-                <a:srgbClr val="ffffff"/>
+          <a:lstStyle/>
+          <a:p>
+            <a:endParaRPr lang="en-US" sz="4260" b="0" strike="noStrike" spc="-1">
+              <a:solidFill>
+                <a:srgbClr val="FFFFFF"/>
               </a:solidFill>
               <a:latin typeface="Arial"/>
             </a:endParaRPr>
@@ -2577,13 +2798,14 @@
           </a:prstGeom>
         </p:spPr>
         <p:txBody>
-          <a:bodyPr lIns="0" rIns="0" tIns="0" bIns="0">
+          <a:bodyPr lIns="0" tIns="0" rIns="0" bIns="0">
             <a:normAutofit/>
           </a:bodyPr>
-          <a:p>
-            <a:endParaRPr b="0" lang="en-US" sz="4260" spc="-1" strike="noStrike">
-              <a:solidFill>
-                <a:srgbClr val="ffffff"/>
+          <a:lstStyle/>
+          <a:p>
+            <a:endParaRPr lang="en-US" sz="4260" b="0" strike="noStrike" spc="-1">
+              <a:solidFill>
+                <a:srgbClr val="FFFFFF"/>
               </a:solidFill>
               <a:latin typeface="Arial"/>
             </a:endParaRPr>
@@ -2592,11 +2814,14 @@
       </p:sp>
     </p:spTree>
   </p:cSld>
+  <p:clrMapOvr>
+    <a:masterClrMapping/>
+  </p:clrMapOvr>
 </p:sldLayout>
 </file>
 
 <file path=ppt/slideLayouts/slideLayout8.xml><?xml version="1.0" encoding="utf-8"?>
-<p:sldLayout xmlns:a="http://schemas.openxmlformats.org/drawingml/2006/main" xmlns:p="http://schemas.openxmlformats.org/presentationml/2006/main" xmlns:r="http://schemas.openxmlformats.org/officeDocument/2006/relationships" xmlns:p14="http://schemas.microsoft.com/office/powerpoint/2010/main" xmlns:p15="http://schemas.microsoft.com/office/powerpoint/2012/main" xmlns:mc="http://schemas.openxmlformats.org/markup-compatibility/2006" type="objAndTwoObj" preserve="1">
+<p:sldLayout xmlns:a="http://schemas.openxmlformats.org/drawingml/2006/main" xmlns:r="http://schemas.openxmlformats.org/officeDocument/2006/relationships" xmlns:p="http://schemas.openxmlformats.org/presentationml/2006/main" type="objAndTwoObj" preserve="1">
   <p:cSld name="Title Content and 2 Content">
     <p:spTree>
       <p:nvGrpSpPr>
@@ -2632,12 +2857,13 @@
           </a:prstGeom>
         </p:spPr>
         <p:txBody>
-          <a:bodyPr lIns="0" rIns="0" tIns="0" bIns="0" anchor="ctr"/>
+          <a:bodyPr lIns="0" tIns="0" rIns="0" bIns="0" anchor="ctr"/>
+          <a:lstStyle/>
           <a:p>
             <a:pPr algn="ctr"/>
-            <a:endParaRPr b="0" lang="en-US" sz="5860" spc="-1" strike="noStrike">
-              <a:solidFill>
-                <a:srgbClr val="ffffff"/>
+            <a:endParaRPr lang="en-US" sz="5860" b="0" strike="noStrike" spc="-1">
+              <a:solidFill>
+                <a:srgbClr val="FFFFFF"/>
               </a:solidFill>
               <a:latin typeface="Arial"/>
             </a:endParaRPr>
@@ -2664,13 +2890,14 @@
           </a:prstGeom>
         </p:spPr>
         <p:txBody>
-          <a:bodyPr lIns="0" rIns="0" tIns="0" bIns="0">
+          <a:bodyPr lIns="0" tIns="0" rIns="0" bIns="0">
             <a:normAutofit/>
           </a:bodyPr>
-          <a:p>
-            <a:endParaRPr b="0" lang="en-US" sz="4260" spc="-1" strike="noStrike">
-              <a:solidFill>
-                <a:srgbClr val="ffffff"/>
+          <a:lstStyle/>
+          <a:p>
+            <a:endParaRPr lang="en-US" sz="4260" b="0" strike="noStrike" spc="-1">
+              <a:solidFill>
+                <a:srgbClr val="FFFFFF"/>
               </a:solidFill>
               <a:latin typeface="Arial"/>
             </a:endParaRPr>
@@ -2697,13 +2924,14 @@
           </a:prstGeom>
         </p:spPr>
         <p:txBody>
-          <a:bodyPr lIns="0" rIns="0" tIns="0" bIns="0">
+          <a:bodyPr lIns="0" tIns="0" rIns="0" bIns="0">
             <a:normAutofit/>
           </a:bodyPr>
-          <a:p>
-            <a:endParaRPr b="0" lang="en-US" sz="4260" spc="-1" strike="noStrike">
-              <a:solidFill>
-                <a:srgbClr val="ffffff"/>
+          <a:lstStyle/>
+          <a:p>
+            <a:endParaRPr lang="en-US" sz="4260" b="0" strike="noStrike" spc="-1">
+              <a:solidFill>
+                <a:srgbClr val="FFFFFF"/>
               </a:solidFill>
               <a:latin typeface="Arial"/>
             </a:endParaRPr>
@@ -2730,13 +2958,14 @@
           </a:prstGeom>
         </p:spPr>
         <p:txBody>
-          <a:bodyPr lIns="0" rIns="0" tIns="0" bIns="0">
+          <a:bodyPr lIns="0" tIns="0" rIns="0" bIns="0">
             <a:normAutofit/>
           </a:bodyPr>
-          <a:p>
-            <a:endParaRPr b="0" lang="en-US" sz="4260" spc="-1" strike="noStrike">
-              <a:solidFill>
-                <a:srgbClr val="ffffff"/>
+          <a:lstStyle/>
+          <a:p>
+            <a:endParaRPr lang="en-US" sz="4260" b="0" strike="noStrike" spc="-1">
+              <a:solidFill>
+                <a:srgbClr val="FFFFFF"/>
               </a:solidFill>
               <a:latin typeface="Arial"/>
             </a:endParaRPr>
@@ -2745,11 +2974,14 @@
       </p:sp>
     </p:spTree>
   </p:cSld>
+  <p:clrMapOvr>
+    <a:masterClrMapping/>
+  </p:clrMapOvr>
 </p:sldLayout>
 </file>
 
 <file path=ppt/slideLayouts/slideLayout9.xml><?xml version="1.0" encoding="utf-8"?>
-<p:sldLayout xmlns:a="http://schemas.openxmlformats.org/drawingml/2006/main" xmlns:p="http://schemas.openxmlformats.org/presentationml/2006/main" xmlns:r="http://schemas.openxmlformats.org/officeDocument/2006/relationships" xmlns:p14="http://schemas.microsoft.com/office/powerpoint/2010/main" xmlns:p15="http://schemas.microsoft.com/office/powerpoint/2012/main" xmlns:mc="http://schemas.openxmlformats.org/markup-compatibility/2006" type="twoObjOverTx" preserve="1">
+<p:sldLayout xmlns:a="http://schemas.openxmlformats.org/drawingml/2006/main" xmlns:r="http://schemas.openxmlformats.org/officeDocument/2006/relationships" xmlns:p="http://schemas.openxmlformats.org/presentationml/2006/main" type="twoObjOverTx" preserve="1">
   <p:cSld name="Title, 2 Content over Content">
     <p:spTree>
       <p:nvGrpSpPr>
@@ -2785,12 +3017,13 @@
           </a:prstGeom>
         </p:spPr>
         <p:txBody>
-          <a:bodyPr lIns="0" rIns="0" tIns="0" bIns="0" anchor="ctr"/>
+          <a:bodyPr lIns="0" tIns="0" rIns="0" bIns="0" anchor="ctr"/>
+          <a:lstStyle/>
           <a:p>
             <a:pPr algn="ctr"/>
-            <a:endParaRPr b="0" lang="en-US" sz="5860" spc="-1" strike="noStrike">
-              <a:solidFill>
-                <a:srgbClr val="ffffff"/>
+            <a:endParaRPr lang="en-US" sz="5860" b="0" strike="noStrike" spc="-1">
+              <a:solidFill>
+                <a:srgbClr val="FFFFFF"/>
               </a:solidFill>
               <a:latin typeface="Arial"/>
             </a:endParaRPr>
@@ -2817,13 +3050,14 @@
           </a:prstGeom>
         </p:spPr>
         <p:txBody>
-          <a:bodyPr lIns="0" rIns="0" tIns="0" bIns="0">
+          <a:bodyPr lIns="0" tIns="0" rIns="0" bIns="0">
             <a:normAutofit/>
           </a:bodyPr>
-          <a:p>
-            <a:endParaRPr b="0" lang="en-US" sz="4260" spc="-1" strike="noStrike">
-              <a:solidFill>
-                <a:srgbClr val="ffffff"/>
+          <a:lstStyle/>
+          <a:p>
+            <a:endParaRPr lang="en-US" sz="4260" b="0" strike="noStrike" spc="-1">
+              <a:solidFill>
+                <a:srgbClr val="FFFFFF"/>
               </a:solidFill>
               <a:latin typeface="Arial"/>
             </a:endParaRPr>
@@ -2850,13 +3084,14 @@
           </a:prstGeom>
         </p:spPr>
         <p:txBody>
-          <a:bodyPr lIns="0" rIns="0" tIns="0" bIns="0">
+          <a:bodyPr lIns="0" tIns="0" rIns="0" bIns="0">
             <a:normAutofit/>
           </a:bodyPr>
-          <a:p>
-            <a:endParaRPr b="0" lang="en-US" sz="4260" spc="-1" strike="noStrike">
-              <a:solidFill>
-                <a:srgbClr val="ffffff"/>
+          <a:lstStyle/>
+          <a:p>
+            <a:endParaRPr lang="en-US" sz="4260" b="0" strike="noStrike" spc="-1">
+              <a:solidFill>
+                <a:srgbClr val="FFFFFF"/>
               </a:solidFill>
               <a:latin typeface="Arial"/>
             </a:endParaRPr>
@@ -2883,13 +3118,14 @@
           </a:prstGeom>
         </p:spPr>
         <p:txBody>
-          <a:bodyPr lIns="0" rIns="0" tIns="0" bIns="0">
+          <a:bodyPr lIns="0" tIns="0" rIns="0" bIns="0">
             <a:normAutofit/>
           </a:bodyPr>
-          <a:p>
-            <a:endParaRPr b="0" lang="en-US" sz="4260" spc="-1" strike="noStrike">
-              <a:solidFill>
-                <a:srgbClr val="ffffff"/>
+          <a:lstStyle/>
+          <a:p>
+            <a:endParaRPr lang="en-US" sz="4260" b="0" strike="noStrike" spc="-1">
+              <a:solidFill>
+                <a:srgbClr val="FFFFFF"/>
               </a:solidFill>
               <a:latin typeface="Arial"/>
             </a:endParaRPr>
@@ -2898,20 +3134,24 @@
       </p:sp>
     </p:spTree>
   </p:cSld>
+  <p:clrMapOvr>
+    <a:masterClrMapping/>
+  </p:clrMapOvr>
 </p:sldLayout>
 </file>
 
 <file path=ppt/slideMasters/slideMaster1.xml><?xml version="1.0" encoding="utf-8"?>
-<p:sldMaster xmlns:a="http://schemas.openxmlformats.org/drawingml/2006/main" xmlns:p="http://schemas.openxmlformats.org/presentationml/2006/main" xmlns:r="http://schemas.openxmlformats.org/officeDocument/2006/relationships" xmlns:p14="http://schemas.microsoft.com/office/powerpoint/2010/main" xmlns:p15="http://schemas.microsoft.com/office/powerpoint/2012/main" xmlns:mc="http://schemas.openxmlformats.org/markup-compatibility/2006">
+<p:sldMaster xmlns:a="http://schemas.openxmlformats.org/drawingml/2006/main" xmlns:r="http://schemas.openxmlformats.org/officeDocument/2006/relationships" xmlns:p="http://schemas.openxmlformats.org/presentationml/2006/main">
   <p:cSld>
     <p:bg>
       <p:bgPr>
         <a:blipFill rotWithShape="0">
-          <a:blip r:embed="rId2"/>
+          <a:blip r:embed="rId14"/>
           <a:stretch>
             <a:fillRect/>
           </a:stretch>
         </a:blipFill>
+        <a:effectLst/>
       </p:bgPr>
     </p:bg>
     <p:spTree>
@@ -2930,7 +3170,7 @@
       </p:grpSpPr>
       <p:sp>
         <p:nvSpPr>
-          <p:cNvPr id="0" name="PlaceHolder 1"/>
+          <p:cNvPr id="5" name="PlaceHolder 1"/>
           <p:cNvSpPr>
             <a:spLocks noGrp="1"/>
           </p:cNvSpPr>
@@ -2948,30 +3188,25 @@
           </a:prstGeom>
         </p:spPr>
         <p:txBody>
-          <a:bodyPr lIns="0" rIns="0" tIns="0" bIns="0" anchor="ctr"/>
+          <a:bodyPr lIns="0" tIns="0" rIns="0" bIns="0" anchor="ctr"/>
+          <a:lstStyle/>
           <a:p>
             <a:pPr algn="ctr"/>
             <a:r>
-              <a:rPr b="0" lang="en-US" sz="5860" spc="-1" strike="noStrike">
+              <a:rPr lang="en-US" sz="5860" b="0" strike="noStrike" spc="-1">
                 <a:solidFill>
-                  <a:srgbClr val="ffffff"/>
+                  <a:srgbClr val="FFFFFF"/>
                 </a:solidFill>
                 <a:latin typeface="Arial"/>
               </a:rPr>
               <a:t>Click to edit the title text format</a:t>
             </a:r>
-            <a:endParaRPr b="0" lang="en-US" sz="5860" spc="-1" strike="noStrike">
-              <a:solidFill>
-                <a:srgbClr val="ffffff"/>
-              </a:solidFill>
-              <a:latin typeface="Arial"/>
-            </a:endParaRPr>
-          </a:p>
-        </p:txBody>
-      </p:sp>
-      <p:sp>
-        <p:nvSpPr>
-          <p:cNvPr id="1" name="PlaceHolder 2"/>
+          </a:p>
+        </p:txBody>
+      </p:sp>
+      <p:sp>
+        <p:nvSpPr>
+          <p:cNvPr id="6" name="PlaceHolder 2"/>
           <p:cNvSpPr>
             <a:spLocks noGrp="1"/>
           </p:cNvSpPr>
@@ -2989,204 +3224,163 @@
           </a:prstGeom>
         </p:spPr>
         <p:txBody>
-          <a:bodyPr lIns="0" rIns="0" tIns="0" bIns="0">
+          <a:bodyPr lIns="0" tIns="0" rIns="0" bIns="0">
             <a:normAutofit fontScale="66000"/>
           </a:bodyPr>
+          <a:lstStyle/>
           <a:p>
             <a:pPr marL="432000" indent="-324000">
               <a:spcBef>
                 <a:spcPts val="1888"/>
               </a:spcBef>
               <a:buClr>
-                <a:srgbClr val="ffffff"/>
+                <a:srgbClr val="FFFFFF"/>
               </a:buClr>
               <a:buSzPct val="45000"/>
               <a:buFont typeface="Wingdings" charset="2"/>
               <a:buChar char=""/>
             </a:pPr>
             <a:r>
-              <a:rPr b="0" lang="en-US" sz="4260" spc="-1" strike="noStrike">
+              <a:rPr lang="en-US" sz="4260" b="0" strike="noStrike" spc="-1">
                 <a:solidFill>
-                  <a:srgbClr val="ffffff"/>
+                  <a:srgbClr val="FFFFFF"/>
                 </a:solidFill>
                 <a:latin typeface="Arial"/>
               </a:rPr>
               <a:t>Click to edit the outline text format</a:t>
             </a:r>
-            <a:endParaRPr b="0" lang="en-US" sz="4260" spc="-1" strike="noStrike">
-              <a:solidFill>
-                <a:srgbClr val="ffffff"/>
-              </a:solidFill>
-              <a:latin typeface="Arial"/>
-            </a:endParaRPr>
-          </a:p>
-          <a:p>
-            <a:pPr lvl="1" marL="864000" indent="-324000">
+          </a:p>
+          <a:p>
+            <a:pPr marL="864000" lvl="1" indent="-324000">
               <a:spcBef>
                 <a:spcPts val="1511"/>
               </a:spcBef>
               <a:buClr>
-                <a:srgbClr val="ffffff"/>
+                <a:srgbClr val="FFFFFF"/>
               </a:buClr>
               <a:buSzPct val="75000"/>
               <a:buFont typeface="Symbol" charset="2"/>
               <a:buChar char=""/>
             </a:pPr>
             <a:r>
-              <a:rPr b="0" lang="en-US" sz="4260" spc="-1" strike="noStrike">
+              <a:rPr lang="en-US" sz="4260" b="0" strike="noStrike" spc="-1">
                 <a:solidFill>
-                  <a:srgbClr val="ffffff"/>
+                  <a:srgbClr val="FFFFFF"/>
                 </a:solidFill>
                 <a:latin typeface="Arial"/>
               </a:rPr>
               <a:t>Second Outline Level</a:t>
             </a:r>
-            <a:endParaRPr b="0" lang="en-US" sz="4260" spc="-1" strike="noStrike">
-              <a:solidFill>
-                <a:srgbClr val="ffffff"/>
-              </a:solidFill>
-              <a:latin typeface="Arial"/>
-            </a:endParaRPr>
-          </a:p>
-          <a:p>
-            <a:pPr lvl="2" marL="1296000" indent="-288000">
+          </a:p>
+          <a:p>
+            <a:pPr marL="1296000" lvl="2" indent="-288000">
               <a:spcBef>
                 <a:spcPts val="1134"/>
               </a:spcBef>
               <a:buClr>
-                <a:srgbClr val="ffffff"/>
+                <a:srgbClr val="FFFFFF"/>
               </a:buClr>
               <a:buSzPct val="45000"/>
               <a:buFont typeface="Wingdings" charset="2"/>
               <a:buChar char=""/>
             </a:pPr>
             <a:r>
-              <a:rPr b="0" lang="en-US" sz="4260" spc="-1" strike="noStrike">
+              <a:rPr lang="en-US" sz="4260" b="0" strike="noStrike" spc="-1">
                 <a:solidFill>
-                  <a:srgbClr val="ffffff"/>
+                  <a:srgbClr val="FFFFFF"/>
                 </a:solidFill>
                 <a:latin typeface="Arial"/>
               </a:rPr>
               <a:t>Third Outline Level</a:t>
             </a:r>
-            <a:endParaRPr b="0" lang="en-US" sz="4260" spc="-1" strike="noStrike">
-              <a:solidFill>
-                <a:srgbClr val="ffffff"/>
-              </a:solidFill>
-              <a:latin typeface="Arial"/>
-            </a:endParaRPr>
-          </a:p>
-          <a:p>
-            <a:pPr lvl="3" marL="1728000" indent="-216000">
+          </a:p>
+          <a:p>
+            <a:pPr marL="1728000" lvl="3" indent="-216000">
               <a:spcBef>
                 <a:spcPts val="754"/>
               </a:spcBef>
               <a:buClr>
-                <a:srgbClr val="ffffff"/>
+                <a:srgbClr val="FFFFFF"/>
               </a:buClr>
               <a:buSzPct val="75000"/>
               <a:buFont typeface="Symbol" charset="2"/>
               <a:buChar char=""/>
             </a:pPr>
             <a:r>
-              <a:rPr b="0" lang="en-US" sz="4260" spc="-1" strike="noStrike">
+              <a:rPr lang="en-US" sz="4260" b="0" strike="noStrike" spc="-1">
                 <a:solidFill>
-                  <a:srgbClr val="ffffff"/>
+                  <a:srgbClr val="FFFFFF"/>
                 </a:solidFill>
                 <a:latin typeface="Arial"/>
               </a:rPr>
               <a:t>Fourth Outline Level</a:t>
             </a:r>
-            <a:endParaRPr b="0" lang="en-US" sz="4260" spc="-1" strike="noStrike">
-              <a:solidFill>
-                <a:srgbClr val="ffffff"/>
-              </a:solidFill>
-              <a:latin typeface="Arial"/>
-            </a:endParaRPr>
-          </a:p>
-          <a:p>
-            <a:pPr lvl="4" marL="2160000" indent="-216000">
+          </a:p>
+          <a:p>
+            <a:pPr marL="2160000" lvl="4" indent="-216000">
               <a:spcBef>
                 <a:spcPts val="377"/>
               </a:spcBef>
               <a:buClr>
-                <a:srgbClr val="ffffff"/>
+                <a:srgbClr val="FFFFFF"/>
               </a:buClr>
               <a:buSzPct val="45000"/>
               <a:buFont typeface="Wingdings" charset="2"/>
               <a:buChar char=""/>
             </a:pPr>
             <a:r>
-              <a:rPr b="0" lang="en-US" sz="4260" spc="-1" strike="noStrike">
+              <a:rPr lang="en-US" sz="4260" b="0" strike="noStrike" spc="-1">
                 <a:solidFill>
-                  <a:srgbClr val="ffffff"/>
+                  <a:srgbClr val="FFFFFF"/>
                 </a:solidFill>
                 <a:latin typeface="Arial"/>
               </a:rPr>
               <a:t>Fifth Outline Level</a:t>
             </a:r>
-            <a:endParaRPr b="0" lang="en-US" sz="4260" spc="-1" strike="noStrike">
-              <a:solidFill>
-                <a:srgbClr val="ffffff"/>
-              </a:solidFill>
-              <a:latin typeface="Arial"/>
-            </a:endParaRPr>
-          </a:p>
-          <a:p>
-            <a:pPr lvl="5" marL="2592000" indent="-216000">
+          </a:p>
+          <a:p>
+            <a:pPr marL="2592000" lvl="5" indent="-216000">
               <a:spcBef>
                 <a:spcPts val="377"/>
               </a:spcBef>
               <a:buClr>
-                <a:srgbClr val="ffffff"/>
+                <a:srgbClr val="FFFFFF"/>
               </a:buClr>
               <a:buSzPct val="45000"/>
               <a:buFont typeface="Wingdings" charset="2"/>
               <a:buChar char=""/>
             </a:pPr>
             <a:r>
-              <a:rPr b="0" lang="en-US" sz="4260" spc="-1" strike="noStrike">
+              <a:rPr lang="en-US" sz="4260" b="0" strike="noStrike" spc="-1">
                 <a:solidFill>
-                  <a:srgbClr val="ffffff"/>
+                  <a:srgbClr val="FFFFFF"/>
                 </a:solidFill>
                 <a:latin typeface="Arial"/>
               </a:rPr>
               <a:t>Sixth Outline Level</a:t>
             </a:r>
-            <a:endParaRPr b="0" lang="en-US" sz="4260" spc="-1" strike="noStrike">
-              <a:solidFill>
-                <a:srgbClr val="ffffff"/>
-              </a:solidFill>
-              <a:latin typeface="Arial"/>
-            </a:endParaRPr>
-          </a:p>
-          <a:p>
-            <a:pPr lvl="6" marL="3024000" indent="-216000">
+          </a:p>
+          <a:p>
+            <a:pPr marL="3024000" lvl="6" indent="-216000">
               <a:spcBef>
                 <a:spcPts val="377"/>
               </a:spcBef>
               <a:buClr>
-                <a:srgbClr val="ffffff"/>
+                <a:srgbClr val="FFFFFF"/>
               </a:buClr>
               <a:buSzPct val="45000"/>
               <a:buFont typeface="Wingdings" charset="2"/>
               <a:buChar char=""/>
             </a:pPr>
             <a:r>
-              <a:rPr b="0" lang="en-US" sz="4260" spc="-1" strike="noStrike">
+              <a:rPr lang="en-US" sz="4260" b="0" strike="noStrike" spc="-1">
                 <a:solidFill>
-                  <a:srgbClr val="ffffff"/>
+                  <a:srgbClr val="FFFFFF"/>
                 </a:solidFill>
                 <a:latin typeface="Arial"/>
               </a:rPr>
               <a:t>Seventh Outline Level</a:t>
             </a:r>
-            <a:endParaRPr b="0" lang="en-US" sz="4260" spc="-1" strike="noStrike">
-              <a:solidFill>
-                <a:srgbClr val="ffffff"/>
-              </a:solidFill>
-              <a:latin typeface="Arial"/>
-            </a:endParaRPr>
           </a:p>
         </p:txBody>
       </p:sp>
@@ -3210,23 +3404,18 @@
           </a:prstGeom>
         </p:spPr>
         <p:txBody>
-          <a:bodyPr lIns="0" rIns="0" tIns="0" bIns="0"/>
-          <a:p>
-            <a:r>
-              <a:rPr b="0" lang="en-US" sz="1400" spc="-1" strike="noStrike">
+          <a:bodyPr lIns="0" tIns="0" rIns="0" bIns="0"/>
+          <a:lstStyle/>
+          <a:p>
+            <a:r>
+              <a:rPr lang="en-US" sz="1400" b="0" strike="noStrike" spc="-1">
                 <a:solidFill>
-                  <a:srgbClr val="ffffff"/>
+                  <a:srgbClr val="FFFFFF"/>
                 </a:solidFill>
                 <a:latin typeface="Times New Roman"/>
               </a:rPr>
               <a:t>&lt;date/time&gt;</a:t>
             </a:r>
-            <a:endParaRPr b="0" lang="en-US" sz="1400" spc="-1" strike="noStrike">
-              <a:solidFill>
-                <a:srgbClr val="ffffff"/>
-              </a:solidFill>
-              <a:latin typeface="Times New Roman"/>
-            </a:endParaRPr>
           </a:p>
         </p:txBody>
       </p:sp>
@@ -3250,24 +3439,19 @@
           </a:prstGeom>
         </p:spPr>
         <p:txBody>
-          <a:bodyPr lIns="0" rIns="0" tIns="0" bIns="0"/>
+          <a:bodyPr lIns="0" tIns="0" rIns="0" bIns="0"/>
+          <a:lstStyle/>
           <a:p>
             <a:pPr algn="ctr"/>
             <a:r>
-              <a:rPr b="0" lang="en-US" sz="1400" spc="-1" strike="noStrike">
+              <a:rPr lang="en-US" sz="1400" b="0" strike="noStrike" spc="-1">
                 <a:solidFill>
-                  <a:srgbClr val="ffffff"/>
+                  <a:srgbClr val="FFFFFF"/>
                 </a:solidFill>
                 <a:latin typeface="Times New Roman"/>
               </a:rPr>
               <a:t>&lt;footer&gt;</a:t>
             </a:r>
-            <a:endParaRPr b="0" lang="en-US" sz="1400" spc="-1" strike="noStrike">
-              <a:solidFill>
-                <a:srgbClr val="ffffff"/>
-              </a:solidFill>
-              <a:latin typeface="Times New Roman"/>
-            </a:endParaRPr>
           </a:p>
         </p:txBody>
       </p:sp>
@@ -3291,21 +3475,22 @@
           </a:prstGeom>
         </p:spPr>
         <p:txBody>
-          <a:bodyPr lIns="0" rIns="0" tIns="0" bIns="0"/>
+          <a:bodyPr lIns="0" tIns="0" rIns="0" bIns="0"/>
+          <a:lstStyle/>
           <a:p>
             <a:pPr algn="r"/>
             <a:fld id="{4046B061-2E43-405A-A501-24264625B213}" type="slidenum">
-              <a:rPr b="0" lang="en-US" sz="1400" spc="-1" strike="noStrike">
+              <a:rPr lang="en-US" sz="1400" b="0" strike="noStrike" spc="-1">
                 <a:solidFill>
-                  <a:srgbClr val="ffffff"/>
+                  <a:srgbClr val="FFFFFF"/>
                 </a:solidFill>
                 <a:latin typeface="Times New Roman"/>
               </a:rPr>
-              <a:t>&lt;number&gt;</a:t>
+              <a:t>‹#›</a:t>
             </a:fld>
-            <a:endParaRPr b="0" lang="en-US" sz="1400" spc="-1" strike="noStrike">
-              <a:solidFill>
-                <a:srgbClr val="ffffff"/>
+            <a:endParaRPr lang="en-US" sz="1400" b="0" strike="noStrike" spc="-1">
+              <a:solidFill>
+                <a:srgbClr val="FFFFFF"/>
               </a:solidFill>
               <a:latin typeface="Times New Roman"/>
             </a:endParaRPr>
@@ -3314,35 +3499,316 @@
       </p:sp>
     </p:spTree>
   </p:cSld>
-  <p:clrMap bg1="lt1" bg2="lt2" tx1="dk1" tx2="dk2" accent1="accent1" accent2="accent2" accent3="accent3" accent4="accent4" accent5="accent5" accent6="accent6" hlink="hlink" folHlink="folHlink"/>
+  <p:clrMap bg1="lt1" tx1="dk1" bg2="lt2" tx2="dk2" accent1="accent1" accent2="accent2" accent3="accent3" accent4="accent4" accent5="accent5" accent6="accent6" hlink="hlink" folHlink="folHlink"/>
   <p:sldLayoutIdLst>
-    <p:sldLayoutId id="2147483649" r:id="rId3"/>
-    <p:sldLayoutId id="2147483650" r:id="rId4"/>
-    <p:sldLayoutId id="2147483651" r:id="rId5"/>
-    <p:sldLayoutId id="2147483652" r:id="rId6"/>
-    <p:sldLayoutId id="2147483653" r:id="rId7"/>
-    <p:sldLayoutId id="2147483654" r:id="rId8"/>
-    <p:sldLayoutId id="2147483655" r:id="rId9"/>
-    <p:sldLayoutId id="2147483656" r:id="rId10"/>
-    <p:sldLayoutId id="2147483657" r:id="rId11"/>
-    <p:sldLayoutId id="2147483658" r:id="rId12"/>
-    <p:sldLayoutId id="2147483659" r:id="rId13"/>
-    <p:sldLayoutId id="2147483660" r:id="rId14"/>
+    <p:sldLayoutId id="2147483649" r:id="rId1"/>
+    <p:sldLayoutId id="2147483650" r:id="rId2"/>
+    <p:sldLayoutId id="2147483651" r:id="rId3"/>
+    <p:sldLayoutId id="2147483652" r:id="rId4"/>
+    <p:sldLayoutId id="2147483653" r:id="rId5"/>
+    <p:sldLayoutId id="2147483654" r:id="rId6"/>
+    <p:sldLayoutId id="2147483655" r:id="rId7"/>
+    <p:sldLayoutId id="2147483656" r:id="rId8"/>
+    <p:sldLayoutId id="2147483657" r:id="rId9"/>
+    <p:sldLayoutId id="2147483658" r:id="rId10"/>
+    <p:sldLayoutId id="2147483659" r:id="rId11"/>
+    <p:sldLayoutId id="2147483660" r:id="rId12"/>
   </p:sldLayoutIdLst>
+  <p:txStyles>
+    <p:titleStyle>
+      <a:lvl1pPr algn="l" defTabSz="914400" rtl="0" eaLnBrk="1" latinLnBrk="0" hangingPunct="1">
+        <a:lnSpc>
+          <a:spcPct val="90000"/>
+        </a:lnSpc>
+        <a:spcBef>
+          <a:spcPct val="0"/>
+        </a:spcBef>
+        <a:buNone/>
+        <a:defRPr sz="4400" kern="1200">
+          <a:solidFill>
+            <a:schemeClr val="tx1"/>
+          </a:solidFill>
+          <a:latin typeface="+mj-lt"/>
+          <a:ea typeface="+mj-ea"/>
+          <a:cs typeface="+mj-cs"/>
+        </a:defRPr>
+      </a:lvl1pPr>
+    </p:titleStyle>
+    <p:bodyStyle>
+      <a:lvl1pPr marL="228600" indent="-228600" algn="l" defTabSz="914400" rtl="0" eaLnBrk="1" latinLnBrk="0" hangingPunct="1">
+        <a:lnSpc>
+          <a:spcPct val="90000"/>
+        </a:lnSpc>
+        <a:spcBef>
+          <a:spcPts val="1000"/>
+        </a:spcBef>
+        <a:buFont typeface="Arial" panose="020B0604020202020204" pitchFamily="34" charset="0"/>
+        <a:buChar char="•"/>
+        <a:defRPr sz="2800" kern="1200">
+          <a:solidFill>
+            <a:schemeClr val="tx1"/>
+          </a:solidFill>
+          <a:latin typeface="+mn-lt"/>
+          <a:ea typeface="+mn-ea"/>
+          <a:cs typeface="+mn-cs"/>
+        </a:defRPr>
+      </a:lvl1pPr>
+      <a:lvl2pPr marL="685800" indent="-228600" algn="l" defTabSz="914400" rtl="0" eaLnBrk="1" latinLnBrk="0" hangingPunct="1">
+        <a:lnSpc>
+          <a:spcPct val="90000"/>
+        </a:lnSpc>
+        <a:spcBef>
+          <a:spcPts val="500"/>
+        </a:spcBef>
+        <a:buFont typeface="Arial" panose="020B0604020202020204" pitchFamily="34" charset="0"/>
+        <a:buChar char="•"/>
+        <a:defRPr sz="2400" kern="1200">
+          <a:solidFill>
+            <a:schemeClr val="tx1"/>
+          </a:solidFill>
+          <a:latin typeface="+mn-lt"/>
+          <a:ea typeface="+mn-ea"/>
+          <a:cs typeface="+mn-cs"/>
+        </a:defRPr>
+      </a:lvl2pPr>
+      <a:lvl3pPr marL="1143000" indent="-228600" algn="l" defTabSz="914400" rtl="0" eaLnBrk="1" latinLnBrk="0" hangingPunct="1">
+        <a:lnSpc>
+          <a:spcPct val="90000"/>
+        </a:lnSpc>
+        <a:spcBef>
+          <a:spcPts val="500"/>
+        </a:spcBef>
+        <a:buFont typeface="Arial" panose="020B0604020202020204" pitchFamily="34" charset="0"/>
+        <a:buChar char="•"/>
+        <a:defRPr sz="2000" kern="1200">
+          <a:solidFill>
+            <a:schemeClr val="tx1"/>
+          </a:solidFill>
+          <a:latin typeface="+mn-lt"/>
+          <a:ea typeface="+mn-ea"/>
+          <a:cs typeface="+mn-cs"/>
+        </a:defRPr>
+      </a:lvl3pPr>
+      <a:lvl4pPr marL="1600200" indent="-228600" algn="l" defTabSz="914400" rtl="0" eaLnBrk="1" latinLnBrk="0" hangingPunct="1">
+        <a:lnSpc>
+          <a:spcPct val="90000"/>
+        </a:lnSpc>
+        <a:spcBef>
+          <a:spcPts val="500"/>
+        </a:spcBef>
+        <a:buFont typeface="Arial" panose="020B0604020202020204" pitchFamily="34" charset="0"/>
+        <a:buChar char="•"/>
+        <a:defRPr sz="1800" kern="1200">
+          <a:solidFill>
+            <a:schemeClr val="tx1"/>
+          </a:solidFill>
+          <a:latin typeface="+mn-lt"/>
+          <a:ea typeface="+mn-ea"/>
+          <a:cs typeface="+mn-cs"/>
+        </a:defRPr>
+      </a:lvl4pPr>
+      <a:lvl5pPr marL="2057400" indent="-228600" algn="l" defTabSz="914400" rtl="0" eaLnBrk="1" latinLnBrk="0" hangingPunct="1">
+        <a:lnSpc>
+          <a:spcPct val="90000"/>
+        </a:lnSpc>
+        <a:spcBef>
+          <a:spcPts val="500"/>
+        </a:spcBef>
+        <a:buFont typeface="Arial" panose="020B0604020202020204" pitchFamily="34" charset="0"/>
+        <a:buChar char="•"/>
+        <a:defRPr sz="1800" kern="1200">
+          <a:solidFill>
+            <a:schemeClr val="tx1"/>
+          </a:solidFill>
+          <a:latin typeface="+mn-lt"/>
+          <a:ea typeface="+mn-ea"/>
+          <a:cs typeface="+mn-cs"/>
+        </a:defRPr>
+      </a:lvl5pPr>
+      <a:lvl6pPr marL="2514600" indent="-228600" algn="l" defTabSz="914400" rtl="0" eaLnBrk="1" latinLnBrk="0" hangingPunct="1">
+        <a:lnSpc>
+          <a:spcPct val="90000"/>
+        </a:lnSpc>
+        <a:spcBef>
+          <a:spcPts val="500"/>
+        </a:spcBef>
+        <a:buFont typeface="Arial" panose="020B0604020202020204" pitchFamily="34" charset="0"/>
+        <a:buChar char="•"/>
+        <a:defRPr sz="1800" kern="1200">
+          <a:solidFill>
+            <a:schemeClr val="tx1"/>
+          </a:solidFill>
+          <a:latin typeface="+mn-lt"/>
+          <a:ea typeface="+mn-ea"/>
+          <a:cs typeface="+mn-cs"/>
+        </a:defRPr>
+      </a:lvl6pPr>
+      <a:lvl7pPr marL="2971800" indent="-228600" algn="l" defTabSz="914400" rtl="0" eaLnBrk="1" latinLnBrk="0" hangingPunct="1">
+        <a:lnSpc>
+          <a:spcPct val="90000"/>
+        </a:lnSpc>
+        <a:spcBef>
+          <a:spcPts val="500"/>
+        </a:spcBef>
+        <a:buFont typeface="Arial" panose="020B0604020202020204" pitchFamily="34" charset="0"/>
+        <a:buChar char="•"/>
+        <a:defRPr sz="1800" kern="1200">
+          <a:solidFill>
+            <a:schemeClr val="tx1"/>
+          </a:solidFill>
+          <a:latin typeface="+mn-lt"/>
+          <a:ea typeface="+mn-ea"/>
+          <a:cs typeface="+mn-cs"/>
+        </a:defRPr>
+      </a:lvl7pPr>
+      <a:lvl8pPr marL="3429000" indent="-228600" algn="l" defTabSz="914400" rtl="0" eaLnBrk="1" latinLnBrk="0" hangingPunct="1">
+        <a:lnSpc>
+          <a:spcPct val="90000"/>
+        </a:lnSpc>
+        <a:spcBef>
+          <a:spcPts val="500"/>
+        </a:spcBef>
+        <a:buFont typeface="Arial" panose="020B0604020202020204" pitchFamily="34" charset="0"/>
+        <a:buChar char="•"/>
+        <a:defRPr sz="1800" kern="1200">
+          <a:solidFill>
+            <a:schemeClr val="tx1"/>
+          </a:solidFill>
+          <a:latin typeface="+mn-lt"/>
+          <a:ea typeface="+mn-ea"/>
+          <a:cs typeface="+mn-cs"/>
+        </a:defRPr>
+      </a:lvl8pPr>
+      <a:lvl9pPr marL="3886200" indent="-228600" algn="l" defTabSz="914400" rtl="0" eaLnBrk="1" latinLnBrk="0" hangingPunct="1">
+        <a:lnSpc>
+          <a:spcPct val="90000"/>
+        </a:lnSpc>
+        <a:spcBef>
+          <a:spcPts val="500"/>
+        </a:spcBef>
+        <a:buFont typeface="Arial" panose="020B0604020202020204" pitchFamily="34" charset="0"/>
+        <a:buChar char="•"/>
+        <a:defRPr sz="1800" kern="1200">
+          <a:solidFill>
+            <a:schemeClr val="tx1"/>
+          </a:solidFill>
+          <a:latin typeface="+mn-lt"/>
+          <a:ea typeface="+mn-ea"/>
+          <a:cs typeface="+mn-cs"/>
+        </a:defRPr>
+      </a:lvl9pPr>
+    </p:bodyStyle>
+    <p:otherStyle>
+      <a:defPPr>
+        <a:defRPr lang="en-US"/>
+      </a:defPPr>
+      <a:lvl1pPr marL="0" algn="l" defTabSz="914400" rtl="0" eaLnBrk="1" latinLnBrk="0" hangingPunct="1">
+        <a:defRPr sz="1800" kern="1200">
+          <a:solidFill>
+            <a:schemeClr val="tx1"/>
+          </a:solidFill>
+          <a:latin typeface="+mn-lt"/>
+          <a:ea typeface="+mn-ea"/>
+          <a:cs typeface="+mn-cs"/>
+        </a:defRPr>
+      </a:lvl1pPr>
+      <a:lvl2pPr marL="457200" algn="l" defTabSz="914400" rtl="0" eaLnBrk="1" latinLnBrk="0" hangingPunct="1">
+        <a:defRPr sz="1800" kern="1200">
+          <a:solidFill>
+            <a:schemeClr val="tx1"/>
+          </a:solidFill>
+          <a:latin typeface="+mn-lt"/>
+          <a:ea typeface="+mn-ea"/>
+          <a:cs typeface="+mn-cs"/>
+        </a:defRPr>
+      </a:lvl2pPr>
+      <a:lvl3pPr marL="914400" algn="l" defTabSz="914400" rtl="0" eaLnBrk="1" latinLnBrk="0" hangingPunct="1">
+        <a:defRPr sz="1800" kern="1200">
+          <a:solidFill>
+            <a:schemeClr val="tx1"/>
+          </a:solidFill>
+          <a:latin typeface="+mn-lt"/>
+          <a:ea typeface="+mn-ea"/>
+          <a:cs typeface="+mn-cs"/>
+        </a:defRPr>
+      </a:lvl3pPr>
+      <a:lvl4pPr marL="1371600" algn="l" defTabSz="914400" rtl="0" eaLnBrk="1" latinLnBrk="0" hangingPunct="1">
+        <a:defRPr sz="1800" kern="1200">
+          <a:solidFill>
+            <a:schemeClr val="tx1"/>
+          </a:solidFill>
+          <a:latin typeface="+mn-lt"/>
+          <a:ea typeface="+mn-ea"/>
+          <a:cs typeface="+mn-cs"/>
+        </a:defRPr>
+      </a:lvl4pPr>
+      <a:lvl5pPr marL="1828800" algn="l" defTabSz="914400" rtl="0" eaLnBrk="1" latinLnBrk="0" hangingPunct="1">
+        <a:defRPr sz="1800" kern="1200">
+          <a:solidFill>
+            <a:schemeClr val="tx1"/>
+          </a:solidFill>
+          <a:latin typeface="+mn-lt"/>
+          <a:ea typeface="+mn-ea"/>
+          <a:cs typeface="+mn-cs"/>
+        </a:defRPr>
+      </a:lvl5pPr>
+      <a:lvl6pPr marL="2286000" algn="l" defTabSz="914400" rtl="0" eaLnBrk="1" latinLnBrk="0" hangingPunct="1">
+        <a:defRPr sz="1800" kern="1200">
+          <a:solidFill>
+            <a:schemeClr val="tx1"/>
+          </a:solidFill>
+          <a:latin typeface="+mn-lt"/>
+          <a:ea typeface="+mn-ea"/>
+          <a:cs typeface="+mn-cs"/>
+        </a:defRPr>
+      </a:lvl6pPr>
+      <a:lvl7pPr marL="2743200" algn="l" defTabSz="914400" rtl="0" eaLnBrk="1" latinLnBrk="0" hangingPunct="1">
+        <a:defRPr sz="1800" kern="1200">
+          <a:solidFill>
+            <a:schemeClr val="tx1"/>
+          </a:solidFill>
+          <a:latin typeface="+mn-lt"/>
+          <a:ea typeface="+mn-ea"/>
+          <a:cs typeface="+mn-cs"/>
+        </a:defRPr>
+      </a:lvl7pPr>
+      <a:lvl8pPr marL="3200400" algn="l" defTabSz="914400" rtl="0" eaLnBrk="1" latinLnBrk="0" hangingPunct="1">
+        <a:defRPr sz="1800" kern="1200">
+          <a:solidFill>
+            <a:schemeClr val="tx1"/>
+          </a:solidFill>
+          <a:latin typeface="+mn-lt"/>
+          <a:ea typeface="+mn-ea"/>
+          <a:cs typeface="+mn-cs"/>
+        </a:defRPr>
+      </a:lvl8pPr>
+      <a:lvl9pPr marL="3657600" algn="l" defTabSz="914400" rtl="0" eaLnBrk="1" latinLnBrk="0" hangingPunct="1">
+        <a:defRPr sz="1800" kern="1200">
+          <a:solidFill>
+            <a:schemeClr val="tx1"/>
+          </a:solidFill>
+          <a:latin typeface="+mn-lt"/>
+          <a:ea typeface="+mn-ea"/>
+          <a:cs typeface="+mn-cs"/>
+        </a:defRPr>
+      </a:lvl9pPr>
+    </p:otherStyle>
+  </p:txStyles>
 </p:sldMaster>
 </file>
 
 <file path=ppt/slideMasters/slideMaster2.xml><?xml version="1.0" encoding="utf-8"?>
-<p:sldMaster xmlns:a="http://schemas.openxmlformats.org/drawingml/2006/main" xmlns:p="http://schemas.openxmlformats.org/presentationml/2006/main" xmlns:r="http://schemas.openxmlformats.org/officeDocument/2006/relationships" xmlns:p14="http://schemas.microsoft.com/office/powerpoint/2010/main" xmlns:p15="http://schemas.microsoft.com/office/powerpoint/2012/main" xmlns:mc="http://schemas.openxmlformats.org/markup-compatibility/2006">
+<p:sldMaster xmlns:a="http://schemas.openxmlformats.org/drawingml/2006/main" xmlns:r="http://schemas.openxmlformats.org/officeDocument/2006/relationships" xmlns:p="http://schemas.openxmlformats.org/presentationml/2006/main">
   <p:cSld>
     <p:bg>
       <p:bgPr>
         <a:blipFill rotWithShape="0">
-          <a:blip r:embed="rId2"/>
+          <a:blip r:embed="rId14"/>
           <a:stretch>
             <a:fillRect/>
           </a:stretch>
         </a:blipFill>
+        <a:effectLst/>
       </p:bgPr>
     </p:bg>
     <p:spTree>
@@ -3379,18 +3845,16 @@
           </a:prstGeom>
         </p:spPr>
         <p:txBody>
-          <a:bodyPr lIns="0" rIns="0" tIns="0" bIns="0" anchor="ctr"/>
+          <a:bodyPr lIns="0" tIns="0" rIns="0" bIns="0" anchor="ctr"/>
+          <a:lstStyle/>
           <a:p>
             <a:pPr algn="ctr"/>
             <a:r>
-              <a:rPr b="0" lang="en-US" sz="4400" spc="-1" strike="noStrike">
+              <a:rPr lang="en-US" sz="4400" b="0" strike="noStrike" spc="-1">
                 <a:latin typeface="Arial"/>
               </a:rPr>
               <a:t>Click to edit the title text format</a:t>
             </a:r>
-            <a:endParaRPr b="0" lang="en-US" sz="4400" spc="-1" strike="noStrike">
-              <a:latin typeface="Arial"/>
-            </a:endParaRPr>
           </a:p>
         </p:txBody>
       </p:sp>
@@ -3414,9 +3878,10 @@
           </a:prstGeom>
         </p:spPr>
         <p:txBody>
-          <a:bodyPr lIns="0" rIns="0" tIns="0" bIns="0">
+          <a:bodyPr lIns="0" tIns="0" rIns="0" bIns="0">
             <a:normAutofit/>
           </a:bodyPr>
+          <a:lstStyle/>
           <a:p>
             <a:pPr marL="432000" indent="-324000">
               <a:spcBef>
@@ -3430,17 +3895,14 @@
               <a:buChar char=""/>
             </a:pPr>
             <a:r>
-              <a:rPr b="0" lang="en-US" sz="3200" spc="-1" strike="noStrike">
+              <a:rPr lang="en-US" sz="3200" b="0" strike="noStrike" spc="-1">
                 <a:latin typeface="Arial"/>
               </a:rPr>
               <a:t>Click to edit the outline text format</a:t>
             </a:r>
-            <a:endParaRPr b="0" lang="en-US" sz="3200" spc="-1" strike="noStrike">
-              <a:latin typeface="Arial"/>
-            </a:endParaRPr>
-          </a:p>
-          <a:p>
-            <a:pPr lvl="1" marL="864000" indent="-324000">
+          </a:p>
+          <a:p>
+            <a:pPr marL="864000" lvl="1" indent="-324000">
               <a:spcBef>
                 <a:spcPts val="1134"/>
               </a:spcBef>
@@ -3452,17 +3914,14 @@
               <a:buChar char=""/>
             </a:pPr>
             <a:r>
-              <a:rPr b="0" lang="en-US" sz="2800" spc="-1" strike="noStrike">
+              <a:rPr lang="en-US" sz="2800" b="0" strike="noStrike" spc="-1">
                 <a:latin typeface="Arial"/>
               </a:rPr>
               <a:t>Second Outline Level</a:t>
             </a:r>
-            <a:endParaRPr b="0" lang="en-US" sz="2800" spc="-1" strike="noStrike">
-              <a:latin typeface="Arial"/>
-            </a:endParaRPr>
-          </a:p>
-          <a:p>
-            <a:pPr lvl="2" marL="1296000" indent="-288000">
+          </a:p>
+          <a:p>
+            <a:pPr marL="1296000" lvl="2" indent="-288000">
               <a:spcBef>
                 <a:spcPts val="850"/>
               </a:spcBef>
@@ -3474,17 +3933,14 @@
               <a:buChar char=""/>
             </a:pPr>
             <a:r>
-              <a:rPr b="0" lang="en-US" sz="2400" spc="-1" strike="noStrike">
+              <a:rPr lang="en-US" sz="2400" b="0" strike="noStrike" spc="-1">
                 <a:latin typeface="Arial"/>
               </a:rPr>
               <a:t>Third Outline Level</a:t>
             </a:r>
-            <a:endParaRPr b="0" lang="en-US" sz="2400" spc="-1" strike="noStrike">
-              <a:latin typeface="Arial"/>
-            </a:endParaRPr>
-          </a:p>
-          <a:p>
-            <a:pPr lvl="3" marL="1728000" indent="-216000">
+          </a:p>
+          <a:p>
+            <a:pPr marL="1728000" lvl="3" indent="-216000">
               <a:spcBef>
                 <a:spcPts val="567"/>
               </a:spcBef>
@@ -3496,17 +3952,14 @@
               <a:buChar char=""/>
             </a:pPr>
             <a:r>
-              <a:rPr b="0" lang="en-US" sz="2000" spc="-1" strike="noStrike">
+              <a:rPr lang="en-US" sz="2000" b="0" strike="noStrike" spc="-1">
                 <a:latin typeface="Arial"/>
               </a:rPr>
               <a:t>Fourth Outline Level</a:t>
             </a:r>
-            <a:endParaRPr b="0" lang="en-US" sz="2000" spc="-1" strike="noStrike">
-              <a:latin typeface="Arial"/>
-            </a:endParaRPr>
-          </a:p>
-          <a:p>
-            <a:pPr lvl="4" marL="2160000" indent="-216000">
+          </a:p>
+          <a:p>
+            <a:pPr marL="2160000" lvl="4" indent="-216000">
               <a:spcBef>
                 <a:spcPts val="283"/>
               </a:spcBef>
@@ -3518,17 +3971,14 @@
               <a:buChar char=""/>
             </a:pPr>
             <a:r>
-              <a:rPr b="0" lang="en-US" sz="2000" spc="-1" strike="noStrike">
+              <a:rPr lang="en-US" sz="2000" b="0" strike="noStrike" spc="-1">
                 <a:latin typeface="Arial"/>
               </a:rPr>
               <a:t>Fifth Outline Level</a:t>
             </a:r>
-            <a:endParaRPr b="0" lang="en-US" sz="2000" spc="-1" strike="noStrike">
-              <a:latin typeface="Arial"/>
-            </a:endParaRPr>
-          </a:p>
-          <a:p>
-            <a:pPr lvl="5" marL="2592000" indent="-216000">
+          </a:p>
+          <a:p>
+            <a:pPr marL="2592000" lvl="5" indent="-216000">
               <a:spcBef>
                 <a:spcPts val="283"/>
               </a:spcBef>
@@ -3540,17 +3990,14 @@
               <a:buChar char=""/>
             </a:pPr>
             <a:r>
-              <a:rPr b="0" lang="en-US" sz="2000" spc="-1" strike="noStrike">
+              <a:rPr lang="en-US" sz="2000" b="0" strike="noStrike" spc="-1">
                 <a:latin typeface="Arial"/>
               </a:rPr>
               <a:t>Sixth Outline Level</a:t>
             </a:r>
-            <a:endParaRPr b="0" lang="en-US" sz="2000" spc="-1" strike="noStrike">
-              <a:latin typeface="Arial"/>
-            </a:endParaRPr>
-          </a:p>
-          <a:p>
-            <a:pPr lvl="6" marL="3024000" indent="-216000">
+          </a:p>
+          <a:p>
+            <a:pPr marL="3024000" lvl="6" indent="-216000">
               <a:spcBef>
                 <a:spcPts val="283"/>
               </a:spcBef>
@@ -3562,14 +4009,11 @@
               <a:buChar char=""/>
             </a:pPr>
             <a:r>
-              <a:rPr b="0" lang="en-US" sz="2000" spc="-1" strike="noStrike">
+              <a:rPr lang="en-US" sz="2000" b="0" strike="noStrike" spc="-1">
                 <a:latin typeface="Arial"/>
               </a:rPr>
               <a:t>Seventh Outline Level</a:t>
             </a:r>
-            <a:endParaRPr b="0" lang="en-US" sz="2000" spc="-1" strike="noStrike">
-              <a:latin typeface="Arial"/>
-            </a:endParaRPr>
           </a:p>
         </p:txBody>
       </p:sp>
@@ -3593,17 +4037,15 @@
           </a:prstGeom>
         </p:spPr>
         <p:txBody>
-          <a:bodyPr lIns="0" rIns="0" tIns="0" bIns="0"/>
-          <a:p>
-            <a:r>
-              <a:rPr b="0" lang="en-US" sz="1400" spc="-1" strike="noStrike">
+          <a:bodyPr lIns="0" tIns="0" rIns="0" bIns="0"/>
+          <a:lstStyle/>
+          <a:p>
+            <a:r>
+              <a:rPr lang="en-US" sz="1400" b="0" strike="noStrike" spc="-1">
                 <a:latin typeface="Times New Roman"/>
               </a:rPr>
               <a:t>&lt;date/time&gt;</a:t>
             </a:r>
-            <a:endParaRPr b="0" lang="en-US" sz="1400" spc="-1" strike="noStrike">
-              <a:latin typeface="Times New Roman"/>
-            </a:endParaRPr>
           </a:p>
         </p:txBody>
       </p:sp>
@@ -3627,18 +4069,16 @@
           </a:prstGeom>
         </p:spPr>
         <p:txBody>
-          <a:bodyPr lIns="0" rIns="0" tIns="0" bIns="0"/>
+          <a:bodyPr lIns="0" tIns="0" rIns="0" bIns="0"/>
+          <a:lstStyle/>
           <a:p>
             <a:pPr algn="ctr"/>
             <a:r>
-              <a:rPr b="0" lang="en-US" sz="1400" spc="-1" strike="noStrike">
+              <a:rPr lang="en-US" sz="1400" b="0" strike="noStrike" spc="-1">
                 <a:latin typeface="Times New Roman"/>
               </a:rPr>
               <a:t>&lt;footer&gt;</a:t>
             </a:r>
-            <a:endParaRPr b="0" lang="en-US" sz="1400" spc="-1" strike="noStrike">
-              <a:latin typeface="Times New Roman"/>
-            </a:endParaRPr>
           </a:p>
         </p:txBody>
       </p:sp>
@@ -3662,16 +4102,17 @@
           </a:prstGeom>
         </p:spPr>
         <p:txBody>
-          <a:bodyPr lIns="0" rIns="0" tIns="0" bIns="0"/>
+          <a:bodyPr lIns="0" tIns="0" rIns="0" bIns="0"/>
+          <a:lstStyle/>
           <a:p>
             <a:pPr algn="r"/>
             <a:fld id="{75E06E10-103B-470A-A226-F7AA68C21090}" type="slidenum">
-              <a:rPr b="0" lang="en-US" sz="1400" spc="-1" strike="noStrike">
+              <a:rPr lang="en-US" sz="1400" b="0" strike="noStrike" spc="-1">
                 <a:latin typeface="Times New Roman"/>
               </a:rPr>
-              <a:t>&lt;number&gt;</a:t>
+              <a:t>‹#›</a:t>
             </a:fld>
-            <a:endParaRPr b="0" lang="en-US" sz="1400" spc="-1" strike="noStrike">
+            <a:endParaRPr lang="en-US" sz="1400" b="0" strike="noStrike" spc="-1">
               <a:latin typeface="Times New Roman"/>
             </a:endParaRPr>
           </a:p>
@@ -3679,26 +4120,306 @@
       </p:sp>
     </p:spTree>
   </p:cSld>
-  <p:clrMap bg1="lt1" bg2="lt2" tx1="dk1" tx2="dk2" accent1="accent1" accent2="accent2" accent3="accent3" accent4="accent4" accent5="accent5" accent6="accent6" hlink="hlink" folHlink="folHlink"/>
+  <p:clrMap bg1="lt1" tx1="dk1" bg2="lt2" tx2="dk2" accent1="accent1" accent2="accent2" accent3="accent3" accent4="accent4" accent5="accent5" accent6="accent6" hlink="hlink" folHlink="folHlink"/>
   <p:sldLayoutIdLst>
-    <p:sldLayoutId id="2147483662" r:id="rId3"/>
-    <p:sldLayoutId id="2147483663" r:id="rId4"/>
-    <p:sldLayoutId id="2147483664" r:id="rId5"/>
-    <p:sldLayoutId id="2147483665" r:id="rId6"/>
-    <p:sldLayoutId id="2147483666" r:id="rId7"/>
-    <p:sldLayoutId id="2147483667" r:id="rId8"/>
-    <p:sldLayoutId id="2147483668" r:id="rId9"/>
-    <p:sldLayoutId id="2147483669" r:id="rId10"/>
-    <p:sldLayoutId id="2147483670" r:id="rId11"/>
-    <p:sldLayoutId id="2147483671" r:id="rId12"/>
-    <p:sldLayoutId id="2147483672" r:id="rId13"/>
-    <p:sldLayoutId id="2147483673" r:id="rId14"/>
+    <p:sldLayoutId id="2147483662" r:id="rId1"/>
+    <p:sldLayoutId id="2147483663" r:id="rId2"/>
+    <p:sldLayoutId id="2147483664" r:id="rId3"/>
+    <p:sldLayoutId id="2147483665" r:id="rId4"/>
+    <p:sldLayoutId id="2147483666" r:id="rId5"/>
+    <p:sldLayoutId id="2147483667" r:id="rId6"/>
+    <p:sldLayoutId id="2147483668" r:id="rId7"/>
+    <p:sldLayoutId id="2147483669" r:id="rId8"/>
+    <p:sldLayoutId id="2147483670" r:id="rId9"/>
+    <p:sldLayoutId id="2147483671" r:id="rId10"/>
+    <p:sldLayoutId id="2147483672" r:id="rId11"/>
+    <p:sldLayoutId id="2147483673" r:id="rId12"/>
   </p:sldLayoutIdLst>
+  <p:txStyles>
+    <p:titleStyle>
+      <a:lvl1pPr algn="l" defTabSz="914400" rtl="0" eaLnBrk="1" latinLnBrk="0" hangingPunct="1">
+        <a:lnSpc>
+          <a:spcPct val="90000"/>
+        </a:lnSpc>
+        <a:spcBef>
+          <a:spcPct val="0"/>
+        </a:spcBef>
+        <a:buNone/>
+        <a:defRPr sz="4400" kern="1200">
+          <a:solidFill>
+            <a:schemeClr val="tx1"/>
+          </a:solidFill>
+          <a:latin typeface="+mj-lt"/>
+          <a:ea typeface="+mj-ea"/>
+          <a:cs typeface="+mj-cs"/>
+        </a:defRPr>
+      </a:lvl1pPr>
+    </p:titleStyle>
+    <p:bodyStyle>
+      <a:lvl1pPr marL="228600" indent="-228600" algn="l" defTabSz="914400" rtl="0" eaLnBrk="1" latinLnBrk="0" hangingPunct="1">
+        <a:lnSpc>
+          <a:spcPct val="90000"/>
+        </a:lnSpc>
+        <a:spcBef>
+          <a:spcPts val="1000"/>
+        </a:spcBef>
+        <a:buFont typeface="Arial" panose="020B0604020202020204" pitchFamily="34" charset="0"/>
+        <a:buChar char="•"/>
+        <a:defRPr sz="2800" kern="1200">
+          <a:solidFill>
+            <a:schemeClr val="tx1"/>
+          </a:solidFill>
+          <a:latin typeface="+mn-lt"/>
+          <a:ea typeface="+mn-ea"/>
+          <a:cs typeface="+mn-cs"/>
+        </a:defRPr>
+      </a:lvl1pPr>
+      <a:lvl2pPr marL="685800" indent="-228600" algn="l" defTabSz="914400" rtl="0" eaLnBrk="1" latinLnBrk="0" hangingPunct="1">
+        <a:lnSpc>
+          <a:spcPct val="90000"/>
+        </a:lnSpc>
+        <a:spcBef>
+          <a:spcPts val="500"/>
+        </a:spcBef>
+        <a:buFont typeface="Arial" panose="020B0604020202020204" pitchFamily="34" charset="0"/>
+        <a:buChar char="•"/>
+        <a:defRPr sz="2400" kern="1200">
+          <a:solidFill>
+            <a:schemeClr val="tx1"/>
+          </a:solidFill>
+          <a:latin typeface="+mn-lt"/>
+          <a:ea typeface="+mn-ea"/>
+          <a:cs typeface="+mn-cs"/>
+        </a:defRPr>
+      </a:lvl2pPr>
+      <a:lvl3pPr marL="1143000" indent="-228600" algn="l" defTabSz="914400" rtl="0" eaLnBrk="1" latinLnBrk="0" hangingPunct="1">
+        <a:lnSpc>
+          <a:spcPct val="90000"/>
+        </a:lnSpc>
+        <a:spcBef>
+          <a:spcPts val="500"/>
+        </a:spcBef>
+        <a:buFont typeface="Arial" panose="020B0604020202020204" pitchFamily="34" charset="0"/>
+        <a:buChar char="•"/>
+        <a:defRPr sz="2000" kern="1200">
+          <a:solidFill>
+            <a:schemeClr val="tx1"/>
+          </a:solidFill>
+          <a:latin typeface="+mn-lt"/>
+          <a:ea typeface="+mn-ea"/>
+          <a:cs typeface="+mn-cs"/>
+        </a:defRPr>
+      </a:lvl3pPr>
+      <a:lvl4pPr marL="1600200" indent="-228600" algn="l" defTabSz="914400" rtl="0" eaLnBrk="1" latinLnBrk="0" hangingPunct="1">
+        <a:lnSpc>
+          <a:spcPct val="90000"/>
+        </a:lnSpc>
+        <a:spcBef>
+          <a:spcPts val="500"/>
+        </a:spcBef>
+        <a:buFont typeface="Arial" panose="020B0604020202020204" pitchFamily="34" charset="0"/>
+        <a:buChar char="•"/>
+        <a:defRPr sz="1800" kern="1200">
+          <a:solidFill>
+            <a:schemeClr val="tx1"/>
+          </a:solidFill>
+          <a:latin typeface="+mn-lt"/>
+          <a:ea typeface="+mn-ea"/>
+          <a:cs typeface="+mn-cs"/>
+        </a:defRPr>
+      </a:lvl4pPr>
+      <a:lvl5pPr marL="2057400" indent="-228600" algn="l" defTabSz="914400" rtl="0" eaLnBrk="1" latinLnBrk="0" hangingPunct="1">
+        <a:lnSpc>
+          <a:spcPct val="90000"/>
+        </a:lnSpc>
+        <a:spcBef>
+          <a:spcPts val="500"/>
+        </a:spcBef>
+        <a:buFont typeface="Arial" panose="020B0604020202020204" pitchFamily="34" charset="0"/>
+        <a:buChar char="•"/>
+        <a:defRPr sz="1800" kern="1200">
+          <a:solidFill>
+            <a:schemeClr val="tx1"/>
+          </a:solidFill>
+          <a:latin typeface="+mn-lt"/>
+          <a:ea typeface="+mn-ea"/>
+          <a:cs typeface="+mn-cs"/>
+        </a:defRPr>
+      </a:lvl5pPr>
+      <a:lvl6pPr marL="2514600" indent="-228600" algn="l" defTabSz="914400" rtl="0" eaLnBrk="1" latinLnBrk="0" hangingPunct="1">
+        <a:lnSpc>
+          <a:spcPct val="90000"/>
+        </a:lnSpc>
+        <a:spcBef>
+          <a:spcPts val="500"/>
+        </a:spcBef>
+        <a:buFont typeface="Arial" panose="020B0604020202020204" pitchFamily="34" charset="0"/>
+        <a:buChar char="•"/>
+        <a:defRPr sz="1800" kern="1200">
+          <a:solidFill>
+            <a:schemeClr val="tx1"/>
+          </a:solidFill>
+          <a:latin typeface="+mn-lt"/>
+          <a:ea typeface="+mn-ea"/>
+          <a:cs typeface="+mn-cs"/>
+        </a:defRPr>
+      </a:lvl6pPr>
+      <a:lvl7pPr marL="2971800" indent="-228600" algn="l" defTabSz="914400" rtl="0" eaLnBrk="1" latinLnBrk="0" hangingPunct="1">
+        <a:lnSpc>
+          <a:spcPct val="90000"/>
+        </a:lnSpc>
+        <a:spcBef>
+          <a:spcPts val="500"/>
+        </a:spcBef>
+        <a:buFont typeface="Arial" panose="020B0604020202020204" pitchFamily="34" charset="0"/>
+        <a:buChar char="•"/>
+        <a:defRPr sz="1800" kern="1200">
+          <a:solidFill>
+            <a:schemeClr val="tx1"/>
+          </a:solidFill>
+          <a:latin typeface="+mn-lt"/>
+          <a:ea typeface="+mn-ea"/>
+          <a:cs typeface="+mn-cs"/>
+        </a:defRPr>
+      </a:lvl7pPr>
+      <a:lvl8pPr marL="3429000" indent="-228600" algn="l" defTabSz="914400" rtl="0" eaLnBrk="1" latinLnBrk="0" hangingPunct="1">
+        <a:lnSpc>
+          <a:spcPct val="90000"/>
+        </a:lnSpc>
+        <a:spcBef>
+          <a:spcPts val="500"/>
+        </a:spcBef>
+        <a:buFont typeface="Arial" panose="020B0604020202020204" pitchFamily="34" charset="0"/>
+        <a:buChar char="•"/>
+        <a:defRPr sz="1800" kern="1200">
+          <a:solidFill>
+            <a:schemeClr val="tx1"/>
+          </a:solidFill>
+          <a:latin typeface="+mn-lt"/>
+          <a:ea typeface="+mn-ea"/>
+          <a:cs typeface="+mn-cs"/>
+        </a:defRPr>
+      </a:lvl8pPr>
+      <a:lvl9pPr marL="3886200" indent="-228600" algn="l" defTabSz="914400" rtl="0" eaLnBrk="1" latinLnBrk="0" hangingPunct="1">
+        <a:lnSpc>
+          <a:spcPct val="90000"/>
+        </a:lnSpc>
+        <a:spcBef>
+          <a:spcPts val="500"/>
+        </a:spcBef>
+        <a:buFont typeface="Arial" panose="020B0604020202020204" pitchFamily="34" charset="0"/>
+        <a:buChar char="•"/>
+        <a:defRPr sz="1800" kern="1200">
+          <a:solidFill>
+            <a:schemeClr val="tx1"/>
+          </a:solidFill>
+          <a:latin typeface="+mn-lt"/>
+          <a:ea typeface="+mn-ea"/>
+          <a:cs typeface="+mn-cs"/>
+        </a:defRPr>
+      </a:lvl9pPr>
+    </p:bodyStyle>
+    <p:otherStyle>
+      <a:defPPr>
+        <a:defRPr lang="en-US"/>
+      </a:defPPr>
+      <a:lvl1pPr marL="0" algn="l" defTabSz="914400" rtl="0" eaLnBrk="1" latinLnBrk="0" hangingPunct="1">
+        <a:defRPr sz="1800" kern="1200">
+          <a:solidFill>
+            <a:schemeClr val="tx1"/>
+          </a:solidFill>
+          <a:latin typeface="+mn-lt"/>
+          <a:ea typeface="+mn-ea"/>
+          <a:cs typeface="+mn-cs"/>
+        </a:defRPr>
+      </a:lvl1pPr>
+      <a:lvl2pPr marL="457200" algn="l" defTabSz="914400" rtl="0" eaLnBrk="1" latinLnBrk="0" hangingPunct="1">
+        <a:defRPr sz="1800" kern="1200">
+          <a:solidFill>
+            <a:schemeClr val="tx1"/>
+          </a:solidFill>
+          <a:latin typeface="+mn-lt"/>
+          <a:ea typeface="+mn-ea"/>
+          <a:cs typeface="+mn-cs"/>
+        </a:defRPr>
+      </a:lvl2pPr>
+      <a:lvl3pPr marL="914400" algn="l" defTabSz="914400" rtl="0" eaLnBrk="1" latinLnBrk="0" hangingPunct="1">
+        <a:defRPr sz="1800" kern="1200">
+          <a:solidFill>
+            <a:schemeClr val="tx1"/>
+          </a:solidFill>
+          <a:latin typeface="+mn-lt"/>
+          <a:ea typeface="+mn-ea"/>
+          <a:cs typeface="+mn-cs"/>
+        </a:defRPr>
+      </a:lvl3pPr>
+      <a:lvl4pPr marL="1371600" algn="l" defTabSz="914400" rtl="0" eaLnBrk="1" latinLnBrk="0" hangingPunct="1">
+        <a:defRPr sz="1800" kern="1200">
+          <a:solidFill>
+            <a:schemeClr val="tx1"/>
+          </a:solidFill>
+          <a:latin typeface="+mn-lt"/>
+          <a:ea typeface="+mn-ea"/>
+          <a:cs typeface="+mn-cs"/>
+        </a:defRPr>
+      </a:lvl4pPr>
+      <a:lvl5pPr marL="1828800" algn="l" defTabSz="914400" rtl="0" eaLnBrk="1" latinLnBrk="0" hangingPunct="1">
+        <a:defRPr sz="1800" kern="1200">
+          <a:solidFill>
+            <a:schemeClr val="tx1"/>
+          </a:solidFill>
+          <a:latin typeface="+mn-lt"/>
+          <a:ea typeface="+mn-ea"/>
+          <a:cs typeface="+mn-cs"/>
+        </a:defRPr>
+      </a:lvl5pPr>
+      <a:lvl6pPr marL="2286000" algn="l" defTabSz="914400" rtl="0" eaLnBrk="1" latinLnBrk="0" hangingPunct="1">
+        <a:defRPr sz="1800" kern="1200">
+          <a:solidFill>
+            <a:schemeClr val="tx1"/>
+          </a:solidFill>
+          <a:latin typeface="+mn-lt"/>
+          <a:ea typeface="+mn-ea"/>
+          <a:cs typeface="+mn-cs"/>
+        </a:defRPr>
+      </a:lvl6pPr>
+      <a:lvl7pPr marL="2743200" algn="l" defTabSz="914400" rtl="0" eaLnBrk="1" latinLnBrk="0" hangingPunct="1">
+        <a:defRPr sz="1800" kern="1200">
+          <a:solidFill>
+            <a:schemeClr val="tx1"/>
+          </a:solidFill>
+          <a:latin typeface="+mn-lt"/>
+          <a:ea typeface="+mn-ea"/>
+          <a:cs typeface="+mn-cs"/>
+        </a:defRPr>
+      </a:lvl7pPr>
+      <a:lvl8pPr marL="3200400" algn="l" defTabSz="914400" rtl="0" eaLnBrk="1" latinLnBrk="0" hangingPunct="1">
+        <a:defRPr sz="1800" kern="1200">
+          <a:solidFill>
+            <a:schemeClr val="tx1"/>
+          </a:solidFill>
+          <a:latin typeface="+mn-lt"/>
+          <a:ea typeface="+mn-ea"/>
+          <a:cs typeface="+mn-cs"/>
+        </a:defRPr>
+      </a:lvl8pPr>
+      <a:lvl9pPr marL="3657600" algn="l" defTabSz="914400" rtl="0" eaLnBrk="1" latinLnBrk="0" hangingPunct="1">
+        <a:defRPr sz="1800" kern="1200">
+          <a:solidFill>
+            <a:schemeClr val="tx1"/>
+          </a:solidFill>
+          <a:latin typeface="+mn-lt"/>
+          <a:ea typeface="+mn-ea"/>
+          <a:cs typeface="+mn-cs"/>
+        </a:defRPr>
+      </a:lvl9pPr>
+    </p:otherStyle>
+  </p:txStyles>
 </p:sldMaster>
 </file>
 
 <file path=ppt/slides/slide1.xml><?xml version="1.0" encoding="utf-8"?>
-<p:sld xmlns:a="http://schemas.openxmlformats.org/drawingml/2006/main" xmlns:p="http://schemas.openxmlformats.org/presentationml/2006/main" xmlns:r="http://schemas.openxmlformats.org/officeDocument/2006/relationships" xmlns:p14="http://schemas.microsoft.com/office/powerpoint/2010/main" xmlns:p15="http://schemas.microsoft.com/office/powerpoint/2012/main" xmlns:mc="http://schemas.openxmlformats.org/markup-compatibility/2006">
+<p:sld xmlns:a="http://schemas.openxmlformats.org/drawingml/2006/main" xmlns:r="http://schemas.openxmlformats.org/officeDocument/2006/relationships" xmlns:p="http://schemas.openxmlformats.org/presentationml/2006/main">
   <p:cSld>
     <p:spTree>
       <p:nvGrpSpPr>
@@ -3734,21 +4455,58 @@
           </a:ln>
         </p:spPr>
         <p:txBody>
-          <a:bodyPr lIns="0" rIns="0" tIns="0" bIns="0" anchor="ctr"/>
+          <a:bodyPr lIns="0" tIns="0" rIns="0" bIns="0" anchor="ctr"/>
+          <a:lstStyle/>
           <a:p>
             <a:pPr algn="ctr"/>
             <a:r>
-              <a:rPr b="0" lang="en-US" sz="5860" spc="-1" strike="noStrike">
+              <a:rPr lang="en-US" sz="5860" b="0" strike="noStrike" spc="-1" dirty="0" err="1">
                 <a:solidFill>
-                  <a:srgbClr val="ffffff"/>
+                  <a:srgbClr val="FFFFFF"/>
                 </a:solidFill>
                 <a:latin typeface="Arial"/>
               </a:rPr>
-              <a:t>Verkkovarmenteet yrityskäytössä</a:t>
-            </a:r>
-            <a:endParaRPr b="0" lang="en-US" sz="5860" spc="-1" strike="noStrike">
-              <a:solidFill>
-                <a:srgbClr val="ffffff"/>
+              <a:t>Suojatut</a:t>
+            </a:r>
+            <a:r>
+              <a:rPr lang="en-US" sz="5860" b="0" strike="noStrike" spc="-1" dirty="0">
+                <a:solidFill>
+                  <a:srgbClr val="FFFFFF"/>
+                </a:solidFill>
+                <a:latin typeface="Arial"/>
+              </a:rPr>
+              <a:t> </a:t>
+            </a:r>
+            <a:r>
+              <a:rPr lang="en-US" sz="5860" b="0" strike="noStrike" spc="-1" dirty="0" err="1">
+                <a:solidFill>
+                  <a:srgbClr val="FFFFFF"/>
+                </a:solidFill>
+                <a:latin typeface="Arial"/>
+              </a:rPr>
+              <a:t>yhteydet</a:t>
+            </a:r>
+            <a:r>
+              <a:rPr lang="en-US" sz="5860" b="0" strike="noStrike" spc="-1" dirty="0">
+                <a:solidFill>
+                  <a:srgbClr val="FFFFFF"/>
+                </a:solidFill>
+                <a:latin typeface="Arial"/>
+              </a:rPr>
+              <a:t> ja </a:t>
+            </a:r>
+            <a:r>
+              <a:rPr lang="en-US" sz="5860" b="0" strike="noStrike" spc="-1" dirty="0" err="1">
+                <a:solidFill>
+                  <a:srgbClr val="FFFFFF"/>
+                </a:solidFill>
+                <a:latin typeface="Arial"/>
+              </a:rPr>
+              <a:t>varmenteet</a:t>
+            </a:r>
+            <a:endParaRPr lang="en-US" sz="5860" b="0" strike="noStrike" spc="-1" dirty="0">
+              <a:solidFill>
+                <a:srgbClr val="FFFFFF"/>
               </a:solidFill>
               <a:latin typeface="Arial"/>
             </a:endParaRPr>
@@ -3775,48 +4533,37 @@
           </a:ln>
         </p:spPr>
         <p:txBody>
-          <a:bodyPr lIns="0" rIns="0" tIns="0" bIns="0" anchor="ctr"/>
+          <a:bodyPr lIns="0" tIns="0" rIns="0" bIns="0" anchor="ctr"/>
+          <a:lstStyle/>
           <a:p>
             <a:pPr algn="ctr"/>
             <a:r>
-              <a:rPr b="0" lang="en-US" sz="3200" spc="-1" strike="noStrike">
+              <a:rPr lang="en-US" sz="3200" b="0" strike="noStrike" spc="-1">
                 <a:solidFill>
-                  <a:srgbClr val="ffffff"/>
+                  <a:srgbClr val="FFFFFF"/>
                 </a:solidFill>
                 <a:latin typeface="Arial"/>
               </a:rPr>
               <a:t>Tatu Erkinjuntti, Jussi Isosomppi, </a:t>
             </a:r>
-            <a:endParaRPr b="0" lang="en-US" sz="3200" spc="-1" strike="noStrike">
-              <a:solidFill>
-                <a:srgbClr val="ffffff"/>
-              </a:solidFill>
-              <a:latin typeface="Arial"/>
-            </a:endParaRPr>
           </a:p>
           <a:p>
             <a:pPr algn="ctr"/>
             <a:r>
-              <a:rPr b="0" lang="en-US" sz="3200" spc="-1" strike="noStrike">
+              <a:rPr lang="en-US" sz="3200" b="0" strike="noStrike" spc="-1">
                 <a:solidFill>
-                  <a:srgbClr val="ffffff"/>
+                  <a:srgbClr val="FFFFFF"/>
                 </a:solidFill>
                 <a:latin typeface="Arial"/>
               </a:rPr>
               <a:t>Eino Kupias, Saku Kähäri</a:t>
             </a:r>
-            <a:endParaRPr b="0" lang="en-US" sz="3200" spc="-1" strike="noStrike">
-              <a:solidFill>
-                <a:srgbClr val="ffffff"/>
-              </a:solidFill>
-              <a:latin typeface="Arial"/>
-            </a:endParaRPr>
           </a:p>
           <a:p>
             <a:pPr algn="ctr"/>
-            <a:endParaRPr b="0" lang="en-US" sz="3200" spc="-1" strike="noStrike">
-              <a:solidFill>
-                <a:srgbClr val="ffffff"/>
+            <a:endParaRPr lang="en-US" sz="3200" b="0" strike="noStrike" spc="-1">
+              <a:solidFill>
+                <a:srgbClr val="FFFFFF"/>
               </a:solidFill>
               <a:latin typeface="Arial"/>
             </a:endParaRPr>
@@ -3825,14 +4572,9 @@
       </p:sp>
     </p:spTree>
   </p:cSld>
-  <mc:AlternateContent>
-    <mc:Choice Requires="p14">
-      <p:transition spd="slow" p14:dur="2000"/>
-    </mc:Choice>
-    <mc:Fallback>
-      <p:transition spd="slow"/>
-    </mc:Fallback>
-  </mc:AlternateContent>
+  <p:clrMapOvr>
+    <a:masterClrMapping/>
+  </p:clrMapOvr>
   <p:timing>
     <p:tnLst>
       <p:par>
@@ -3841,14 +4583,14 @@
             <p:seq>
               <p:cTn id="2" dur="indefinite" nodeType="mainSeq"/>
               <p:prevCondLst>
-                <p:cond delay="0" evt="onPrev">
+                <p:cond evt="onPrev" delay="0">
                   <p:tgtEl>
                     <p:sldTgt/>
                   </p:tgtEl>
                 </p:cond>
               </p:prevCondLst>
               <p:nextCondLst>
-                <p:cond delay="0" evt="onNext">
+                <p:cond evt="onNext" delay="0">
                   <p:tgtEl>
                     <p:sldTgt/>
                   </p:tgtEl>
@@ -3864,7 +4606,7 @@
 </file>
 
 <file path=ppt/slides/slide2.xml><?xml version="1.0" encoding="utf-8"?>
-<p:sld xmlns:a="http://schemas.openxmlformats.org/drawingml/2006/main" xmlns:p="http://schemas.openxmlformats.org/presentationml/2006/main" xmlns:r="http://schemas.openxmlformats.org/officeDocument/2006/relationships" xmlns:p14="http://schemas.microsoft.com/office/powerpoint/2010/main" xmlns:p15="http://schemas.microsoft.com/office/powerpoint/2012/main" xmlns:mc="http://schemas.openxmlformats.org/markup-compatibility/2006">
+<p:sld xmlns:a="http://schemas.openxmlformats.org/drawingml/2006/main" xmlns:r="http://schemas.openxmlformats.org/officeDocument/2006/relationships" xmlns:p="http://schemas.openxmlformats.org/presentationml/2006/main">
   <p:cSld>
     <p:spTree>
       <p:nvGrpSpPr>
@@ -3900,18 +4642,16 @@
           </a:ln>
         </p:spPr>
         <p:txBody>
-          <a:bodyPr lIns="0" rIns="0" tIns="0" bIns="0" anchor="ctr"/>
+          <a:bodyPr lIns="0" tIns="0" rIns="0" bIns="0" anchor="ctr"/>
+          <a:lstStyle/>
           <a:p>
             <a:pPr algn="ctr"/>
             <a:r>
-              <a:rPr b="0" lang="en-US" sz="4400" spc="-1" strike="noStrike">
+              <a:rPr lang="en-US" sz="4400" b="0" strike="noStrike" spc="-1">
                 <a:latin typeface="Arial"/>
               </a:rPr>
               <a:t>Projektin tavoite</a:t>
             </a:r>
-            <a:endParaRPr b="0" lang="en-US" sz="4400" spc="-1" strike="noStrike">
-              <a:latin typeface="Arial"/>
-            </a:endParaRPr>
           </a:p>
         </p:txBody>
       </p:sp>
@@ -3935,9 +4675,10 @@
           </a:ln>
         </p:spPr>
         <p:txBody>
-          <a:bodyPr lIns="0" rIns="0" tIns="0" bIns="0">
+          <a:bodyPr lIns="0" tIns="0" rIns="0" bIns="0">
             <a:normAutofit/>
           </a:bodyPr>
+          <a:lstStyle/>
           <a:p>
             <a:pPr marL="432000" indent="-324000">
               <a:spcBef>
@@ -3951,12 +4692,42 @@
               <a:buChar char=""/>
             </a:pPr>
             <a:r>
-              <a:rPr b="0" lang="en-US" sz="3200" spc="-1" strike="noStrike">
-                <a:latin typeface="Arial"/>
-              </a:rPr>
-              <a:t>Ongelmakohtien tutkiminen sertifikaateissa</a:t>
-            </a:r>
-            <a:endParaRPr b="0" lang="en-US" sz="3200" spc="-1" strike="noStrike">
+              <a:rPr lang="en-US" sz="3200" spc="-1" dirty="0" err="1">
+                <a:latin typeface="Arial"/>
+              </a:rPr>
+              <a:t>Sertifikaattien</a:t>
+            </a:r>
+            <a:r>
+              <a:rPr lang="en-US" sz="3200" spc="-1" dirty="0">
+                <a:latin typeface="Arial"/>
+              </a:rPr>
+              <a:t> </a:t>
+            </a:r>
+            <a:r>
+              <a:rPr lang="en-US" sz="3200" spc="-1" dirty="0" err="1">
+                <a:latin typeface="Arial"/>
+              </a:rPr>
+              <a:t>o</a:t>
+            </a:r>
+            <a:r>
+              <a:rPr lang="en-US" sz="3200" b="0" strike="noStrike" spc="-1" dirty="0" err="1">
+                <a:latin typeface="Arial"/>
+              </a:rPr>
+              <a:t>ngelmakohtien</a:t>
+            </a:r>
+            <a:r>
+              <a:rPr lang="en-US" sz="3200" b="0" strike="noStrike" spc="-1" dirty="0">
+                <a:latin typeface="Arial"/>
+              </a:rPr>
+              <a:t> </a:t>
+            </a:r>
+            <a:r>
+              <a:rPr lang="en-US" sz="3200" b="0" strike="noStrike" spc="-1" dirty="0" err="1">
+                <a:latin typeface="Arial"/>
+              </a:rPr>
+              <a:t>tutkiminen</a:t>
+            </a:r>
+            <a:endParaRPr lang="en-US" sz="3200" b="0" strike="noStrike" spc="-1" dirty="0">
               <a:latin typeface="Arial"/>
             </a:endParaRPr>
           </a:p>
@@ -3973,12 +4744,24 @@
               <a:buChar char=""/>
             </a:pPr>
             <a:r>
-              <a:rPr b="0" lang="en-US" sz="3200" spc="-1" strike="noStrike">
-                <a:latin typeface="Arial"/>
-              </a:rPr>
-              <a:t>Sertifikaattien testaaminen</a:t>
-            </a:r>
-            <a:endParaRPr b="0" lang="en-US" sz="3200" spc="-1" strike="noStrike">
+              <a:rPr lang="en-US" sz="3200" b="0" strike="noStrike" spc="-1" dirty="0" err="1">
+                <a:latin typeface="Arial"/>
+              </a:rPr>
+              <a:t>Sertifikaattien</a:t>
+            </a:r>
+            <a:r>
+              <a:rPr lang="en-US" sz="3200" b="0" strike="noStrike" spc="-1" dirty="0">
+                <a:latin typeface="Arial"/>
+              </a:rPr>
+              <a:t> </a:t>
+            </a:r>
+            <a:r>
+              <a:rPr lang="en-US" sz="3200" b="0" strike="noStrike" spc="-1" dirty="0" err="1">
+                <a:latin typeface="Arial"/>
+              </a:rPr>
+              <a:t>testaaminen</a:t>
+            </a:r>
+            <a:endParaRPr lang="en-US" sz="3200" b="0" strike="noStrike" spc="-1" dirty="0">
               <a:latin typeface="Arial"/>
             </a:endParaRPr>
           </a:p>
@@ -3995,12 +4778,36 @@
               <a:buChar char=""/>
             </a:pPr>
             <a:r>
-              <a:rPr b="0" lang="en-US" sz="3200" spc="-1" strike="noStrike">
-                <a:latin typeface="Arial"/>
-              </a:rPr>
-              <a:t>Ohjeistuksen luonti peruskäyttäjälle</a:t>
-            </a:r>
-            <a:endParaRPr b="0" lang="en-US" sz="3200" spc="-1" strike="noStrike">
+              <a:rPr lang="en-US" sz="3200" b="0" strike="noStrike" spc="-1" dirty="0" err="1">
+                <a:latin typeface="Arial"/>
+              </a:rPr>
+              <a:t>Ohjeistuksen</a:t>
+            </a:r>
+            <a:r>
+              <a:rPr lang="en-US" sz="3200" b="0" strike="noStrike" spc="-1" dirty="0">
+                <a:latin typeface="Arial"/>
+              </a:rPr>
+              <a:t> </a:t>
+            </a:r>
+            <a:r>
+              <a:rPr lang="en-US" sz="3200" b="0" strike="noStrike" spc="-1" dirty="0" err="1">
+                <a:latin typeface="Arial"/>
+              </a:rPr>
+              <a:t>luonti</a:t>
+            </a:r>
+            <a:r>
+              <a:rPr lang="en-US" sz="3200" b="0" strike="noStrike" spc="-1" dirty="0">
+                <a:latin typeface="Arial"/>
+              </a:rPr>
+              <a:t> </a:t>
+            </a:r>
+            <a:r>
+              <a:rPr lang="en-US" sz="3200" b="0" strike="noStrike" spc="-1" dirty="0" err="1">
+                <a:latin typeface="Arial"/>
+              </a:rPr>
+              <a:t>peruskäyttäjälle</a:t>
+            </a:r>
+            <a:endParaRPr lang="en-US" sz="3200" b="0" strike="noStrike" spc="-1" dirty="0">
               <a:latin typeface="Arial"/>
             </a:endParaRPr>
           </a:p>
@@ -4008,30 +4815,25 @@
       </p:sp>
     </p:spTree>
   </p:cSld>
-  <mc:AlternateContent>
-    <mc:Choice Requires="p14">
-      <p:transition spd="slow" p14:dur="2000"/>
-    </mc:Choice>
-    <mc:Fallback>
-      <p:transition spd="slow"/>
-    </mc:Fallback>
-  </mc:AlternateContent>
+  <p:clrMapOvr>
+    <a:masterClrMapping/>
+  </p:clrMapOvr>
   <p:timing>
     <p:tnLst>
       <p:par>
-        <p:cTn id="3" dur="indefinite" restart="never" nodeType="tmRoot">
+        <p:cTn id="1" dur="indefinite" restart="never" nodeType="tmRoot">
           <p:childTnLst>
             <p:seq>
-              <p:cTn id="4" dur="indefinite" nodeType="mainSeq"/>
+              <p:cTn id="2" dur="indefinite" nodeType="mainSeq"/>
               <p:prevCondLst>
-                <p:cond delay="0" evt="onPrev">
+                <p:cond evt="onPrev" delay="0">
                   <p:tgtEl>
                     <p:sldTgt/>
                   </p:tgtEl>
                 </p:cond>
               </p:prevCondLst>
               <p:nextCondLst>
-                <p:cond delay="0" evt="onNext">
+                <p:cond evt="onNext" delay="0">
                   <p:tgtEl>
                     <p:sldTgt/>
                   </p:tgtEl>
@@ -4047,7 +4849,7 @@
 </file>
 
 <file path=ppt/slides/slide3.xml><?xml version="1.0" encoding="utf-8"?>
-<p:sld xmlns:a="http://schemas.openxmlformats.org/drawingml/2006/main" xmlns:p="http://schemas.openxmlformats.org/presentationml/2006/main" xmlns:r="http://schemas.openxmlformats.org/officeDocument/2006/relationships" xmlns:p14="http://schemas.microsoft.com/office/powerpoint/2010/main" xmlns:p15="http://schemas.microsoft.com/office/powerpoint/2012/main" xmlns:mc="http://schemas.openxmlformats.org/markup-compatibility/2006">
+<p:sld xmlns:a="http://schemas.openxmlformats.org/drawingml/2006/main" xmlns:r="http://schemas.openxmlformats.org/officeDocument/2006/relationships" xmlns:p="http://schemas.openxmlformats.org/presentationml/2006/main">
   <p:cSld>
     <p:spTree>
       <p:nvGrpSpPr>
@@ -4083,18 +4885,16 @@
           </a:ln>
         </p:spPr>
         <p:txBody>
-          <a:bodyPr lIns="0" rIns="0" tIns="0" bIns="0" anchor="ctr"/>
+          <a:bodyPr lIns="0" tIns="0" rIns="0" bIns="0" anchor="ctr"/>
+          <a:lstStyle/>
           <a:p>
             <a:pPr algn="ctr"/>
             <a:r>
-              <a:rPr b="0" lang="en-US" sz="4400" spc="-1" strike="noStrike">
+              <a:rPr lang="en-US" sz="4400" b="0" strike="noStrike" spc="-1">
                 <a:latin typeface="Arial"/>
               </a:rPr>
               <a:t>Projektin työvaiheet</a:t>
             </a:r>
-            <a:endParaRPr b="0" lang="en-US" sz="4400" spc="-1" strike="noStrike">
-              <a:latin typeface="Arial"/>
-            </a:endParaRPr>
           </a:p>
         </p:txBody>
       </p:sp>
@@ -4118,9 +4918,10 @@
           </a:ln>
         </p:spPr>
         <p:txBody>
-          <a:bodyPr lIns="0" rIns="0" tIns="0" bIns="0">
+          <a:bodyPr lIns="0" tIns="0" rIns="0" bIns="0">
             <a:normAutofit fontScale="97000"/>
           </a:bodyPr>
+          <a:lstStyle/>
           <a:p>
             <a:pPr marL="432000" indent="-324000">
               <a:spcBef>
@@ -4134,17 +4935,14 @@
               <a:buChar char=""/>
             </a:pPr>
             <a:r>
-              <a:rPr b="0" lang="en-US" sz="3200" spc="-1" strike="noStrike">
+              <a:rPr lang="en-US" sz="3200" b="0" strike="noStrike" spc="-1">
                 <a:latin typeface="Arial"/>
               </a:rPr>
               <a:t>Vaihe 1</a:t>
             </a:r>
-            <a:endParaRPr b="0" lang="en-US" sz="3200" spc="-1" strike="noStrike">
-              <a:latin typeface="Arial"/>
-            </a:endParaRPr>
-          </a:p>
-          <a:p>
-            <a:pPr lvl="1" marL="864000" indent="-324000">
+          </a:p>
+          <a:p>
+            <a:pPr marL="864000" lvl="1" indent="-324000">
               <a:spcBef>
                 <a:spcPts val="1134"/>
               </a:spcBef>
@@ -4156,17 +4954,14 @@
               <a:buChar char=""/>
             </a:pPr>
             <a:r>
-              <a:rPr b="0" lang="en-US" sz="2800" spc="-1" strike="noStrike">
+              <a:rPr lang="en-US" sz="2800" b="0" strike="noStrike" spc="-1">
                 <a:latin typeface="Arial"/>
               </a:rPr>
               <a:t>Salakirjoitusmenetelmien tutkiminen</a:t>
             </a:r>
-            <a:endParaRPr b="0" lang="en-US" sz="2800" spc="-1" strike="noStrike">
-              <a:latin typeface="Arial"/>
-            </a:endParaRPr>
-          </a:p>
-          <a:p>
-            <a:pPr lvl="1" marL="864000" indent="-324000">
+          </a:p>
+          <a:p>
+            <a:pPr marL="864000" lvl="1" indent="-324000">
               <a:spcBef>
                 <a:spcPts val="1134"/>
               </a:spcBef>
@@ -4178,17 +4973,14 @@
               <a:buChar char=""/>
             </a:pPr>
             <a:r>
-              <a:rPr b="0" lang="en-US" sz="2800" spc="-1" strike="noStrike">
+              <a:rPr lang="en-US" sz="2800" b="0" strike="noStrike" spc="-1">
                 <a:latin typeface="Arial"/>
               </a:rPr>
               <a:t>PKI ja PGP tutkiminen</a:t>
             </a:r>
-            <a:endParaRPr b="0" lang="en-US" sz="2800" spc="-1" strike="noStrike">
-              <a:latin typeface="Arial"/>
-            </a:endParaRPr>
-          </a:p>
-          <a:p>
-            <a:pPr lvl="1" marL="864000" indent="-324000">
+          </a:p>
+          <a:p>
+            <a:pPr marL="864000" lvl="1" indent="-324000">
               <a:spcBef>
                 <a:spcPts val="1134"/>
               </a:spcBef>
@@ -4200,14 +4992,11 @@
               <a:buChar char=""/>
             </a:pPr>
             <a:r>
-              <a:rPr b="0" lang="en-US" sz="2800" spc="-1" strike="noStrike">
+              <a:rPr lang="en-US" sz="2800" b="0" strike="noStrike" spc="-1">
                 <a:latin typeface="Arial"/>
               </a:rPr>
               <a:t>Ongelmakohtien tutkiminen varmenteista</a:t>
             </a:r>
-            <a:endParaRPr b="0" lang="en-US" sz="2800" spc="-1" strike="noStrike">
-              <a:latin typeface="Arial"/>
-            </a:endParaRPr>
           </a:p>
           <a:p>
             <a:pPr marL="432000" indent="-324000">
@@ -4221,7 +5010,7 @@
               <a:buFont typeface="Wingdings" charset="2"/>
               <a:buChar char=""/>
             </a:pPr>
-            <a:endParaRPr b="0" lang="en-US" sz="2800" spc="-1" strike="noStrike">
+            <a:endParaRPr lang="en-US" sz="2800" b="0" strike="noStrike" spc="-1">
               <a:latin typeface="Arial"/>
             </a:endParaRPr>
           </a:p>
@@ -4238,17 +5027,14 @@
               <a:buChar char=""/>
             </a:pPr>
             <a:r>
-              <a:rPr b="0" lang="en-US" sz="3200" spc="-1" strike="noStrike">
+              <a:rPr lang="en-US" sz="3200" b="0" strike="noStrike" spc="-1">
                 <a:latin typeface="Arial"/>
               </a:rPr>
               <a:t>Vaihe 2</a:t>
             </a:r>
-            <a:endParaRPr b="0" lang="en-US" sz="3200" spc="-1" strike="noStrike">
-              <a:latin typeface="Arial"/>
-            </a:endParaRPr>
-          </a:p>
-          <a:p>
-            <a:pPr lvl="1" marL="864000" indent="-324000">
+          </a:p>
+          <a:p>
+            <a:pPr marL="864000" lvl="1" indent="-324000">
               <a:spcBef>
                 <a:spcPts val="1134"/>
               </a:spcBef>
@@ -4260,17 +5046,14 @@
               <a:buChar char=""/>
             </a:pPr>
             <a:r>
-              <a:rPr b="0" lang="en-US" sz="2800" spc="-1" strike="noStrike">
+              <a:rPr lang="en-US" sz="2800" b="0" strike="noStrike" spc="-1">
                 <a:latin typeface="Arial"/>
               </a:rPr>
               <a:t>Varmenteiden testaaminen</a:t>
             </a:r>
-            <a:endParaRPr b="0" lang="en-US" sz="2800" spc="-1" strike="noStrike">
-              <a:latin typeface="Arial"/>
-            </a:endParaRPr>
-          </a:p>
-          <a:p>
-            <a:pPr lvl="1" marL="864000" indent="-324000">
+          </a:p>
+          <a:p>
+            <a:pPr marL="864000" lvl="1" indent="-324000">
               <a:spcBef>
                 <a:spcPts val="1134"/>
               </a:spcBef>
@@ -4282,43 +5065,35 @@
               <a:buChar char=""/>
             </a:pPr>
             <a:r>
-              <a:rPr b="0" lang="en-US" sz="2800" spc="-1" strike="noStrike">
+              <a:rPr lang="en-US" sz="2800" b="0" strike="noStrike" spc="-1">
                 <a:latin typeface="Arial"/>
               </a:rPr>
               <a:t>Ohjeistuksen kirjoittaminen</a:t>
             </a:r>
-            <a:endParaRPr b="0" lang="en-US" sz="2800" spc="-1" strike="noStrike">
-              <a:latin typeface="Arial"/>
-            </a:endParaRPr>
           </a:p>
         </p:txBody>
       </p:sp>
     </p:spTree>
   </p:cSld>
-  <mc:AlternateContent>
-    <mc:Choice Requires="p14">
-      <p:transition spd="slow" p14:dur="2000"/>
-    </mc:Choice>
-    <mc:Fallback>
-      <p:transition spd="slow"/>
-    </mc:Fallback>
-  </mc:AlternateContent>
+  <p:clrMapOvr>
+    <a:masterClrMapping/>
+  </p:clrMapOvr>
   <p:timing>
     <p:tnLst>
       <p:par>
-        <p:cTn id="5" dur="indefinite" restart="never" nodeType="tmRoot">
+        <p:cTn id="1" dur="indefinite" restart="never" nodeType="tmRoot">
           <p:childTnLst>
             <p:seq>
-              <p:cTn id="6" dur="indefinite" nodeType="mainSeq"/>
+              <p:cTn id="2" dur="indefinite" nodeType="mainSeq"/>
               <p:prevCondLst>
-                <p:cond delay="0" evt="onPrev">
+                <p:cond evt="onPrev" delay="0">
                   <p:tgtEl>
                     <p:sldTgt/>
                   </p:tgtEl>
                 </p:cond>
               </p:prevCondLst>
               <p:nextCondLst>
-                <p:cond delay="0" evt="onNext">
+                <p:cond evt="onNext" delay="0">
                   <p:tgtEl>
                     <p:sldTgt/>
                   </p:tgtEl>
@@ -4334,7 +5109,7 @@
 </file>
 
 <file path=ppt/slides/slide4.xml><?xml version="1.0" encoding="utf-8"?>
-<p:sld xmlns:a="http://schemas.openxmlformats.org/drawingml/2006/main" xmlns:p="http://schemas.openxmlformats.org/presentationml/2006/main" xmlns:r="http://schemas.openxmlformats.org/officeDocument/2006/relationships" xmlns:p14="http://schemas.microsoft.com/office/powerpoint/2010/main" xmlns:p15="http://schemas.microsoft.com/office/powerpoint/2012/main" xmlns:mc="http://schemas.openxmlformats.org/markup-compatibility/2006">
+<p:sld xmlns:a="http://schemas.openxmlformats.org/drawingml/2006/main" xmlns:r="http://schemas.openxmlformats.org/officeDocument/2006/relationships" xmlns:p="http://schemas.openxmlformats.org/presentationml/2006/main">
   <p:cSld>
     <p:spTree>
       <p:nvGrpSpPr>
@@ -4370,18 +5145,16 @@
           </a:ln>
         </p:spPr>
         <p:txBody>
-          <a:bodyPr lIns="0" rIns="0" tIns="0" bIns="0" anchor="ctr"/>
+          <a:bodyPr lIns="0" tIns="0" rIns="0" bIns="0" anchor="ctr"/>
+          <a:lstStyle/>
           <a:p>
             <a:pPr algn="ctr"/>
             <a:r>
-              <a:rPr b="0" lang="en-US" sz="4400" spc="-1" strike="noStrike">
+              <a:rPr lang="en-US" sz="4400" b="0" strike="noStrike" spc="-1">
                 <a:latin typeface="Arial"/>
               </a:rPr>
               <a:t>Testaus</a:t>
             </a:r>
-            <a:endParaRPr b="0" lang="en-US" sz="4400" spc="-1" strike="noStrike">
-              <a:latin typeface="Arial"/>
-            </a:endParaRPr>
           </a:p>
         </p:txBody>
       </p:sp>
@@ -4405,11 +5178,12 @@
           </a:ln>
         </p:spPr>
         <p:txBody>
-          <a:bodyPr lIns="0" rIns="0" tIns="0" bIns="0">
+          <a:bodyPr lIns="0" tIns="0" rIns="0" bIns="0">
             <a:normAutofit/>
           </a:bodyPr>
-          <a:p>
-            <a:endParaRPr b="0" lang="en-US" sz="3200" spc="-1" strike="noStrike">
+          <a:lstStyle/>
+          <a:p>
+            <a:endParaRPr lang="en-US" sz="3200" b="0" strike="noStrike" spc="-1">
               <a:latin typeface="Arial"/>
             </a:endParaRPr>
           </a:p>
@@ -4417,30 +5191,25 @@
       </p:sp>
     </p:spTree>
   </p:cSld>
-  <mc:AlternateContent>
-    <mc:Choice Requires="p14">
-      <p:transition spd="slow" p14:dur="2000"/>
-    </mc:Choice>
-    <mc:Fallback>
-      <p:transition spd="slow"/>
-    </mc:Fallback>
-  </mc:AlternateContent>
+  <p:clrMapOvr>
+    <a:masterClrMapping/>
+  </p:clrMapOvr>
   <p:timing>
     <p:tnLst>
       <p:par>
-        <p:cTn id="7" dur="indefinite" restart="never" nodeType="tmRoot">
+        <p:cTn id="1" dur="indefinite" restart="never" nodeType="tmRoot">
           <p:childTnLst>
             <p:seq>
-              <p:cTn id="8" dur="indefinite" nodeType="mainSeq"/>
+              <p:cTn id="2" dur="indefinite" nodeType="mainSeq"/>
               <p:prevCondLst>
-                <p:cond delay="0" evt="onPrev">
+                <p:cond evt="onPrev" delay="0">
                   <p:tgtEl>
                     <p:sldTgt/>
                   </p:tgtEl>
                 </p:cond>
               </p:prevCondLst>
               <p:nextCondLst>
-                <p:cond delay="0" evt="onNext">
+                <p:cond evt="onNext" delay="0">
                   <p:tgtEl>
                     <p:sldTgt/>
                   </p:tgtEl>
@@ -4456,7 +5225,7 @@
 </file>
 
 <file path=ppt/slides/slide5.xml><?xml version="1.0" encoding="utf-8"?>
-<p:sld xmlns:a="http://schemas.openxmlformats.org/drawingml/2006/main" xmlns:p="http://schemas.openxmlformats.org/presentationml/2006/main" xmlns:r="http://schemas.openxmlformats.org/officeDocument/2006/relationships" xmlns:p14="http://schemas.microsoft.com/office/powerpoint/2010/main" xmlns:p15="http://schemas.microsoft.com/office/powerpoint/2012/main" xmlns:mc="http://schemas.openxmlformats.org/markup-compatibility/2006">
+<p:sld xmlns:a="http://schemas.openxmlformats.org/drawingml/2006/main" xmlns:r="http://schemas.openxmlformats.org/officeDocument/2006/relationships" xmlns:p="http://schemas.openxmlformats.org/presentationml/2006/main">
   <p:cSld>
     <p:spTree>
       <p:nvGrpSpPr>
@@ -4492,10 +5261,11 @@
           </a:ln>
         </p:spPr>
         <p:txBody>
-          <a:bodyPr lIns="0" rIns="0" tIns="0" bIns="0" anchor="ctr"/>
+          <a:bodyPr lIns="0" tIns="0" rIns="0" bIns="0" anchor="ctr"/>
+          <a:lstStyle/>
           <a:p>
             <a:pPr algn="ctr"/>
-            <a:endParaRPr b="0" lang="en-US" sz="4400" spc="-1" strike="noStrike">
+            <a:endParaRPr lang="en-US" sz="4400" b="0" strike="noStrike" spc="-1">
               <a:latin typeface="Arial"/>
             </a:endParaRPr>
           </a:p>
@@ -4521,11 +5291,12 @@
           </a:ln>
         </p:spPr>
         <p:txBody>
-          <a:bodyPr lIns="0" rIns="0" tIns="0" bIns="0">
+          <a:bodyPr lIns="0" tIns="0" rIns="0" bIns="0">
             <a:normAutofit/>
           </a:bodyPr>
-          <a:p>
-            <a:endParaRPr b="0" lang="en-US" sz="3200" spc="-1" strike="noStrike">
+          <a:lstStyle/>
+          <a:p>
+            <a:endParaRPr lang="en-US" sz="3200" b="0" strike="noStrike" spc="-1">
               <a:latin typeface="Arial"/>
             </a:endParaRPr>
           </a:p>
@@ -4533,30 +5304,25 @@
       </p:sp>
     </p:spTree>
   </p:cSld>
-  <mc:AlternateContent>
-    <mc:Choice Requires="p14">
-      <p:transition spd="slow" p14:dur="2000"/>
-    </mc:Choice>
-    <mc:Fallback>
-      <p:transition spd="slow"/>
-    </mc:Fallback>
-  </mc:AlternateContent>
+  <p:clrMapOvr>
+    <a:masterClrMapping/>
+  </p:clrMapOvr>
   <p:timing>
     <p:tnLst>
       <p:par>
-        <p:cTn id="9" dur="indefinite" restart="never" nodeType="tmRoot">
+        <p:cTn id="1" dur="indefinite" restart="never" nodeType="tmRoot">
           <p:childTnLst>
             <p:seq>
-              <p:cTn id="10" dur="indefinite" nodeType="mainSeq"/>
+              <p:cTn id="2" dur="indefinite" nodeType="mainSeq"/>
               <p:prevCondLst>
-                <p:cond delay="0" evt="onPrev">
+                <p:cond evt="onPrev" delay="0">
                   <p:tgtEl>
                     <p:sldTgt/>
                   </p:tgtEl>
                 </p:cond>
               </p:prevCondLst>
               <p:nextCondLst>
-                <p:cond delay="0" evt="onNext">
+                <p:cond evt="onNext" delay="0">
                   <p:tgtEl>
                     <p:sldTgt/>
                   </p:tgtEl>
@@ -4572,7 +5338,7 @@
 </file>
 
 <file path=ppt/slides/slide6.xml><?xml version="1.0" encoding="utf-8"?>
-<p:sld xmlns:a="http://schemas.openxmlformats.org/drawingml/2006/main" xmlns:p="http://schemas.openxmlformats.org/presentationml/2006/main" xmlns:r="http://schemas.openxmlformats.org/officeDocument/2006/relationships" xmlns:p14="http://schemas.microsoft.com/office/powerpoint/2010/main" xmlns:p15="http://schemas.microsoft.com/office/powerpoint/2012/main" xmlns:mc="http://schemas.openxmlformats.org/markup-compatibility/2006">
+<p:sld xmlns:a="http://schemas.openxmlformats.org/drawingml/2006/main" xmlns:r="http://schemas.openxmlformats.org/officeDocument/2006/relationships" xmlns:p="http://schemas.openxmlformats.org/presentationml/2006/main">
   <p:cSld>
     <p:spTree>
       <p:nvGrpSpPr>
@@ -4608,10 +5374,11 @@
           </a:ln>
         </p:spPr>
         <p:txBody>
-          <a:bodyPr lIns="0" rIns="0" tIns="0" bIns="0" anchor="ctr"/>
+          <a:bodyPr lIns="0" tIns="0" rIns="0" bIns="0" anchor="ctr"/>
+          <a:lstStyle/>
           <a:p>
             <a:pPr algn="ctr"/>
-            <a:endParaRPr b="0" lang="en-US" sz="4400" spc="-1" strike="noStrike">
+            <a:endParaRPr lang="en-US" sz="4400" b="0" strike="noStrike" spc="-1">
               <a:latin typeface="Arial"/>
             </a:endParaRPr>
           </a:p>
@@ -4637,11 +5404,12 @@
           </a:ln>
         </p:spPr>
         <p:txBody>
-          <a:bodyPr lIns="0" rIns="0" tIns="0" bIns="0">
+          <a:bodyPr lIns="0" tIns="0" rIns="0" bIns="0">
             <a:normAutofit/>
           </a:bodyPr>
-          <a:p>
-            <a:endParaRPr b="0" lang="en-US" sz="3200" spc="-1" strike="noStrike">
+          <a:lstStyle/>
+          <a:p>
+            <a:endParaRPr lang="en-US" sz="3200" b="0" strike="noStrike" spc="-1">
               <a:latin typeface="Arial"/>
             </a:endParaRPr>
           </a:p>
@@ -4649,30 +5417,25 @@
       </p:sp>
     </p:spTree>
   </p:cSld>
-  <mc:AlternateContent>
-    <mc:Choice Requires="p14">
-      <p:transition spd="slow" p14:dur="2000"/>
-    </mc:Choice>
-    <mc:Fallback>
-      <p:transition spd="slow"/>
-    </mc:Fallback>
-  </mc:AlternateContent>
+  <p:clrMapOvr>
+    <a:masterClrMapping/>
+  </p:clrMapOvr>
   <p:timing>
     <p:tnLst>
       <p:par>
-        <p:cTn id="11" dur="indefinite" restart="never" nodeType="tmRoot">
+        <p:cTn id="1" dur="indefinite" restart="never" nodeType="tmRoot">
           <p:childTnLst>
             <p:seq>
-              <p:cTn id="12" dur="indefinite" nodeType="mainSeq"/>
+              <p:cTn id="2" dur="indefinite" nodeType="mainSeq"/>
               <p:prevCondLst>
-                <p:cond delay="0" evt="onPrev">
+                <p:cond evt="onPrev" delay="0">
                   <p:tgtEl>
                     <p:sldTgt/>
                   </p:tgtEl>
                 </p:cond>
               </p:prevCondLst>
               <p:nextCondLst>
-                <p:cond delay="0" evt="onNext">
+                <p:cond evt="onNext" delay="0">
                   <p:tgtEl>
                     <p:sldTgt/>
                   </p:tgtEl>
@@ -4688,7 +5451,7 @@
 </file>
 
 <file path=ppt/slides/slide7.xml><?xml version="1.0" encoding="utf-8"?>
-<p:sld xmlns:a="http://schemas.openxmlformats.org/drawingml/2006/main" xmlns:p="http://schemas.openxmlformats.org/presentationml/2006/main" xmlns:r="http://schemas.openxmlformats.org/officeDocument/2006/relationships" xmlns:p14="http://schemas.microsoft.com/office/powerpoint/2010/main" xmlns:p15="http://schemas.microsoft.com/office/powerpoint/2012/main" xmlns:mc="http://schemas.openxmlformats.org/markup-compatibility/2006">
+<p:sld xmlns:a="http://schemas.openxmlformats.org/drawingml/2006/main" xmlns:r="http://schemas.openxmlformats.org/officeDocument/2006/relationships" xmlns:p="http://schemas.openxmlformats.org/presentationml/2006/main">
   <p:cSld>
     <p:spTree>
       <p:nvGrpSpPr>
@@ -4724,18 +5487,16 @@
           </a:ln>
         </p:spPr>
         <p:txBody>
-          <a:bodyPr lIns="0" rIns="0" tIns="0" bIns="0" anchor="ctr"/>
+          <a:bodyPr lIns="0" tIns="0" rIns="0" bIns="0" anchor="ctr"/>
+          <a:lstStyle/>
           <a:p>
             <a:pPr algn="ctr"/>
             <a:r>
-              <a:rPr b="0" lang="en-US" sz="4400" spc="-1" strike="noStrike">
+              <a:rPr lang="en-US" sz="4400" b="0" strike="noStrike" spc="-1">
                 <a:latin typeface="Arial"/>
               </a:rPr>
               <a:t>Sertifikaattien salattu maailma</a:t>
             </a:r>
-            <a:endParaRPr b="0" lang="en-US" sz="4400" spc="-1" strike="noStrike">
-              <a:latin typeface="Arial"/>
-            </a:endParaRPr>
           </a:p>
         </p:txBody>
       </p:sp>
@@ -4759,9 +5520,10 @@
           </a:ln>
         </p:spPr>
         <p:txBody>
-          <a:bodyPr lIns="0" rIns="0" tIns="0" bIns="0">
+          <a:bodyPr lIns="0" tIns="0" rIns="0" bIns="0">
             <a:normAutofit/>
           </a:bodyPr>
+          <a:lstStyle/>
           <a:p>
             <a:pPr marL="432000" indent="-324000">
               <a:spcBef>
@@ -4775,14 +5537,11 @@
               <a:buChar char=""/>
             </a:pPr>
             <a:r>
-              <a:rPr b="0" lang="en-US" sz="3200" spc="-1" strike="noStrike">
+              <a:rPr lang="en-US" sz="3200" b="0" strike="noStrike" spc="-1">
                 <a:latin typeface="Arial"/>
               </a:rPr>
               <a:t>Tarkoitus luoda ohjeistus peruskäyttäjälle, jolla välttämättä aiempaa kokemusta sertifikaateista</a:t>
             </a:r>
-            <a:endParaRPr b="0" lang="en-US" sz="3200" spc="-1" strike="noStrike">
-              <a:latin typeface="Arial"/>
-            </a:endParaRPr>
           </a:p>
           <a:p>
             <a:pPr marL="432000" indent="-324000">
@@ -4797,14 +5556,11 @@
               <a:buChar char=""/>
             </a:pPr>
             <a:r>
-              <a:rPr b="0" lang="en-US" sz="3200" spc="-1" strike="noStrike">
+              <a:rPr lang="en-US" sz="3200" b="0" strike="noStrike" spc="-1">
                 <a:latin typeface="Arial"/>
               </a:rPr>
               <a:t>Yleisellä tasolla, ei hurjan syvällistä</a:t>
             </a:r>
-            <a:endParaRPr b="0" lang="en-US" sz="3200" spc="-1" strike="noStrike">
-              <a:latin typeface="Arial"/>
-            </a:endParaRPr>
           </a:p>
           <a:p>
             <a:pPr marL="432000" indent="-324000">
@@ -4818,7 +5574,7 @@
               <a:buFont typeface="Wingdings" charset="2"/>
               <a:buChar char=""/>
             </a:pPr>
-            <a:endParaRPr b="0" lang="en-US" sz="3200" spc="-1" strike="noStrike">
+            <a:endParaRPr lang="en-US" sz="3200" b="0" strike="noStrike" spc="-1">
               <a:latin typeface="Arial"/>
             </a:endParaRPr>
           </a:p>
@@ -4834,7 +5590,7 @@
               <a:buFont typeface="Wingdings" charset="2"/>
               <a:buChar char=""/>
             </a:pPr>
-            <a:endParaRPr b="0" lang="en-US" sz="3200" spc="-1" strike="noStrike">
+            <a:endParaRPr lang="en-US" sz="3200" b="0" strike="noStrike" spc="-1">
               <a:latin typeface="Arial"/>
             </a:endParaRPr>
           </a:p>
@@ -4842,30 +5598,25 @@
       </p:sp>
     </p:spTree>
   </p:cSld>
-  <mc:AlternateContent>
-    <mc:Choice Requires="p14">
-      <p:transition spd="slow" p14:dur="2000"/>
-    </mc:Choice>
-    <mc:Fallback>
-      <p:transition spd="slow"/>
-    </mc:Fallback>
-  </mc:AlternateContent>
+  <p:clrMapOvr>
+    <a:masterClrMapping/>
+  </p:clrMapOvr>
   <p:timing>
     <p:tnLst>
       <p:par>
-        <p:cTn id="13" dur="indefinite" restart="never" nodeType="tmRoot">
+        <p:cTn id="1" dur="indefinite" restart="never" nodeType="tmRoot">
           <p:childTnLst>
             <p:seq>
-              <p:cTn id="14" dur="indefinite" nodeType="mainSeq"/>
+              <p:cTn id="2" dur="indefinite" nodeType="mainSeq"/>
               <p:prevCondLst>
-                <p:cond delay="0" evt="onPrev">
+                <p:cond evt="onPrev" delay="0">
                   <p:tgtEl>
                     <p:sldTgt/>
                   </p:tgtEl>
                 </p:cond>
               </p:prevCondLst>
               <p:nextCondLst>
-                <p:cond delay="0" evt="onNext">
+                <p:cond evt="onNext" delay="0">
                   <p:tgtEl>
                     <p:sldTgt/>
                   </p:tgtEl>
@@ -4881,7 +5632,7 @@
 </file>
 
 <file path=ppt/slides/slide8.xml><?xml version="1.0" encoding="utf-8"?>
-<p:sld xmlns:a="http://schemas.openxmlformats.org/drawingml/2006/main" xmlns:p="http://schemas.openxmlformats.org/presentationml/2006/main" xmlns:r="http://schemas.openxmlformats.org/officeDocument/2006/relationships" xmlns:p14="http://schemas.microsoft.com/office/powerpoint/2010/main" xmlns:p15="http://schemas.microsoft.com/office/powerpoint/2012/main" xmlns:mc="http://schemas.openxmlformats.org/markup-compatibility/2006">
+<p:sld xmlns:a="http://schemas.openxmlformats.org/drawingml/2006/main" xmlns:r="http://schemas.openxmlformats.org/officeDocument/2006/relationships" xmlns:p="http://schemas.openxmlformats.org/presentationml/2006/main">
   <p:cSld>
     <p:spTree>
       <p:nvGrpSpPr>
@@ -4917,18 +5668,16 @@
           </a:ln>
         </p:spPr>
         <p:txBody>
-          <a:bodyPr lIns="0" rIns="0" tIns="0" bIns="0" anchor="ctr"/>
+          <a:bodyPr lIns="0" tIns="0" rIns="0" bIns="0" anchor="ctr"/>
+          <a:lstStyle/>
           <a:p>
             <a:pPr algn="ctr"/>
             <a:r>
-              <a:rPr b="0" lang="en-US" sz="4400" spc="-1" strike="noStrike">
+              <a:rPr lang="en-US" sz="4400" b="0" strike="noStrike" spc="-1">
                 <a:latin typeface="Arial"/>
               </a:rPr>
               <a:t>Sertifikaattien salattu maailma</a:t>
             </a:r>
-            <a:endParaRPr b="0" lang="en-US" sz="4400" spc="-1" strike="noStrike">
-              <a:latin typeface="Arial"/>
-            </a:endParaRPr>
           </a:p>
         </p:txBody>
       </p:sp>
@@ -4941,7 +5690,7 @@
         <p:spPr>
           <a:xfrm>
             <a:off x="504000" y="1769040"/>
-            <a:ext cx="9071640" cy="4384440"/>
+            <a:ext cx="9071640" cy="5395848"/>
           </a:xfrm>
           <a:prstGeom prst="rect">
             <a:avLst/>
@@ -4952,9 +5701,10 @@
           </a:ln>
         </p:spPr>
         <p:txBody>
-          <a:bodyPr lIns="0" rIns="0" tIns="0" bIns="0">
+          <a:bodyPr lIns="0" tIns="0" rIns="0" bIns="0">
             <a:normAutofit/>
           </a:bodyPr>
+          <a:lstStyle/>
           <a:p>
             <a:pPr marL="432000" indent="-324000">
               <a:spcBef>
@@ -4968,12 +5718,36 @@
               <a:buChar char=""/>
             </a:pPr>
             <a:r>
-              <a:rPr b="0" lang="en-US" sz="3200" spc="-1" strike="noStrike">
-                <a:latin typeface="Arial"/>
-              </a:rPr>
-              <a:t>Selitetään auki julkisen avaimen kryptografia</a:t>
-            </a:r>
-            <a:endParaRPr b="0" lang="en-US" sz="3200" spc="-1" strike="noStrike">
+              <a:rPr lang="en-US" sz="3200" b="0" strike="noStrike" spc="-1" dirty="0" err="1">
+                <a:latin typeface="Arial"/>
+              </a:rPr>
+              <a:t>Julkisen</a:t>
+            </a:r>
+            <a:r>
+              <a:rPr lang="en-US" sz="3200" b="0" strike="noStrike" spc="-1" dirty="0">
+                <a:latin typeface="Arial"/>
+              </a:rPr>
+              <a:t> </a:t>
+            </a:r>
+            <a:r>
+              <a:rPr lang="en-US" sz="3200" b="0" strike="noStrike" spc="-1" dirty="0" err="1">
+                <a:latin typeface="Arial"/>
+              </a:rPr>
+              <a:t>avaimen</a:t>
+            </a:r>
+            <a:r>
+              <a:rPr lang="en-US" sz="3200" b="0" strike="noStrike" spc="-1" dirty="0">
+                <a:latin typeface="Arial"/>
+              </a:rPr>
+              <a:t> </a:t>
+            </a:r>
+            <a:r>
+              <a:rPr lang="en-US" sz="3200" b="0" strike="noStrike" spc="-1" dirty="0" err="1">
+                <a:latin typeface="Arial"/>
+              </a:rPr>
+              <a:t>kryptografia</a:t>
+            </a:r>
+            <a:endParaRPr lang="en-US" sz="3200" b="0" strike="noStrike" spc="-1" dirty="0">
               <a:latin typeface="Arial"/>
             </a:endParaRPr>
           </a:p>
@@ -4990,12 +5764,64 @@
               <a:buChar char=""/>
             </a:pPr>
             <a:r>
-              <a:rPr b="0" lang="en-US" sz="3200" spc="-1" strike="noStrike">
+              <a:rPr lang="en-US" sz="3200" b="0" strike="noStrike" spc="-1" dirty="0">
                 <a:latin typeface="Arial"/>
               </a:rPr>
               <a:t>PKI, CA</a:t>
             </a:r>
-            <a:endParaRPr b="0" lang="en-US" sz="3200" spc="-1" strike="noStrike">
+            <a:br>
+              <a:rPr lang="en-US" sz="3200" b="0" strike="noStrike" spc="-1" dirty="0">
+                <a:latin typeface="Arial"/>
+              </a:rPr>
+            </a:br>
+            <a:r>
+              <a:rPr lang="en-US" sz="2800" b="0" strike="noStrike" spc="-1" dirty="0">
+                <a:latin typeface="Arial"/>
+              </a:rPr>
+              <a:t>-</a:t>
+            </a:r>
+            <a:r>
+              <a:rPr lang="en-US" sz="2800" spc="-1" dirty="0">
+                <a:latin typeface="Arial"/>
+              </a:rPr>
+              <a:t> </a:t>
+            </a:r>
+            <a:r>
+              <a:rPr lang="en-US" sz="2800" spc="-1" dirty="0" err="1">
+                <a:latin typeface="Arial"/>
+              </a:rPr>
+              <a:t>PKI:n</a:t>
+            </a:r>
+            <a:r>
+              <a:rPr lang="en-US" sz="2800" spc="-1" dirty="0">
+                <a:latin typeface="Arial"/>
+              </a:rPr>
+              <a:t> </a:t>
+            </a:r>
+            <a:r>
+              <a:rPr lang="en-US" sz="2800" spc="-1" dirty="0" err="1">
+                <a:latin typeface="Arial"/>
+              </a:rPr>
+              <a:t>tarkoitus</a:t>
+            </a:r>
+            <a:br>
+              <a:rPr lang="en-US" sz="3200" spc="-1" dirty="0">
+                <a:latin typeface="Arial"/>
+              </a:rPr>
+            </a:br>
+            <a:r>
+              <a:rPr lang="en-US" sz="2800" spc="-1" dirty="0">
+                <a:latin typeface="Arial"/>
+              </a:rPr>
+              <a:t>- Eri </a:t>
+            </a:r>
+            <a:r>
+              <a:rPr lang="en-US" sz="2800" spc="-1" dirty="0" err="1">
+                <a:latin typeface="Arial"/>
+              </a:rPr>
+              <a:t>malleja</a:t>
+            </a:r>
+            <a:endParaRPr lang="en-US" sz="2800" b="0" strike="noStrike" spc="-1" dirty="0">
               <a:latin typeface="Arial"/>
             </a:endParaRPr>
           </a:p>
@@ -5012,17 +5838,135 @@
               <a:buChar char=""/>
             </a:pPr>
             <a:r>
-              <a:rPr b="0" lang="en-US" sz="3200" spc="-1" strike="noStrike">
-                <a:latin typeface="Arial"/>
-              </a:rPr>
-              <a:t>PGP ja WoT</a:t>
-            </a:r>
-            <a:endParaRPr b="0" lang="en-US" sz="3200" spc="-1" strike="noStrike">
-              <a:latin typeface="Arial"/>
-            </a:endParaRPr>
-          </a:p>
-          <a:p>
-            <a:pPr lvl="1" marL="864000" indent="-324000">
+              <a:rPr lang="en-US" sz="3200" b="0" strike="noStrike" spc="-1" dirty="0">
+                <a:latin typeface="Arial"/>
+              </a:rPr>
+              <a:t>PGP ja </a:t>
+            </a:r>
+            <a:r>
+              <a:rPr lang="en-US" sz="3200" b="0" strike="noStrike" spc="-1" dirty="0" err="1">
+                <a:latin typeface="Arial"/>
+              </a:rPr>
+              <a:t>WoT</a:t>
+            </a:r>
+            <a:br>
+              <a:rPr lang="en-US" sz="3200" spc="-1" dirty="0">
+                <a:latin typeface="Arial"/>
+              </a:rPr>
+            </a:br>
+            <a:r>
+              <a:rPr lang="en-US" sz="3200" spc="-1" dirty="0">
+                <a:latin typeface="Arial"/>
+              </a:rPr>
+              <a:t>- </a:t>
+            </a:r>
+            <a:r>
+              <a:rPr lang="en-US" sz="2800" b="0" strike="noStrike" spc="-1" dirty="0" err="1">
+                <a:latin typeface="Arial"/>
+              </a:rPr>
+              <a:t>Kuinka</a:t>
+            </a:r>
+            <a:r>
+              <a:rPr lang="en-US" sz="2800" b="0" strike="noStrike" spc="-1" dirty="0">
+                <a:latin typeface="Arial"/>
+              </a:rPr>
+              <a:t> </a:t>
+            </a:r>
+            <a:r>
+              <a:rPr lang="en-US" sz="2800" b="0" strike="noStrike" spc="-1" dirty="0" err="1">
+                <a:latin typeface="Arial"/>
+              </a:rPr>
+              <a:t>luoda</a:t>
+            </a:r>
+            <a:r>
+              <a:rPr lang="en-US" sz="2800" b="0" strike="noStrike" spc="-1" dirty="0">
+                <a:latin typeface="Arial"/>
+              </a:rPr>
+              <a:t> </a:t>
+            </a:r>
+            <a:r>
+              <a:rPr lang="en-US" sz="2800" b="0" strike="noStrike" spc="-1" dirty="0" err="1">
+                <a:latin typeface="Arial"/>
+              </a:rPr>
+              <a:t>oma</a:t>
+            </a:r>
+            <a:r>
+              <a:rPr lang="en-US" sz="2800" b="0" strike="noStrike" spc="-1" dirty="0">
+                <a:latin typeface="Arial"/>
+              </a:rPr>
+              <a:t> </a:t>
+            </a:r>
+            <a:r>
+              <a:rPr lang="en-US" sz="2800" b="0" strike="noStrike" spc="-1" dirty="0" err="1">
+                <a:latin typeface="Arial"/>
+              </a:rPr>
+              <a:t>avainpari</a:t>
+            </a:r>
+            <a:br>
+              <a:rPr lang="en-US" sz="2800" spc="-1" dirty="0">
+                <a:latin typeface="Arial"/>
+              </a:rPr>
+            </a:br>
+            <a:r>
+              <a:rPr lang="en-US" sz="3200" spc="-1" dirty="0">
+                <a:latin typeface="Arial"/>
+              </a:rPr>
+              <a:t>-</a:t>
+            </a:r>
+            <a:r>
+              <a:rPr lang="en-US" sz="2800" spc="-1" dirty="0">
+                <a:latin typeface="Arial"/>
+              </a:rPr>
+              <a:t> </a:t>
+            </a:r>
+            <a:r>
+              <a:rPr lang="en-US" sz="2800" b="0" strike="noStrike" spc="-1" dirty="0" err="1">
+                <a:latin typeface="Arial"/>
+              </a:rPr>
+              <a:t>Miten</a:t>
+            </a:r>
+            <a:r>
+              <a:rPr lang="en-US" sz="2800" b="0" strike="noStrike" spc="-1" dirty="0">
+                <a:latin typeface="Arial"/>
+              </a:rPr>
+              <a:t> </a:t>
+            </a:r>
+            <a:r>
+              <a:rPr lang="en-US" sz="2800" b="0" strike="noStrike" spc="-1" dirty="0" err="1">
+                <a:latin typeface="Arial"/>
+              </a:rPr>
+              <a:t>luoda</a:t>
+            </a:r>
+            <a:r>
+              <a:rPr lang="en-US" sz="2800" b="0" strike="noStrike" spc="-1" dirty="0">
+                <a:latin typeface="Arial"/>
+              </a:rPr>
+              <a:t> </a:t>
+            </a:r>
+            <a:r>
+              <a:rPr lang="en-US" sz="2800" b="0" strike="noStrike" spc="-1" dirty="0" err="1">
+                <a:latin typeface="Arial"/>
+              </a:rPr>
+              <a:t>oma</a:t>
+            </a:r>
+            <a:r>
+              <a:rPr lang="en-US" sz="2800" b="0" strike="noStrike" spc="-1" dirty="0">
+                <a:latin typeface="Arial"/>
+              </a:rPr>
+              <a:t> </a:t>
+            </a:r>
+            <a:r>
+              <a:rPr lang="en-US" sz="2800" b="0" strike="noStrike" spc="-1" dirty="0" err="1">
+                <a:latin typeface="Arial"/>
+              </a:rPr>
+              <a:t>WoT</a:t>
+            </a:r>
+            <a:endParaRPr lang="en-US" sz="2800" b="0" strike="noStrike" spc="-1" dirty="0">
+              <a:latin typeface="Arial"/>
+            </a:endParaRPr>
+          </a:p>
+          <a:p>
+            <a:pPr marL="864000" lvl="1" indent="-324000">
               <a:spcBef>
                 <a:spcPts val="1134"/>
               </a:spcBef>
@@ -5033,51 +5977,7 @@
               <a:buFont typeface="Symbol" charset="2"/>
               <a:buChar char=""/>
             </a:pPr>
-            <a:r>
-              <a:rPr b="0" lang="en-US" sz="2800" spc="-1" strike="noStrike">
-                <a:latin typeface="Arial"/>
-              </a:rPr>
-              <a:t>Kuinka luoda oma avainpari</a:t>
-            </a:r>
-            <a:endParaRPr b="0" lang="en-US" sz="2800" spc="-1" strike="noStrike">
-              <a:latin typeface="Arial"/>
-            </a:endParaRPr>
-          </a:p>
-          <a:p>
-            <a:pPr lvl="1" marL="864000" indent="-324000">
-              <a:spcBef>
-                <a:spcPts val="1134"/>
-              </a:spcBef>
-              <a:buClr>
-                <a:srgbClr val="000000"/>
-              </a:buClr>
-              <a:buSzPct val="75000"/>
-              <a:buFont typeface="Symbol" charset="2"/>
-              <a:buChar char=""/>
-            </a:pPr>
-            <a:r>
-              <a:rPr b="0" lang="en-US" sz="2800" spc="-1" strike="noStrike">
-                <a:latin typeface="Arial"/>
-              </a:rPr>
-              <a:t>Miten luoda oma WoT</a:t>
-            </a:r>
-            <a:endParaRPr b="0" lang="en-US" sz="2800" spc="-1" strike="noStrike">
-              <a:latin typeface="Arial"/>
-            </a:endParaRPr>
-          </a:p>
-          <a:p>
-            <a:pPr lvl="1" marL="864000" indent="-324000">
-              <a:spcBef>
-                <a:spcPts val="1134"/>
-              </a:spcBef>
-              <a:buClr>
-                <a:srgbClr val="000000"/>
-              </a:buClr>
-              <a:buSzPct val="75000"/>
-              <a:buFont typeface="Symbol" charset="2"/>
-              <a:buChar char=""/>
-            </a:pPr>
-            <a:endParaRPr b="0" lang="en-US" sz="2800" spc="-1" strike="noStrike">
+            <a:endParaRPr lang="en-US" sz="2800" b="0" strike="noStrike" spc="-1" dirty="0">
               <a:latin typeface="Arial"/>
             </a:endParaRPr>
           </a:p>
@@ -5094,12 +5994,71 @@
               <a:buChar char=""/>
             </a:pPr>
             <a:r>
-              <a:rPr b="0" lang="en-US" sz="3200" spc="-1" strike="noStrike">
-                <a:latin typeface="Arial"/>
-              </a:rPr>
-              <a:t>Mitä ongelmia näissä järjestelmissä on</a:t>
-            </a:r>
-            <a:endParaRPr b="0" lang="en-US" sz="3200" spc="-1" strike="noStrike">
+              <a:rPr lang="en-US" sz="3200" b="0" strike="noStrike" spc="-1" dirty="0" err="1">
+                <a:latin typeface="Arial"/>
+              </a:rPr>
+              <a:t>Mitä</a:t>
+            </a:r>
+            <a:r>
+              <a:rPr lang="en-US" sz="3200" b="0" strike="noStrike" spc="-1" dirty="0">
+                <a:latin typeface="Arial"/>
+              </a:rPr>
+              <a:t> </a:t>
+            </a:r>
+            <a:r>
+              <a:rPr lang="en-US" sz="3200" b="0" strike="noStrike" spc="-1" dirty="0" err="1">
+                <a:latin typeface="Arial"/>
+              </a:rPr>
+              <a:t>ongelmia</a:t>
+            </a:r>
+            <a:r>
+              <a:rPr lang="en-US" sz="3200" b="0" strike="noStrike" spc="-1" dirty="0">
+                <a:latin typeface="Arial"/>
+              </a:rPr>
+              <a:t> </a:t>
+            </a:r>
+            <a:r>
+              <a:rPr lang="en-US" sz="3200" b="0" strike="noStrike" spc="-1" dirty="0" err="1">
+                <a:latin typeface="Arial"/>
+              </a:rPr>
+              <a:t>näissä</a:t>
+            </a:r>
+            <a:r>
+              <a:rPr lang="en-US" sz="3200" b="0" strike="noStrike" spc="-1" dirty="0">
+                <a:latin typeface="Arial"/>
+              </a:rPr>
+              <a:t> </a:t>
+            </a:r>
+            <a:r>
+              <a:rPr lang="en-US" sz="3200" b="0" strike="noStrike" spc="-1" dirty="0" err="1">
+                <a:latin typeface="Arial"/>
+              </a:rPr>
+              <a:t>järjestelmissä</a:t>
+            </a:r>
+            <a:r>
+              <a:rPr lang="en-US" sz="3200" b="0" strike="noStrike" spc="-1" dirty="0">
+                <a:latin typeface="Arial"/>
+              </a:rPr>
+              <a:t> on</a:t>
+            </a:r>
+            <a:r>
+              <a:rPr lang="en-US" sz="3200" spc="-1" dirty="0">
+                <a:latin typeface="Arial"/>
+              </a:rPr>
+              <a:t>?</a:t>
+            </a:r>
+          </a:p>
+          <a:p>
+            <a:pPr marL="108000">
+              <a:spcBef>
+                <a:spcPts val="1417"/>
+              </a:spcBef>
+              <a:buClr>
+                <a:srgbClr val="000000"/>
+              </a:buClr>
+              <a:buSzPct val="45000"/>
+            </a:pPr>
+            <a:endParaRPr lang="en-US" sz="2800" b="0" strike="noStrike" spc="-1" dirty="0">
               <a:latin typeface="Arial"/>
             </a:endParaRPr>
           </a:p>
@@ -5107,30 +6066,25 @@
       </p:sp>
     </p:spTree>
   </p:cSld>
-  <mc:AlternateContent>
-    <mc:Choice Requires="p14">
-      <p:transition spd="slow" p14:dur="2000"/>
-    </mc:Choice>
-    <mc:Fallback>
-      <p:transition spd="slow"/>
-    </mc:Fallback>
-  </mc:AlternateContent>
+  <p:clrMapOvr>
+    <a:masterClrMapping/>
+  </p:clrMapOvr>
   <p:timing>
     <p:tnLst>
       <p:par>
-        <p:cTn id="15" dur="indefinite" restart="never" nodeType="tmRoot">
+        <p:cTn id="1" dur="indefinite" restart="never" nodeType="tmRoot">
           <p:childTnLst>
             <p:seq>
-              <p:cTn id="16" dur="indefinite" nodeType="mainSeq"/>
+              <p:cTn id="2" dur="indefinite" nodeType="mainSeq"/>
               <p:prevCondLst>
-                <p:cond delay="0" evt="onPrev">
+                <p:cond evt="onPrev" delay="0">
                   <p:tgtEl>
                     <p:sldTgt/>
                   </p:tgtEl>
                 </p:cond>
               </p:prevCondLst>
               <p:nextCondLst>
-                <p:cond delay="0" evt="onNext">
+                <p:cond evt="onNext" delay="0">
                   <p:tgtEl>
                     <p:sldTgt/>
                   </p:tgtEl>
@@ -5146,7 +6100,7 @@
 </file>
 
 <file path=ppt/slides/slide9.xml><?xml version="1.0" encoding="utf-8"?>
-<p:sld xmlns:a="http://schemas.openxmlformats.org/drawingml/2006/main" xmlns:p="http://schemas.openxmlformats.org/presentationml/2006/main" xmlns:r="http://schemas.openxmlformats.org/officeDocument/2006/relationships" xmlns:p14="http://schemas.microsoft.com/office/powerpoint/2010/main" xmlns:p15="http://schemas.microsoft.com/office/powerpoint/2012/main" xmlns:mc="http://schemas.openxmlformats.org/markup-compatibility/2006">
+<p:sld xmlns:a="http://schemas.openxmlformats.org/drawingml/2006/main" xmlns:r="http://schemas.openxmlformats.org/officeDocument/2006/relationships" xmlns:p="http://schemas.openxmlformats.org/presentationml/2006/main">
   <p:cSld>
     <p:spTree>
       <p:nvGrpSpPr>
@@ -5182,53 +6136,140 @@
           </a:ln>
         </p:spPr>
         <p:txBody>
-          <a:bodyPr lIns="0" rIns="0" tIns="0" bIns="0" anchor="ctr"/>
+          <a:bodyPr lIns="0" tIns="0" rIns="0" bIns="0" anchor="ctr"/>
+          <a:lstStyle/>
           <a:p>
             <a:pPr algn="ctr"/>
             <a:r>
-              <a:rPr b="0" lang="en-US" sz="8800" spc="-1" strike="noStrike">
+              <a:rPr lang="en-US" sz="8800" b="0" strike="noStrike" spc="-1" dirty="0">
                 <a:solidFill>
-                  <a:srgbClr val="ffffff"/>
+                  <a:srgbClr val="FFFFFF"/>
                 </a:solidFill>
                 <a:latin typeface="Arial"/>
               </a:rPr>
-              <a:t>KIITOS MUSSUKAT &lt;3</a:t>
-            </a:r>
-            <a:endParaRPr b="0" lang="en-US" sz="8800" spc="-1" strike="noStrike">
-              <a:solidFill>
-                <a:srgbClr val="ffffff"/>
-              </a:solidFill>
-              <a:latin typeface="Arial"/>
-            </a:endParaRPr>
-          </a:p>
-        </p:txBody>
-      </p:sp>
+              <a:t>KIITOS</a:t>
+            </a:r>
+          </a:p>
+        </p:txBody>
+      </p:sp>
+      <mc:AlternateContent xmlns:mc="http://schemas.openxmlformats.org/markup-compatibility/2006">
+        <mc:Choice xmlns:pslz="http://schemas.microsoft.com/office/powerpoint/2016/slidezoom" Requires="pslz">
+          <p:graphicFrame>
+            <p:nvGraphicFramePr>
+              <p:cNvPr id="3" name="Dian zoomaustoiminto 2">
+                <a:extLst>
+                  <a:ext uri="{FF2B5EF4-FFF2-40B4-BE49-F238E27FC236}">
+                    <a16:creationId xmlns:a16="http://schemas.microsoft.com/office/drawing/2014/main" id="{C4762C65-C50E-4757-AB5E-84A2474B3CCD}"/>
+                  </a:ext>
+                </a:extLst>
+              </p:cNvPr>
+              <p:cNvGraphicFramePr>
+                <a:graphicFrameLocks noChangeAspect="1"/>
+              </p:cNvGraphicFramePr>
+              <p:nvPr>
+                <p:extLst>
+                  <p:ext uri="{D42A27DB-BD31-4B8C-83A1-F6EECF244321}">
+                    <p14:modId xmlns:p14="http://schemas.microsoft.com/office/powerpoint/2010/main" val="4271990888"/>
+                  </p:ext>
+                </p:extLst>
+              </p:nvPr>
+            </p:nvGraphicFramePr>
+            <p:xfrm>
+              <a:off x="-2023951" y="3923772"/>
+              <a:ext cx="2520156" cy="1889919"/>
+            </p:xfrm>
+            <a:graphic>
+              <a:graphicData uri="http://schemas.microsoft.com/office/powerpoint/2016/slidezoom">
+                <pslz:sldZm>
+                  <pslz:sldZmObj sldId="263" cId="0">
+                    <pslz:zmPr id="{63A051D5-2DDD-49F4-9CF3-DB5379CC1CD8}" returnToParent="0" transitionDur="1000">
+                      <p166:blipFill xmlns:p166="http://schemas.microsoft.com/office/powerpoint/2016/6/main">
+                        <a:blip r:embed="rId2"/>
+                        <a:stretch>
+                          <a:fillRect/>
+                        </a:stretch>
+                      </p166:blipFill>
+                      <p166:spPr xmlns:p166="http://schemas.microsoft.com/office/powerpoint/2016/6/main">
+                        <a:xfrm>
+                          <a:off x="0" y="0"/>
+                          <a:ext cx="2520156" cy="1889919"/>
+                        </a:xfrm>
+                        <a:prstGeom prst="rect">
+                          <a:avLst/>
+                        </a:prstGeom>
+                        <a:ln w="3175">
+                          <a:solidFill>
+                            <a:prstClr val="ltGray"/>
+                          </a:solidFill>
+                        </a:ln>
+                      </p166:spPr>
+                    </pslz:zmPr>
+                  </pslz:sldZmObj>
+                </pslz:sldZm>
+              </a:graphicData>
+            </a:graphic>
+          </p:graphicFrame>
+        </mc:Choice>
+        <mc:Fallback>
+          <p:pic>
+            <p:nvPicPr>
+              <p:cNvPr id="3" name="Dian zoomaustoiminto 2">
+                <a:hlinkClick r:id="rId3" action="ppaction://hlinksldjump"/>
+                <a:extLst>
+                  <a:ext uri="{FF2B5EF4-FFF2-40B4-BE49-F238E27FC236}">
+                    <a16:creationId xmlns:a16="http://schemas.microsoft.com/office/drawing/2014/main" id="{C4762C65-C50E-4757-AB5E-84A2474B3CCD}"/>
+                  </a:ext>
+                </a:extLst>
+              </p:cNvPr>
+              <p:cNvPicPr>
+                <a:picLocks noGrp="1" noRot="1" noChangeAspect="1" noMove="1" noResize="1" noEditPoints="1" noAdjustHandles="1" noChangeArrowheads="1" noChangeShapeType="1"/>
+              </p:cNvPicPr>
+              <p:nvPr/>
+            </p:nvPicPr>
+            <p:blipFill>
+              <a:blip r:embed="rId2"/>
+              <a:stretch>
+                <a:fillRect/>
+              </a:stretch>
+            </p:blipFill>
+            <p:spPr>
+              <a:xfrm>
+                <a:off x="-2023951" y="3923772"/>
+                <a:ext cx="2520156" cy="1889919"/>
+              </a:xfrm>
+              <a:prstGeom prst="rect">
+                <a:avLst/>
+              </a:prstGeom>
+              <a:ln w="3175">
+                <a:solidFill>
+                  <a:prstClr val="ltGray"/>
+                </a:solidFill>
+              </a:ln>
+            </p:spPr>
+          </p:pic>
+        </mc:Fallback>
+      </mc:AlternateContent>
     </p:spTree>
   </p:cSld>
-  <mc:AlternateContent>
-    <mc:Choice Requires="p14">
-      <p:transition spd="slow" p14:dur="2000"/>
-    </mc:Choice>
-    <mc:Fallback>
-      <p:transition spd="slow"/>
-    </mc:Fallback>
-  </mc:AlternateContent>
+  <p:clrMapOvr>
+    <a:masterClrMapping/>
+  </p:clrMapOvr>
   <p:timing>
     <p:tnLst>
       <p:par>
-        <p:cTn id="17" dur="indefinite" restart="never" nodeType="tmRoot">
+        <p:cTn id="1" dur="indefinite" restart="never" nodeType="tmRoot">
           <p:childTnLst>
             <p:seq>
-              <p:cTn id="18" dur="indefinite" nodeType="mainSeq"/>
+              <p:cTn id="2" dur="indefinite" nodeType="mainSeq"/>
               <p:prevCondLst>
-                <p:cond delay="0" evt="onPrev">
+                <p:cond evt="onPrev" delay="0">
                   <p:tgtEl>
                     <p:sldTgt/>
                   </p:tgtEl>
                 </p:cond>
               </p:prevCondLst>
               <p:nextCondLst>
-                <p:cond delay="0" evt="onNext">
+                <p:cond evt="onNext" delay="0">
                   <p:tgtEl>
                     <p:sldTgt/>
                   </p:tgtEl>
@@ -5254,31 +6295,31 @@
         <a:sysClr val="window" lastClr="FFFFFF"/>
       </a:lt1>
       <a:dk2>
-        <a:srgbClr val="1f497d"/>
+        <a:srgbClr val="1F497D"/>
       </a:dk2>
       <a:lt2>
-        <a:srgbClr val="eeece1"/>
+        <a:srgbClr val="EEECE1"/>
       </a:lt2>
       <a:accent1>
-        <a:srgbClr val="4f81bd"/>
+        <a:srgbClr val="4F81BD"/>
       </a:accent1>
       <a:accent2>
-        <a:srgbClr val="c0504d"/>
+        <a:srgbClr val="C0504D"/>
       </a:accent2>
       <a:accent3>
-        <a:srgbClr val="9bbb59"/>
+        <a:srgbClr val="9BBB59"/>
       </a:accent3>
       <a:accent4>
-        <a:srgbClr val="8064a2"/>
+        <a:srgbClr val="8064A2"/>
       </a:accent4>
       <a:accent5>
-        <a:srgbClr val="4bacc6"/>
+        <a:srgbClr val="4BACC6"/>
       </a:accent5>
       <a:accent6>
-        <a:srgbClr val="f79646"/>
+        <a:srgbClr val="F79646"/>
       </a:accent6>
       <a:hlink>
-        <a:srgbClr val="0000ff"/>
+        <a:srgbClr val="0000FF"/>
       </a:hlink>
       <a:folHlink>
         <a:srgbClr val="800080"/>
@@ -5463,6 +6504,8 @@
       </a:bgFillStyleLst>
     </a:fmtScheme>
   </a:themeElements>
+  <a:objectDefaults/>
+  <a:extraClrSchemeLst/>
 </a:theme>
 </file>
 
@@ -5477,31 +6520,31 @@
         <a:sysClr val="window" lastClr="FFFFFF"/>
       </a:lt1>
       <a:dk2>
-        <a:srgbClr val="1f497d"/>
+        <a:srgbClr val="1F497D"/>
       </a:dk2>
       <a:lt2>
-        <a:srgbClr val="eeece1"/>
+        <a:srgbClr val="EEECE1"/>
       </a:lt2>
       <a:accent1>
-        <a:srgbClr val="4f81bd"/>
+        <a:srgbClr val="4F81BD"/>
       </a:accent1>
       <a:accent2>
-        <a:srgbClr val="c0504d"/>
+        <a:srgbClr val="C0504D"/>
       </a:accent2>
       <a:accent3>
-        <a:srgbClr val="9bbb59"/>
+        <a:srgbClr val="9BBB59"/>
       </a:accent3>
       <a:accent4>
-        <a:srgbClr val="8064a2"/>
+        <a:srgbClr val="8064A2"/>
       </a:accent4>
       <a:accent5>
-        <a:srgbClr val="4bacc6"/>
+        <a:srgbClr val="4BACC6"/>
       </a:accent5>
       <a:accent6>
-        <a:srgbClr val="f79646"/>
+        <a:srgbClr val="F79646"/>
       </a:accent6>
       <a:hlink>
-        <a:srgbClr val="0000ff"/>
+        <a:srgbClr val="0000FF"/>
       </a:hlink>
       <a:folHlink>
         <a:srgbClr val="800080"/>
@@ -5686,5 +6729,7 @@
       </a:bgFillStyleLst>
     </a:fmtScheme>
   </a:themeElements>
+  <a:objectDefaults/>
+  <a:extraClrSchemeLst/>
 </a:theme>
 </file>